--- a/Final presentation.pptx
+++ b/Final presentation.pptx
@@ -7,18 +7,19 @@
   <p:sldIdLst>
     <p:sldId id="256" r:id="rId2"/>
     <p:sldId id="257" r:id="rId3"/>
-    <p:sldId id="264" r:id="rId4"/>
-    <p:sldId id="266" r:id="rId5"/>
-    <p:sldId id="269" r:id="rId6"/>
-    <p:sldId id="265" r:id="rId7"/>
-    <p:sldId id="268" r:id="rId8"/>
-    <p:sldId id="262" r:id="rId9"/>
-    <p:sldId id="260" r:id="rId10"/>
-    <p:sldId id="261" r:id="rId11"/>
-    <p:sldId id="263" r:id="rId12"/>
-    <p:sldId id="258" r:id="rId13"/>
-    <p:sldId id="267" r:id="rId14"/>
-    <p:sldId id="259" r:id="rId15"/>
+    <p:sldId id="270" r:id="rId4"/>
+    <p:sldId id="265" r:id="rId5"/>
+    <p:sldId id="264" r:id="rId6"/>
+    <p:sldId id="266" r:id="rId7"/>
+    <p:sldId id="269" r:id="rId8"/>
+    <p:sldId id="268" r:id="rId9"/>
+    <p:sldId id="262" r:id="rId10"/>
+    <p:sldId id="260" r:id="rId11"/>
+    <p:sldId id="261" r:id="rId12"/>
+    <p:sldId id="263" r:id="rId13"/>
+    <p:sldId id="258" r:id="rId14"/>
+    <p:sldId id="267" r:id="rId15"/>
+    <p:sldId id="259" r:id="rId16"/>
   </p:sldIdLst>
   <p:sldSz cx="12192000" cy="6858000"/>
   <p:notesSz cx="6858000" cy="9144000"/>
@@ -6012,6 +6013,135 @@
           <a:lstStyle/>
           <a:p>
             <a:r>
+              <a:rPr lang="en-US" dirty="0" smtClean="0"/>
+              <a:t>GUI</a:t>
+            </a:r>
+            <a:endParaRPr lang="he-IL" dirty="0"/>
+          </a:p>
+        </p:txBody>
+      </p:sp>
+      <p:sp>
+        <p:nvSpPr>
+          <p:cNvPr id="3" name="Content Placeholder 2"/>
+          <p:cNvSpPr>
+            <a:spLocks noGrp="1"/>
+          </p:cNvSpPr>
+          <p:nvPr>
+            <p:ph idx="1"/>
+          </p:nvPr>
+        </p:nvSpPr>
+        <p:spPr/>
+        <p:txBody>
+          <a:bodyPr/>
+          <a:lstStyle/>
+          <a:p>
+            <a:pPr algn="l" rtl="0"/>
+            <a:r>
+              <a:rPr lang="en-US" dirty="0"/>
+              <a:t>Simple </a:t>
+            </a:r>
+            <a:r>
+              <a:rPr lang="en-US" dirty="0" smtClean="0"/>
+              <a:t>interface for users.</a:t>
+            </a:r>
+            <a:endParaRPr lang="he-IL" dirty="0"/>
+          </a:p>
+        </p:txBody>
+      </p:sp>
+      <p:pic>
+        <p:nvPicPr>
+          <p:cNvPr id="4" name="Picture 3"/>
+          <p:cNvPicPr>
+            <a:picLocks noChangeAspect="1"/>
+          </p:cNvPicPr>
+          <p:nvPr/>
+        </p:nvPicPr>
+        <p:blipFill>
+          <a:blip r:embed="rId2"/>
+          <a:stretch>
+            <a:fillRect/>
+          </a:stretch>
+        </p:blipFill>
+        <p:spPr>
+          <a:xfrm>
+            <a:off x="2959368" y="3557903"/>
+            <a:ext cx="3787468" cy="2110923"/>
+          </a:xfrm>
+          <a:prstGeom prst="rect">
+            <a:avLst/>
+          </a:prstGeom>
+        </p:spPr>
+      </p:pic>
+      <p:pic>
+        <p:nvPicPr>
+          <p:cNvPr id="5" name="Picture 4"/>
+          <p:cNvPicPr>
+            <a:picLocks noChangeAspect="1"/>
+          </p:cNvPicPr>
+          <p:nvPr/>
+        </p:nvPicPr>
+        <p:blipFill>
+          <a:blip r:embed="rId3"/>
+          <a:stretch>
+            <a:fillRect/>
+          </a:stretch>
+        </p:blipFill>
+        <p:spPr>
+          <a:xfrm>
+            <a:off x="7593742" y="2451560"/>
+            <a:ext cx="2455949" cy="3714624"/>
+          </a:xfrm>
+          <a:prstGeom prst="rect">
+            <a:avLst/>
+          </a:prstGeom>
+        </p:spPr>
+      </p:pic>
+    </p:spTree>
+    <p:extLst>
+      <p:ext uri="{BB962C8B-B14F-4D97-AF65-F5344CB8AC3E}">
+        <p14:creationId xmlns:p14="http://schemas.microsoft.com/office/powerpoint/2010/main" val="1523925099"/>
+      </p:ext>
+    </p:extLst>
+  </p:cSld>
+  <p:clrMapOvr>
+    <a:masterClrMapping/>
+  </p:clrMapOvr>
+</p:sld>
+</file>
+
+<file path=ppt/slides/slide11.xml><?xml version="1.0" encoding="utf-8"?>
+<p:sld xmlns:a="http://schemas.openxmlformats.org/drawingml/2006/main" xmlns:r="http://schemas.openxmlformats.org/officeDocument/2006/relationships" xmlns:p="http://schemas.openxmlformats.org/presentationml/2006/main">
+  <p:cSld>
+    <p:spTree>
+      <p:nvGrpSpPr>
+        <p:cNvPr id="1" name=""/>
+        <p:cNvGrpSpPr/>
+        <p:nvPr/>
+      </p:nvGrpSpPr>
+      <p:grpSpPr>
+        <a:xfrm>
+          <a:off x="0" y="0"/>
+          <a:ext cx="0" cy="0"/>
+          <a:chOff x="0" y="0"/>
+          <a:chExt cx="0" cy="0"/>
+        </a:xfrm>
+      </p:grpSpPr>
+      <p:sp>
+        <p:nvSpPr>
+          <p:cNvPr id="2" name="Title 1"/>
+          <p:cNvSpPr>
+            <a:spLocks noGrp="1"/>
+          </p:cNvSpPr>
+          <p:nvPr>
+            <p:ph type="title"/>
+          </p:nvPr>
+        </p:nvSpPr>
+        <p:spPr/>
+        <p:txBody>
+          <a:bodyPr/>
+          <a:lstStyle/>
+          <a:p>
+            <a:r>
               <a:rPr lang="en-US" dirty="0"/>
               <a:t>Disconnect computer</a:t>
             </a:r>
@@ -6088,79 +6218,6 @@
 </p:sld>
 </file>
 
-<file path=ppt/slides/slide11.xml><?xml version="1.0" encoding="utf-8"?>
-<p:sld xmlns:a="http://schemas.openxmlformats.org/drawingml/2006/main" xmlns:r="http://schemas.openxmlformats.org/officeDocument/2006/relationships" xmlns:p="http://schemas.openxmlformats.org/presentationml/2006/main">
-  <p:cSld>
-    <p:spTree>
-      <p:nvGrpSpPr>
-        <p:cNvPr id="1" name=""/>
-        <p:cNvGrpSpPr/>
-        <p:nvPr/>
-      </p:nvGrpSpPr>
-      <p:grpSpPr>
-        <a:xfrm>
-          <a:off x="0" y="0"/>
-          <a:ext cx="0" cy="0"/>
-          <a:chOff x="0" y="0"/>
-          <a:chExt cx="0" cy="0"/>
-        </a:xfrm>
-      </p:grpSpPr>
-      <p:sp>
-        <p:nvSpPr>
-          <p:cNvPr id="2" name="Title 1"/>
-          <p:cNvSpPr>
-            <a:spLocks noGrp="1"/>
-          </p:cNvSpPr>
-          <p:nvPr>
-            <p:ph type="title"/>
-          </p:nvPr>
-        </p:nvSpPr>
-        <p:spPr/>
-        <p:txBody>
-          <a:bodyPr/>
-          <a:lstStyle/>
-          <a:p>
-            <a:r>
-              <a:rPr lang="en-US" dirty="0"/>
-              <a:t>Statistics</a:t>
-            </a:r>
-            <a:endParaRPr lang="he-IL" dirty="0"/>
-          </a:p>
-        </p:txBody>
-      </p:sp>
-      <p:sp>
-        <p:nvSpPr>
-          <p:cNvPr id="3" name="Content Placeholder 2"/>
-          <p:cNvSpPr>
-            <a:spLocks noGrp="1"/>
-          </p:cNvSpPr>
-          <p:nvPr>
-            <p:ph idx="1"/>
-          </p:nvPr>
-        </p:nvSpPr>
-        <p:spPr/>
-        <p:txBody>
-          <a:bodyPr/>
-          <a:lstStyle/>
-          <a:p>
-            <a:pPr algn="l"/>
-            <a:endParaRPr lang="he-IL" dirty="0"/>
-          </a:p>
-        </p:txBody>
-      </p:sp>
-    </p:spTree>
-    <p:extLst>
-      <p:ext uri="{BB962C8B-B14F-4D97-AF65-F5344CB8AC3E}">
-        <p14:creationId xmlns:p14="http://schemas.microsoft.com/office/powerpoint/2010/main" val="563943732"/>
-      </p:ext>
-    </p:extLst>
-  </p:cSld>
-  <p:clrMapOvr>
-    <a:masterClrMapping/>
-  </p:clrMapOvr>
-</p:sld>
-</file>
-
 <file path=ppt/slides/slide12.xml><?xml version="1.0" encoding="utf-8"?>
 <p:sld xmlns:a="http://schemas.openxmlformats.org/drawingml/2006/main" xmlns:r="http://schemas.openxmlformats.org/officeDocument/2006/relationships" xmlns:p="http://schemas.openxmlformats.org/presentationml/2006/main">
   <p:cSld>
@@ -6194,6 +6251,79 @@
           <a:lstStyle/>
           <a:p>
             <a:r>
+              <a:rPr lang="en-US" dirty="0"/>
+              <a:t>Statistics</a:t>
+            </a:r>
+            <a:endParaRPr lang="he-IL" dirty="0"/>
+          </a:p>
+        </p:txBody>
+      </p:sp>
+      <p:sp>
+        <p:nvSpPr>
+          <p:cNvPr id="3" name="Content Placeholder 2"/>
+          <p:cNvSpPr>
+            <a:spLocks noGrp="1"/>
+          </p:cNvSpPr>
+          <p:nvPr>
+            <p:ph idx="1"/>
+          </p:nvPr>
+        </p:nvSpPr>
+        <p:spPr/>
+        <p:txBody>
+          <a:bodyPr/>
+          <a:lstStyle/>
+          <a:p>
+            <a:pPr algn="l"/>
+            <a:endParaRPr lang="he-IL" dirty="0"/>
+          </a:p>
+        </p:txBody>
+      </p:sp>
+    </p:spTree>
+    <p:extLst>
+      <p:ext uri="{BB962C8B-B14F-4D97-AF65-F5344CB8AC3E}">
+        <p14:creationId xmlns:p14="http://schemas.microsoft.com/office/powerpoint/2010/main" val="563943732"/>
+      </p:ext>
+    </p:extLst>
+  </p:cSld>
+  <p:clrMapOvr>
+    <a:masterClrMapping/>
+  </p:clrMapOvr>
+</p:sld>
+</file>
+
+<file path=ppt/slides/slide13.xml><?xml version="1.0" encoding="utf-8"?>
+<p:sld xmlns:a="http://schemas.openxmlformats.org/drawingml/2006/main" xmlns:r="http://schemas.openxmlformats.org/officeDocument/2006/relationships" xmlns:p="http://schemas.openxmlformats.org/presentationml/2006/main">
+  <p:cSld>
+    <p:spTree>
+      <p:nvGrpSpPr>
+        <p:cNvPr id="1" name=""/>
+        <p:cNvGrpSpPr/>
+        <p:nvPr/>
+      </p:nvGrpSpPr>
+      <p:grpSpPr>
+        <a:xfrm>
+          <a:off x="0" y="0"/>
+          <a:ext cx="0" cy="0"/>
+          <a:chOff x="0" y="0"/>
+          <a:chExt cx="0" cy="0"/>
+        </a:xfrm>
+      </p:grpSpPr>
+      <p:sp>
+        <p:nvSpPr>
+          <p:cNvPr id="2" name="Title 1"/>
+          <p:cNvSpPr>
+            <a:spLocks noGrp="1"/>
+          </p:cNvSpPr>
+          <p:nvPr>
+            <p:ph type="title"/>
+          </p:nvPr>
+        </p:nvSpPr>
+        <p:spPr/>
+        <p:txBody>
+          <a:bodyPr/>
+          <a:lstStyle/>
+          <a:p>
+            <a:r>
               <a:rPr lang="en-US" dirty="0" err="1" smtClean="0"/>
               <a:t>Youtube</a:t>
             </a:r>
@@ -6306,7 +6436,7 @@
 </p:sld>
 </file>
 
-<file path=ppt/slides/slide13.xml><?xml version="1.0" encoding="utf-8"?>
+<file path=ppt/slides/slide14.xml><?xml version="1.0" encoding="utf-8"?>
 <p:sld xmlns:a="http://schemas.openxmlformats.org/drawingml/2006/main" xmlns:r="http://schemas.openxmlformats.org/officeDocument/2006/relationships" xmlns:p="http://schemas.openxmlformats.org/presentationml/2006/main">
   <p:cSld>
     <p:spTree>
@@ -6383,7 +6513,7 @@
 </p:sld>
 </file>
 
-<file path=ppt/slides/slide14.xml><?xml version="1.0" encoding="utf-8"?>
+<file path=ppt/slides/slide15.xml><?xml version="1.0" encoding="utf-8"?>
 <p:sld xmlns:a="http://schemas.openxmlformats.org/drawingml/2006/main" xmlns:r="http://schemas.openxmlformats.org/officeDocument/2006/relationships" xmlns:p="http://schemas.openxmlformats.org/presentationml/2006/main">
   <p:cSld>
     <p:spTree>
@@ -6564,6 +6694,224 @@
 </file>
 
 <file path=ppt/slides/slide3.xml><?xml version="1.0" encoding="utf-8"?>
+<p:sld xmlns:a="http://schemas.openxmlformats.org/drawingml/2006/main" xmlns:r="http://schemas.openxmlformats.org/officeDocument/2006/relationships" xmlns:p="http://schemas.openxmlformats.org/presentationml/2006/main">
+  <p:cSld>
+    <p:spTree>
+      <p:nvGrpSpPr>
+        <p:cNvPr id="1" name=""/>
+        <p:cNvGrpSpPr/>
+        <p:nvPr/>
+      </p:nvGrpSpPr>
+      <p:grpSpPr>
+        <a:xfrm>
+          <a:off x="0" y="0"/>
+          <a:ext cx="0" cy="0"/>
+          <a:chOff x="0" y="0"/>
+          <a:chExt cx="0" cy="0"/>
+        </a:xfrm>
+      </p:grpSpPr>
+      <p:sp>
+        <p:nvSpPr>
+          <p:cNvPr id="2" name="Title 1"/>
+          <p:cNvSpPr>
+            <a:spLocks noGrp="1"/>
+          </p:cNvSpPr>
+          <p:nvPr>
+            <p:ph type="title"/>
+          </p:nvPr>
+        </p:nvSpPr>
+        <p:spPr/>
+        <p:txBody>
+          <a:bodyPr/>
+          <a:lstStyle/>
+          <a:p>
+            <a:r>
+              <a:rPr lang="en-US" dirty="0"/>
+              <a:t>How </a:t>
+            </a:r>
+            <a:r>
+              <a:rPr lang="en-US" dirty="0" smtClean="0"/>
+              <a:t>it works</a:t>
+            </a:r>
+            <a:endParaRPr lang="he-IL" dirty="0"/>
+          </a:p>
+        </p:txBody>
+      </p:sp>
+      <p:sp>
+        <p:nvSpPr>
+          <p:cNvPr id="3" name="Content Placeholder 2"/>
+          <p:cNvSpPr>
+            <a:spLocks noGrp="1"/>
+          </p:cNvSpPr>
+          <p:nvPr>
+            <p:ph idx="1"/>
+          </p:nvPr>
+        </p:nvSpPr>
+        <p:spPr/>
+        <p:txBody>
+          <a:bodyPr/>
+          <a:lstStyle/>
+          <a:p>
+            <a:pPr algn="l" rtl="0"/>
+            <a:r>
+              <a:rPr lang="en-US" dirty="0"/>
+              <a:t>The master assigns responsibility to workers for certain letters.</a:t>
+            </a:r>
+          </a:p>
+          <a:p>
+            <a:pPr algn="l" rtl="0"/>
+            <a:r>
+              <a:rPr lang="en-US" dirty="0"/>
+              <a:t>The master divides the files between the computers.</a:t>
+            </a:r>
+          </a:p>
+          <a:p>
+            <a:pPr algn="l" rtl="0"/>
+            <a:r>
+              <a:rPr lang="en-US" dirty="0"/>
+              <a:t>Each computer processes its part and transmits the data to the computer responsible on this author.</a:t>
+            </a:r>
+          </a:p>
+          <a:p>
+            <a:pPr algn="l" rtl="0"/>
+            <a:r>
+              <a:rPr lang="en-US" dirty="0"/>
+              <a:t>After the processing done the program wait for input from the user.</a:t>
+            </a:r>
+          </a:p>
+          <a:p>
+            <a:pPr algn="l" rtl="0"/>
+            <a:r>
+              <a:rPr lang="en-US" dirty="0"/>
+              <a:t>After the input, the data from the computer responsible on each researcher is requested in a parallel and recursive way.</a:t>
+            </a:r>
+            <a:endParaRPr lang="he-IL" dirty="0"/>
+          </a:p>
+        </p:txBody>
+      </p:sp>
+    </p:spTree>
+    <p:extLst>
+      <p:ext uri="{BB962C8B-B14F-4D97-AF65-F5344CB8AC3E}">
+        <p14:creationId xmlns:p14="http://schemas.microsoft.com/office/powerpoint/2010/main" val="1312107028"/>
+      </p:ext>
+    </p:extLst>
+  </p:cSld>
+  <p:clrMapOvr>
+    <a:masterClrMapping/>
+  </p:clrMapOvr>
+</p:sld>
+</file>
+
+<file path=ppt/slides/slide4.xml><?xml version="1.0" encoding="utf-8"?>
+<p:sld xmlns:a="http://schemas.openxmlformats.org/drawingml/2006/main" xmlns:r="http://schemas.openxmlformats.org/officeDocument/2006/relationships" xmlns:p="http://schemas.openxmlformats.org/presentationml/2006/main">
+  <p:cSld>
+    <p:spTree>
+      <p:nvGrpSpPr>
+        <p:cNvPr id="1" name=""/>
+        <p:cNvGrpSpPr/>
+        <p:nvPr/>
+      </p:nvGrpSpPr>
+      <p:grpSpPr>
+        <a:xfrm>
+          <a:off x="0" y="0"/>
+          <a:ext cx="0" cy="0"/>
+          <a:chOff x="0" y="0"/>
+          <a:chExt cx="0" cy="0"/>
+        </a:xfrm>
+      </p:grpSpPr>
+      <p:sp>
+        <p:nvSpPr>
+          <p:cNvPr id="2" name="Title 1"/>
+          <p:cNvSpPr>
+            <a:spLocks noGrp="1"/>
+          </p:cNvSpPr>
+          <p:nvPr>
+            <p:ph type="title"/>
+          </p:nvPr>
+        </p:nvSpPr>
+        <p:spPr/>
+        <p:txBody>
+          <a:bodyPr/>
+          <a:lstStyle/>
+          <a:p>
+            <a:r>
+              <a:rPr lang="en-US" dirty="0"/>
+              <a:t>M</a:t>
+            </a:r>
+            <a:r>
+              <a:rPr lang="en-US" dirty="0" smtClean="0"/>
+              <a:t>ultiple </a:t>
+            </a:r>
+            <a:r>
+              <a:rPr lang="en-US" dirty="0"/>
+              <a:t>computers</a:t>
+            </a:r>
+            <a:endParaRPr lang="he-IL" dirty="0"/>
+          </a:p>
+        </p:txBody>
+      </p:sp>
+      <p:sp>
+        <p:nvSpPr>
+          <p:cNvPr id="3" name="Content Placeholder 2"/>
+          <p:cNvSpPr>
+            <a:spLocks noGrp="1"/>
+          </p:cNvSpPr>
+          <p:nvPr>
+            <p:ph idx="1"/>
+          </p:nvPr>
+        </p:nvSpPr>
+        <p:spPr/>
+        <p:txBody>
+          <a:bodyPr/>
+          <a:lstStyle/>
+          <a:p>
+            <a:pPr algn="l" rtl="0"/>
+            <a:r>
+              <a:rPr lang="en-US" dirty="0"/>
+              <a:t>Our software is unlimited in the number of computers that will participate in the process.</a:t>
+            </a:r>
+            <a:endParaRPr lang="he-IL" dirty="0"/>
+          </a:p>
+        </p:txBody>
+      </p:sp>
+      <p:pic>
+        <p:nvPicPr>
+          <p:cNvPr id="4" name="Picture 3"/>
+          <p:cNvPicPr>
+            <a:picLocks noChangeAspect="1"/>
+          </p:cNvPicPr>
+          <p:nvPr/>
+        </p:nvPicPr>
+        <p:blipFill>
+          <a:blip r:embed="rId2"/>
+          <a:stretch>
+            <a:fillRect/>
+          </a:stretch>
+        </p:blipFill>
+        <p:spPr>
+          <a:xfrm>
+            <a:off x="2229394" y="3593805"/>
+            <a:ext cx="6892612" cy="2419822"/>
+          </a:xfrm>
+          <a:prstGeom prst="rect">
+            <a:avLst/>
+          </a:prstGeom>
+        </p:spPr>
+      </p:pic>
+    </p:spTree>
+    <p:extLst>
+      <p:ext uri="{BB962C8B-B14F-4D97-AF65-F5344CB8AC3E}">
+        <p14:creationId xmlns:p14="http://schemas.microsoft.com/office/powerpoint/2010/main" val="2644457486"/>
+      </p:ext>
+    </p:extLst>
+  </p:cSld>
+  <p:clrMapOvr>
+    <a:masterClrMapping/>
+  </p:clrMapOvr>
+</p:sld>
+</file>
+
+<file path=ppt/slides/slide5.xml><?xml version="1.0" encoding="utf-8"?>
 <p:sld xmlns:a="http://schemas.openxmlformats.org/drawingml/2006/main" xmlns:r="http://schemas.openxmlformats.org/officeDocument/2006/relationships" xmlns:p="http://schemas.openxmlformats.org/presentationml/2006/main">
   <p:cSld>
     <p:spTree>
@@ -6649,7 +6997,7 @@
 </p:sld>
 </file>
 
-<file path=ppt/slides/slide4.xml><?xml version="1.0" encoding="utf-8"?>
+<file path=ppt/slides/slide6.xml><?xml version="1.0" encoding="utf-8"?>
 <p:sld xmlns:a="http://schemas.openxmlformats.org/drawingml/2006/main" xmlns:r="http://schemas.openxmlformats.org/officeDocument/2006/relationships" xmlns:p="http://schemas.openxmlformats.org/presentationml/2006/main">
   <p:cSld>
     <p:spTree>
@@ -6731,7 +7079,7 @@
 </p:sld>
 </file>
 
-<file path=ppt/slides/slide5.xml><?xml version="1.0" encoding="utf-8"?>
+<file path=ppt/slides/slide7.xml><?xml version="1.0" encoding="utf-8"?>
 <p:sld xmlns:a="http://schemas.openxmlformats.org/drawingml/2006/main" xmlns:r="http://schemas.openxmlformats.org/officeDocument/2006/relationships" xmlns:p="http://schemas.openxmlformats.org/presentationml/2006/main">
   <p:cSld>
     <p:spTree>
@@ -6847,7 +7195,7 @@
 </p:sld>
 </file>
 
-<file path=ppt/slides/slide6.xml><?xml version="1.0" encoding="utf-8"?>
+<file path=ppt/slides/slide8.xml><?xml version="1.0" encoding="utf-8"?>
 <p:sld xmlns:a="http://schemas.openxmlformats.org/drawingml/2006/main" xmlns:r="http://schemas.openxmlformats.org/officeDocument/2006/relationships" xmlns:p="http://schemas.openxmlformats.org/presentationml/2006/main">
   <p:cSld>
     <p:spTree>
@@ -6881,39 +7229,15 @@
           <a:p>
             <a:r>
               <a:rPr lang="en-US" dirty="0"/>
-              <a:t>M</a:t>
+              <a:t>Master </a:t>
             </a:r>
             <a:r>
               <a:rPr lang="en-US" dirty="0" smtClean="0"/>
-              <a:t>ultiple </a:t>
+              <a:t> - state </a:t>
             </a:r>
             <a:r>
               <a:rPr lang="en-US" dirty="0"/>
-              <a:t>computers</a:t>
-            </a:r>
-            <a:endParaRPr lang="he-IL" dirty="0"/>
-          </a:p>
-        </p:txBody>
-      </p:sp>
-      <p:sp>
-        <p:nvSpPr>
-          <p:cNvPr id="3" name="Content Placeholder 2"/>
-          <p:cNvSpPr>
-            <a:spLocks noGrp="1"/>
-          </p:cNvSpPr>
-          <p:nvPr>
-            <p:ph idx="1"/>
-          </p:nvPr>
-        </p:nvSpPr>
-        <p:spPr/>
-        <p:txBody>
-          <a:bodyPr/>
-          <a:lstStyle/>
-          <a:p>
-            <a:pPr algn="l" rtl="0"/>
-            <a:r>
-              <a:rPr lang="en-US" dirty="0"/>
-              <a:t>Our software is unlimited in the number of computers that will participate in the process.</a:t>
+              <a:t>machine</a:t>
             </a:r>
             <a:endParaRPr lang="he-IL" dirty="0"/>
           </a:p>
@@ -6928,77 +7252,124 @@
           <p:nvPr/>
         </p:nvPicPr>
         <p:blipFill>
-          <a:blip r:embed="rId2"/>
+          <a:blip r:embed="rId2">
+            <a:extLst>
+              <a:ext uri="{28A0092B-C50C-407E-A947-70E740481C1C}">
+                <a14:useLocalDpi xmlns:a14="http://schemas.microsoft.com/office/drawing/2010/main" val="0"/>
+              </a:ext>
+            </a:extLst>
+          </a:blip>
           <a:stretch>
             <a:fillRect/>
           </a:stretch>
         </p:blipFill>
         <p:spPr>
           <a:xfrm>
-            <a:off x="2229394" y="3593805"/>
-            <a:ext cx="6892612" cy="2419822"/>
+            <a:off x="6096000" y="2447109"/>
+            <a:ext cx="5379570" cy="3751354"/>
           </a:xfrm>
           <a:prstGeom prst="rect">
             <a:avLst/>
           </a:prstGeom>
         </p:spPr>
       </p:pic>
-    </p:spTree>
-    <p:extLst>
-      <p:ext uri="{BB962C8B-B14F-4D97-AF65-F5344CB8AC3E}">
-        <p14:creationId xmlns:p14="http://schemas.microsoft.com/office/powerpoint/2010/main" val="2644457486"/>
-      </p:ext>
-    </p:extLst>
-  </p:cSld>
-  <p:clrMapOvr>
-    <a:masterClrMapping/>
-  </p:clrMapOvr>
-</p:sld>
-</file>
-
-<file path=ppt/slides/slide7.xml><?xml version="1.0" encoding="utf-8"?>
-<p:sld xmlns:a="http://schemas.openxmlformats.org/drawingml/2006/main" xmlns:r="http://schemas.openxmlformats.org/officeDocument/2006/relationships" xmlns:p="http://schemas.openxmlformats.org/presentationml/2006/main">
-  <p:cSld>
-    <p:spTree>
-      <p:nvGrpSpPr>
-        <p:cNvPr id="1" name=""/>
-        <p:cNvGrpSpPr/>
-        <p:nvPr/>
-      </p:nvGrpSpPr>
-      <p:grpSpPr>
-        <a:xfrm>
-          <a:off x="0" y="0"/>
-          <a:ext cx="0" cy="0"/>
-          <a:chOff x="0" y="0"/>
-          <a:chExt cx="0" cy="0"/>
-        </a:xfrm>
-      </p:grpSpPr>
-      <p:sp>
-        <p:nvSpPr>
-          <p:cNvPr id="2" name="Title 1"/>
-          <p:cNvSpPr>
-            <a:spLocks noGrp="1"/>
-          </p:cNvSpPr>
-          <p:nvPr>
-            <p:ph type="title"/>
-          </p:nvPr>
-        </p:nvSpPr>
-        <p:spPr/>
-        <p:txBody>
-          <a:bodyPr/>
-          <a:lstStyle/>
-          <a:p>
+      <p:sp>
+        <p:nvSpPr>
+          <p:cNvPr id="8" name="Content Placeholder 2"/>
+          <p:cNvSpPr>
+            <a:spLocks noGrp="1"/>
+          </p:cNvSpPr>
+          <p:nvPr>
+            <p:ph idx="1"/>
+          </p:nvPr>
+        </p:nvSpPr>
+        <p:spPr>
+          <a:xfrm>
+            <a:off x="868681" y="2726160"/>
+            <a:ext cx="8493033" cy="3472303"/>
+          </a:xfrm>
+        </p:spPr>
+        <p:txBody>
+          <a:bodyPr>
+            <a:normAutofit fontScale="92500" lnSpcReduction="10000"/>
+          </a:bodyPr>
+          <a:lstStyle/>
+          <a:p>
+            <a:pPr algn="l" rtl="0"/>
+            <a:r>
+              <a:rPr lang="he-IL" dirty="0" smtClean="0"/>
+              <a:t>   </a:t>
+            </a:r>
+            <a:r>
+              <a:rPr lang="en-US" dirty="0" smtClean="0"/>
+              <a:t>Init and start</a:t>
+            </a:r>
+          </a:p>
+          <a:p>
+            <a:pPr algn="l" rtl="0"/>
+            <a:r>
+              <a:rPr lang="en-US" dirty="0" smtClean="0"/>
+              <a:t>   Wait to workers</a:t>
+            </a:r>
+          </a:p>
+          <a:p>
+            <a:pPr algn="l" rtl="0"/>
+            <a:r>
+              <a:rPr lang="en-US" dirty="0" smtClean="0"/>
+              <a:t>   Workers finish </a:t>
+            </a:r>
             <a:r>
               <a:rPr lang="en-US" dirty="0"/>
-              <a:t>Master </a:t>
-            </a:r>
+              <a:t>to process</a:t>
+            </a:r>
+            <a:endParaRPr lang="en-US" dirty="0" smtClean="0"/>
+          </a:p>
+          <a:p>
+            <a:pPr algn="l" rtl="0"/>
             <a:r>
               <a:rPr lang="en-US" dirty="0" smtClean="0"/>
-              <a:t> - state </a:t>
-            </a:r>
+              <a:t>   Finish</a:t>
+            </a:r>
+          </a:p>
+          <a:p>
+            <a:pPr algn="l" rtl="0"/>
+            <a:endParaRPr lang="en-US" dirty="0"/>
+          </a:p>
+          <a:p>
+            <a:pPr algn="l" rtl="0"/>
+            <a:endParaRPr lang="en-US" dirty="0" smtClean="0"/>
+          </a:p>
+          <a:p>
+            <a:pPr marL="0" indent="0" algn="l" rtl="0">
+              <a:buNone/>
+            </a:pPr>
             <a:r>
               <a:rPr lang="en-US" dirty="0"/>
-              <a:t>machine</a:t>
+              <a:t>Data </a:t>
+            </a:r>
+            <a:r>
+              <a:rPr lang="en-US" dirty="0" smtClean="0"/>
+              <a:t>structure = </a:t>
+            </a:r>
+            <a:r>
+              <a:rPr lang="en-US" dirty="0"/>
+              <a:t>{</a:t>
+            </a:r>
+            <a:r>
+              <a:rPr lang="en-US" dirty="0" err="1" smtClean="0"/>
+              <a:t>Number_Of_Workers,Count_Start,Count_Broadcast</a:t>
+            </a:r>
+            <a:r>
+              <a:rPr lang="en-US" dirty="0"/>
+              <a:t>,{</a:t>
+            </a:r>
+            <a:r>
+              <a:rPr lang="en-US" dirty="0" err="1"/>
+              <a:t>Frame,Text</a:t>
+            </a:r>
+            <a:r>
+              <a:rPr lang="en-US" dirty="0"/>
+              <a:t>}}</a:t>
             </a:r>
             <a:endParaRPr lang="he-IL" dirty="0"/>
           </a:p>
@@ -7017,7 +7388,7 @@
 </p:sld>
 </file>
 
-<file path=ppt/slides/slide8.xml><?xml version="1.0" encoding="utf-8"?>
+<file path=ppt/slides/slide9.xml><?xml version="1.0" encoding="utf-8"?>
 <p:sld xmlns:a="http://schemas.openxmlformats.org/drawingml/2006/main" xmlns:r="http://schemas.openxmlformats.org/officeDocument/2006/relationships" xmlns:p="http://schemas.openxmlformats.org/presentationml/2006/main">
   <p:cSld>
     <p:spTree>
@@ -7129,135 +7500,6 @@
     <p:extLst>
       <p:ext uri="{BB962C8B-B14F-4D97-AF65-F5344CB8AC3E}">
         <p14:creationId xmlns:p14="http://schemas.microsoft.com/office/powerpoint/2010/main" val="2513854890"/>
-      </p:ext>
-    </p:extLst>
-  </p:cSld>
-  <p:clrMapOvr>
-    <a:masterClrMapping/>
-  </p:clrMapOvr>
-</p:sld>
-</file>
-
-<file path=ppt/slides/slide9.xml><?xml version="1.0" encoding="utf-8"?>
-<p:sld xmlns:a="http://schemas.openxmlformats.org/drawingml/2006/main" xmlns:r="http://schemas.openxmlformats.org/officeDocument/2006/relationships" xmlns:p="http://schemas.openxmlformats.org/presentationml/2006/main">
-  <p:cSld>
-    <p:spTree>
-      <p:nvGrpSpPr>
-        <p:cNvPr id="1" name=""/>
-        <p:cNvGrpSpPr/>
-        <p:nvPr/>
-      </p:nvGrpSpPr>
-      <p:grpSpPr>
-        <a:xfrm>
-          <a:off x="0" y="0"/>
-          <a:ext cx="0" cy="0"/>
-          <a:chOff x="0" y="0"/>
-          <a:chExt cx="0" cy="0"/>
-        </a:xfrm>
-      </p:grpSpPr>
-      <p:sp>
-        <p:nvSpPr>
-          <p:cNvPr id="2" name="Title 1"/>
-          <p:cNvSpPr>
-            <a:spLocks noGrp="1"/>
-          </p:cNvSpPr>
-          <p:nvPr>
-            <p:ph type="title"/>
-          </p:nvPr>
-        </p:nvSpPr>
-        <p:spPr/>
-        <p:txBody>
-          <a:bodyPr/>
-          <a:lstStyle/>
-          <a:p>
-            <a:r>
-              <a:rPr lang="en-US" dirty="0" smtClean="0"/>
-              <a:t>GUI</a:t>
-            </a:r>
-            <a:endParaRPr lang="he-IL" dirty="0"/>
-          </a:p>
-        </p:txBody>
-      </p:sp>
-      <p:sp>
-        <p:nvSpPr>
-          <p:cNvPr id="3" name="Content Placeholder 2"/>
-          <p:cNvSpPr>
-            <a:spLocks noGrp="1"/>
-          </p:cNvSpPr>
-          <p:nvPr>
-            <p:ph idx="1"/>
-          </p:nvPr>
-        </p:nvSpPr>
-        <p:spPr/>
-        <p:txBody>
-          <a:bodyPr/>
-          <a:lstStyle/>
-          <a:p>
-            <a:pPr algn="l" rtl="0"/>
-            <a:r>
-              <a:rPr lang="en-US" dirty="0"/>
-              <a:t>Simple </a:t>
-            </a:r>
-            <a:r>
-              <a:rPr lang="en-US" dirty="0" smtClean="0"/>
-              <a:t>interface for users.</a:t>
-            </a:r>
-            <a:endParaRPr lang="he-IL" dirty="0"/>
-          </a:p>
-        </p:txBody>
-      </p:sp>
-      <p:pic>
-        <p:nvPicPr>
-          <p:cNvPr id="4" name="Picture 3"/>
-          <p:cNvPicPr>
-            <a:picLocks noChangeAspect="1"/>
-          </p:cNvPicPr>
-          <p:nvPr/>
-        </p:nvPicPr>
-        <p:blipFill>
-          <a:blip r:embed="rId2"/>
-          <a:stretch>
-            <a:fillRect/>
-          </a:stretch>
-        </p:blipFill>
-        <p:spPr>
-          <a:xfrm>
-            <a:off x="2959368" y="3557903"/>
-            <a:ext cx="3787468" cy="2110923"/>
-          </a:xfrm>
-          <a:prstGeom prst="rect">
-            <a:avLst/>
-          </a:prstGeom>
-        </p:spPr>
-      </p:pic>
-      <p:pic>
-        <p:nvPicPr>
-          <p:cNvPr id="5" name="Picture 4"/>
-          <p:cNvPicPr>
-            <a:picLocks noChangeAspect="1"/>
-          </p:cNvPicPr>
-          <p:nvPr/>
-        </p:nvPicPr>
-        <p:blipFill>
-          <a:blip r:embed="rId3"/>
-          <a:stretch>
-            <a:fillRect/>
-          </a:stretch>
-        </p:blipFill>
-        <p:spPr>
-          <a:xfrm>
-            <a:off x="7593742" y="2451560"/>
-            <a:ext cx="2455949" cy="3714624"/>
-          </a:xfrm>
-          <a:prstGeom prst="rect">
-            <a:avLst/>
-          </a:prstGeom>
-        </p:spPr>
-      </p:pic>
-    </p:spTree>
-    <p:extLst>
-      <p:ext uri="{BB962C8B-B14F-4D97-AF65-F5344CB8AC3E}">
-        <p14:creationId xmlns:p14="http://schemas.microsoft.com/office/powerpoint/2010/main" val="1523925099"/>
       </p:ext>
     </p:extLst>
   </p:cSld>

--- a/Final presentation.pptx
+++ b/Final presentation.pptx
@@ -15,11 +15,12 @@
     <p:sldId id="268" r:id="rId9"/>
     <p:sldId id="262" r:id="rId10"/>
     <p:sldId id="260" r:id="rId11"/>
-    <p:sldId id="261" r:id="rId12"/>
+    <p:sldId id="272" r:id="rId12"/>
     <p:sldId id="263" r:id="rId13"/>
-    <p:sldId id="258" r:id="rId14"/>
-    <p:sldId id="267" r:id="rId15"/>
-    <p:sldId id="259" r:id="rId16"/>
+    <p:sldId id="271" r:id="rId14"/>
+    <p:sldId id="258" r:id="rId15"/>
+    <p:sldId id="267" r:id="rId16"/>
+    <p:sldId id="259" r:id="rId17"/>
   </p:sldIdLst>
   <p:sldSz cx="12192000" cy="6858000"/>
   <p:notesSz cx="6858000" cy="9144000"/>
@@ -6142,40 +6143,44 @@
           <a:lstStyle/>
           <a:p>
             <a:r>
+              <a:rPr lang="en-US" dirty="0" smtClean="0"/>
+              <a:t>Keep alive</a:t>
+            </a:r>
+            <a:endParaRPr lang="he-IL" dirty="0"/>
+          </a:p>
+        </p:txBody>
+      </p:sp>
+      <p:sp>
+        <p:nvSpPr>
+          <p:cNvPr id="3" name="Content Placeholder 2"/>
+          <p:cNvSpPr>
+            <a:spLocks noGrp="1"/>
+          </p:cNvSpPr>
+          <p:nvPr>
+            <p:ph idx="1"/>
+          </p:nvPr>
+        </p:nvSpPr>
+        <p:spPr/>
+        <p:txBody>
+          <a:bodyPr/>
+          <a:lstStyle/>
+          <a:p>
+            <a:pPr algn="l" rtl="0"/>
+            <a:r>
               <a:rPr lang="en-US" dirty="0"/>
-              <a:t>Disconnect computer</a:t>
-            </a:r>
-            <a:endParaRPr lang="he-IL" dirty="0"/>
-          </a:p>
-        </p:txBody>
-      </p:sp>
-      <p:sp>
-        <p:nvSpPr>
-          <p:cNvPr id="3" name="Content Placeholder 2"/>
-          <p:cNvSpPr>
-            <a:spLocks noGrp="1"/>
-          </p:cNvSpPr>
-          <p:nvPr>
-            <p:ph idx="1"/>
-          </p:nvPr>
-        </p:nvSpPr>
-        <p:spPr/>
-        <p:txBody>
-          <a:bodyPr/>
-          <a:lstStyle/>
+              <a:t>The master constantly checks how many computers are running with keep-alive message</a:t>
+            </a:r>
+            <a:r>
+              <a:rPr lang="en-US" dirty="0" smtClean="0"/>
+              <a:t>.</a:t>
+            </a:r>
+            <a:endParaRPr lang="en-US" dirty="0"/>
+          </a:p>
           <a:p>
             <a:pPr algn="l" rtl="0"/>
-            <a:endParaRPr lang="en-US" dirty="0" smtClean="0"/>
-          </a:p>
-          <a:p>
-            <a:pPr algn="l" rtl="0"/>
-            <a:r>
-              <a:rPr lang="en-US" dirty="0" smtClean="0"/>
-              <a:t>This </a:t>
-            </a:r>
             <a:r>
               <a:rPr lang="en-US" dirty="0"/>
-              <a:t>program can handle with computers disconnect while processing.</a:t>
+              <a:t>If a computer crashes, the master change the responsibility of the computer that crashed to another computer.</a:t>
             </a:r>
             <a:endParaRPr lang="he-IL" dirty="0"/>
           </a:p>
@@ -6197,7 +6202,7 @@
         </p:blipFill>
         <p:spPr>
           <a:xfrm>
-            <a:off x="4330172" y="3803048"/>
+            <a:off x="6219932" y="3977220"/>
             <a:ext cx="3810330" cy="2072820"/>
           </a:xfrm>
           <a:prstGeom prst="rect">
@@ -6208,7 +6213,7 @@
     </p:spTree>
     <p:extLst>
       <p:ext uri="{BB962C8B-B14F-4D97-AF65-F5344CB8AC3E}">
-        <p14:creationId xmlns:p14="http://schemas.microsoft.com/office/powerpoint/2010/main" val="1127137710"/>
+        <p14:creationId xmlns:p14="http://schemas.microsoft.com/office/powerpoint/2010/main" val="129555321"/>
       </p:ext>
     </p:extLst>
   </p:cSld>
@@ -6251,29 +6256,556 @@
           <a:lstStyle/>
           <a:p>
             <a:r>
+              <a:rPr lang="en-US" dirty="0" smtClean="0"/>
+              <a:t>Statistics</a:t>
+            </a:r>
+            <a:r>
               <a:rPr lang="en-US" dirty="0"/>
-              <a:t>Statistics</a:t>
+              <a:t> </a:t>
+            </a:r>
+            <a:r>
+              <a:rPr lang="en-US" dirty="0" smtClean="0"/>
+              <a:t>- </a:t>
+            </a:r>
+            <a:r>
+              <a:rPr lang="en-US" dirty="0"/>
+              <a:t>Processing stage</a:t>
             </a:r>
             <a:endParaRPr lang="he-IL" dirty="0"/>
           </a:p>
         </p:txBody>
       </p:sp>
-      <p:sp>
-        <p:nvSpPr>
-          <p:cNvPr id="3" name="Content Placeholder 2"/>
-          <p:cNvSpPr>
-            <a:spLocks noGrp="1"/>
-          </p:cNvSpPr>
+      <p:graphicFrame>
+        <p:nvGraphicFramePr>
+          <p:cNvPr id="4" name="Content Placeholder 3"/>
+          <p:cNvGraphicFramePr>
+            <a:graphicFrameLocks noGrp="1"/>
+          </p:cNvGraphicFramePr>
           <p:nvPr>
             <p:ph idx="1"/>
-          </p:nvPr>
-        </p:nvSpPr>
-        <p:spPr/>
-        <p:txBody>
-          <a:bodyPr/>
-          <a:lstStyle/>
-          <a:p>
-            <a:pPr algn="l"/>
+            <p:extLst>
+              <p:ext uri="{D42A27DB-BD31-4B8C-83A1-F6EECF244321}">
+                <p14:modId xmlns:p14="http://schemas.microsoft.com/office/powerpoint/2010/main" val="1360379807"/>
+              </p:ext>
+            </p:extLst>
+          </p:nvPr>
+        </p:nvGraphicFramePr>
+        <p:xfrm>
+          <a:off x="2656114" y="2725054"/>
+          <a:ext cx="5369560" cy="1411516"/>
+        </p:xfrm>
+        <a:graphic>
+          <a:graphicData uri="http://schemas.openxmlformats.org/drawingml/2006/table">
+            <a:tbl>
+              <a:tblPr rtl="1">
+                <a:tableStyleId>{5C22544A-7EE6-4342-B048-85BDC9FD1C3A}</a:tableStyleId>
+              </a:tblPr>
+              <a:tblGrid>
+                <a:gridCol w="2141791">
+                  <a:extLst>
+                    <a:ext uri="{9D8B030D-6E8A-4147-A177-3AD203B41FA5}">
+                      <a16:colId xmlns:a16="http://schemas.microsoft.com/office/drawing/2014/main" val="147807041"/>
+                    </a:ext>
+                  </a:extLst>
+                </a:gridCol>
+                <a:gridCol w="3227769">
+                  <a:extLst>
+                    <a:ext uri="{9D8B030D-6E8A-4147-A177-3AD203B41FA5}">
+                      <a16:colId xmlns:a16="http://schemas.microsoft.com/office/drawing/2014/main" val="454165800"/>
+                    </a:ext>
+                  </a:extLst>
+                </a:gridCol>
+              </a:tblGrid>
+              <a:tr h="352879">
+                <a:tc>
+                  <a:txBody>
+                    <a:bodyPr/>
+                    <a:lstStyle/>
+                    <a:p>
+                      <a:pPr algn="ctr" rtl="0" fontAlgn="ctr"/>
+                      <a:r>
+                        <a:rPr lang="he-IL" sz="1600" u="none" strike="noStrike">
+                          <a:effectLst/>
+                        </a:rPr>
+                        <a:t> </a:t>
+                      </a:r>
+                      <a:endParaRPr lang="he-IL" sz="1600" b="0" i="0" u="none" strike="noStrike">
+                        <a:solidFill>
+                          <a:srgbClr val="000000"/>
+                        </a:solidFill>
+                        <a:effectLst/>
+                        <a:latin typeface="Arial" panose="020B0604020202020204" pitchFamily="34" charset="0"/>
+                      </a:endParaRPr>
+                    </a:p>
+                  </a:txBody>
+                  <a:tcPr marL="7620" marR="7620" marT="7620" marB="0" anchor="ctr"/>
+                </a:tc>
+                <a:tc>
+                  <a:txBody>
+                    <a:bodyPr/>
+                    <a:lstStyle/>
+                    <a:p>
+                      <a:pPr algn="ctr" rtl="0" fontAlgn="ctr"/>
+                      <a:r>
+                        <a:rPr lang="en-US" sz="1600" u="none" strike="noStrike">
+                          <a:effectLst/>
+                        </a:rPr>
+                        <a:t>Average time after 20 test</a:t>
+                      </a:r>
+                      <a:endParaRPr lang="en-US" sz="1600" b="0" i="0" u="none" strike="noStrike">
+                        <a:solidFill>
+                          <a:srgbClr val="000000"/>
+                        </a:solidFill>
+                        <a:effectLst/>
+                        <a:latin typeface="Arial" panose="020B0604020202020204" pitchFamily="34" charset="0"/>
+                      </a:endParaRPr>
+                    </a:p>
+                  </a:txBody>
+                  <a:tcPr marL="7620" marR="7620" marT="7620" marB="0" anchor="ctr"/>
+                </a:tc>
+                <a:extLst>
+                  <a:ext uri="{0D108BD9-81ED-4DB2-BD59-A6C34878D82A}">
+                    <a16:rowId xmlns:a16="http://schemas.microsoft.com/office/drawing/2014/main" val="874983486"/>
+                  </a:ext>
+                </a:extLst>
+              </a:tr>
+              <a:tr h="352879">
+                <a:tc>
+                  <a:txBody>
+                    <a:bodyPr/>
+                    <a:lstStyle/>
+                    <a:p>
+                      <a:pPr algn="ctr" rtl="0" fontAlgn="ctr"/>
+                      <a:r>
+                        <a:rPr lang="en-US" sz="1600" u="none" strike="noStrike">
+                          <a:effectLst/>
+                        </a:rPr>
+                        <a:t>1 computer 1 worker</a:t>
+                      </a:r>
+                      <a:endParaRPr lang="en-US" sz="1600" b="0" i="0" u="none" strike="noStrike">
+                        <a:solidFill>
+                          <a:srgbClr val="000000"/>
+                        </a:solidFill>
+                        <a:effectLst/>
+                        <a:latin typeface="Arial" panose="020B0604020202020204" pitchFamily="34" charset="0"/>
+                      </a:endParaRPr>
+                    </a:p>
+                  </a:txBody>
+                  <a:tcPr marL="7620" marR="7620" marT="7620" marB="0" anchor="ctr"/>
+                </a:tc>
+                <a:tc>
+                  <a:txBody>
+                    <a:bodyPr/>
+                    <a:lstStyle/>
+                    <a:p>
+                      <a:pPr algn="ctr" rtl="0" fontAlgn="ctr"/>
+                      <a:r>
+                        <a:rPr lang="en-US" sz="1600" u="none" strike="noStrike">
+                          <a:effectLst/>
+                        </a:rPr>
+                        <a:t>4.7475 sec</a:t>
+                      </a:r>
+                      <a:endParaRPr lang="en-US" sz="1600" b="0" i="0" u="none" strike="noStrike">
+                        <a:solidFill>
+                          <a:srgbClr val="000000"/>
+                        </a:solidFill>
+                        <a:effectLst/>
+                        <a:latin typeface="Arial" panose="020B0604020202020204" pitchFamily="34" charset="0"/>
+                      </a:endParaRPr>
+                    </a:p>
+                  </a:txBody>
+                  <a:tcPr marL="7620" marR="7620" marT="7620" marB="0" anchor="ctr"/>
+                </a:tc>
+                <a:extLst>
+                  <a:ext uri="{0D108BD9-81ED-4DB2-BD59-A6C34878D82A}">
+                    <a16:rowId xmlns:a16="http://schemas.microsoft.com/office/drawing/2014/main" val="26549397"/>
+                  </a:ext>
+                </a:extLst>
+              </a:tr>
+              <a:tr h="352879">
+                <a:tc>
+                  <a:txBody>
+                    <a:bodyPr/>
+                    <a:lstStyle/>
+                    <a:p>
+                      <a:pPr algn="ctr" rtl="0" fontAlgn="ctr"/>
+                      <a:r>
+                        <a:rPr lang="en-US" sz="1600" u="none" strike="noStrike">
+                          <a:effectLst/>
+                        </a:rPr>
+                        <a:t>1 computer 4 workers</a:t>
+                      </a:r>
+                      <a:endParaRPr lang="en-US" sz="1600" b="0" i="0" u="none" strike="noStrike">
+                        <a:solidFill>
+                          <a:srgbClr val="000000"/>
+                        </a:solidFill>
+                        <a:effectLst/>
+                        <a:latin typeface="Arial" panose="020B0604020202020204" pitchFamily="34" charset="0"/>
+                      </a:endParaRPr>
+                    </a:p>
+                  </a:txBody>
+                  <a:tcPr marL="7620" marR="7620" marT="7620" marB="0" anchor="ctr"/>
+                </a:tc>
+                <a:tc>
+                  <a:txBody>
+                    <a:bodyPr/>
+                    <a:lstStyle/>
+                    <a:p>
+                      <a:pPr algn="ctr" rtl="0" fontAlgn="ctr"/>
+                      <a:r>
+                        <a:rPr lang="en-US" sz="1600" u="none" strike="noStrike">
+                          <a:effectLst/>
+                        </a:rPr>
+                        <a:t>4.8825 sec</a:t>
+                      </a:r>
+                      <a:endParaRPr lang="en-US" sz="1600" b="0" i="0" u="none" strike="noStrike">
+                        <a:solidFill>
+                          <a:srgbClr val="000000"/>
+                        </a:solidFill>
+                        <a:effectLst/>
+                        <a:latin typeface="Arial" panose="020B0604020202020204" pitchFamily="34" charset="0"/>
+                      </a:endParaRPr>
+                    </a:p>
+                  </a:txBody>
+                  <a:tcPr marL="7620" marR="7620" marT="7620" marB="0" anchor="ctr"/>
+                </a:tc>
+                <a:extLst>
+                  <a:ext uri="{0D108BD9-81ED-4DB2-BD59-A6C34878D82A}">
+                    <a16:rowId xmlns:a16="http://schemas.microsoft.com/office/drawing/2014/main" val="904533166"/>
+                  </a:ext>
+                </a:extLst>
+              </a:tr>
+              <a:tr h="352879">
+                <a:tc>
+                  <a:txBody>
+                    <a:bodyPr/>
+                    <a:lstStyle/>
+                    <a:p>
+                      <a:pPr algn="ctr" rtl="0" fontAlgn="ctr"/>
+                      <a:r>
+                        <a:rPr lang="en-US" sz="1600" u="none" strike="noStrike">
+                          <a:effectLst/>
+                        </a:rPr>
+                        <a:t>5 computers 4 workers</a:t>
+                      </a:r>
+                      <a:endParaRPr lang="en-US" sz="1600" b="0" i="0" u="none" strike="noStrike">
+                        <a:solidFill>
+                          <a:srgbClr val="000000"/>
+                        </a:solidFill>
+                        <a:effectLst/>
+                        <a:latin typeface="Arial" panose="020B0604020202020204" pitchFamily="34" charset="0"/>
+                      </a:endParaRPr>
+                    </a:p>
+                  </a:txBody>
+                  <a:tcPr marL="7620" marR="7620" marT="7620" marB="0" anchor="ctr"/>
+                </a:tc>
+                <a:tc>
+                  <a:txBody>
+                    <a:bodyPr/>
+                    <a:lstStyle/>
+                    <a:p>
+                      <a:pPr algn="ctr" rtl="0" fontAlgn="ctr"/>
+                      <a:r>
+                        <a:rPr lang="en-US" sz="1600" u="none" strike="noStrike" dirty="0">
+                          <a:effectLst/>
+                        </a:rPr>
+                        <a:t>4.79 sec</a:t>
+                      </a:r>
+                      <a:endParaRPr lang="en-US" sz="1600" b="0" i="0" u="none" strike="noStrike" dirty="0">
+                        <a:solidFill>
+                          <a:srgbClr val="000000"/>
+                        </a:solidFill>
+                        <a:effectLst/>
+                        <a:latin typeface="Arial" panose="020B0604020202020204" pitchFamily="34" charset="0"/>
+                      </a:endParaRPr>
+                    </a:p>
+                  </a:txBody>
+                  <a:tcPr marL="7620" marR="7620" marT="7620" marB="0" anchor="ctr"/>
+                </a:tc>
+                <a:extLst>
+                  <a:ext uri="{0D108BD9-81ED-4DB2-BD59-A6C34878D82A}">
+                    <a16:rowId xmlns:a16="http://schemas.microsoft.com/office/drawing/2014/main" val="2398392617"/>
+                  </a:ext>
+                </a:extLst>
+              </a:tr>
+            </a:tbl>
+          </a:graphicData>
+        </a:graphic>
+      </p:graphicFrame>
+      <p:sp>
+        <p:nvSpPr>
+          <p:cNvPr id="5" name="Content Placeholder 2"/>
+          <p:cNvSpPr txBox="1">
+            <a:spLocks/>
+          </p:cNvSpPr>
+          <p:nvPr/>
+        </p:nvSpPr>
+        <p:spPr>
+          <a:xfrm>
+            <a:off x="1295401" y="4136570"/>
+            <a:ext cx="9601196" cy="1739298"/>
+          </a:xfrm>
+          <a:prstGeom prst="rect">
+            <a:avLst/>
+          </a:prstGeom>
+        </p:spPr>
+        <p:txBody>
+          <a:bodyPr vert="horz" lIns="91440" tIns="45720" rIns="91440" bIns="45720" rtlCol="0" anchor="t">
+            <a:normAutofit/>
+          </a:bodyPr>
+          <a:lstStyle>
+            <a:lvl1pPr marL="285750" indent="-285750" algn="r" defTabSz="457200" rtl="1" eaLnBrk="1" latinLnBrk="0" hangingPunct="1">
+              <a:spcBef>
+                <a:spcPct val="20000"/>
+              </a:spcBef>
+              <a:spcAft>
+                <a:spcPts val="600"/>
+              </a:spcAft>
+              <a:buClr>
+                <a:schemeClr val="accent1"/>
+              </a:buClr>
+              <a:buSzPct val="115000"/>
+              <a:buFont typeface="Arial"/>
+              <a:buChar char="•"/>
+              <a:defRPr sz="2400" kern="1200" cap="none">
+                <a:solidFill>
+                  <a:schemeClr val="tx1">
+                    <a:lumMod val="85000"/>
+                    <a:lumOff val="15000"/>
+                  </a:schemeClr>
+                </a:solidFill>
+                <a:effectLst/>
+                <a:latin typeface="+mn-lt"/>
+                <a:ea typeface="+mn-ea"/>
+                <a:cs typeface="+mn-cs"/>
+              </a:defRPr>
+            </a:lvl1pPr>
+            <a:lvl2pPr marL="742950" indent="-285750" algn="r" defTabSz="457200" rtl="1" eaLnBrk="1" latinLnBrk="0" hangingPunct="1">
+              <a:spcBef>
+                <a:spcPct val="20000"/>
+              </a:spcBef>
+              <a:spcAft>
+                <a:spcPts val="600"/>
+              </a:spcAft>
+              <a:buClr>
+                <a:schemeClr val="accent1"/>
+              </a:buClr>
+              <a:buSzPct val="115000"/>
+              <a:buFont typeface="Arial"/>
+              <a:buChar char="•"/>
+              <a:defRPr sz="2000" kern="1200" cap="none">
+                <a:solidFill>
+                  <a:schemeClr val="tx1">
+                    <a:lumMod val="85000"/>
+                    <a:lumOff val="15000"/>
+                  </a:schemeClr>
+                </a:solidFill>
+                <a:effectLst/>
+                <a:latin typeface="+mn-lt"/>
+                <a:ea typeface="+mn-ea"/>
+                <a:cs typeface="+mn-cs"/>
+              </a:defRPr>
+            </a:lvl2pPr>
+            <a:lvl3pPr marL="1200150" indent="-285750" algn="r" defTabSz="457200" rtl="1" eaLnBrk="1" latinLnBrk="0" hangingPunct="1">
+              <a:spcBef>
+                <a:spcPct val="20000"/>
+              </a:spcBef>
+              <a:spcAft>
+                <a:spcPts val="600"/>
+              </a:spcAft>
+              <a:buClr>
+                <a:schemeClr val="accent1"/>
+              </a:buClr>
+              <a:buSzPct val="115000"/>
+              <a:buFont typeface="Arial"/>
+              <a:buChar char="•"/>
+              <a:defRPr sz="1800" kern="1200" cap="none">
+                <a:solidFill>
+                  <a:schemeClr val="tx1">
+                    <a:lumMod val="85000"/>
+                    <a:lumOff val="15000"/>
+                  </a:schemeClr>
+                </a:solidFill>
+                <a:effectLst/>
+                <a:latin typeface="+mn-lt"/>
+                <a:ea typeface="+mn-ea"/>
+                <a:cs typeface="+mn-cs"/>
+              </a:defRPr>
+            </a:lvl3pPr>
+            <a:lvl4pPr marL="1543050" indent="-171450" algn="r" defTabSz="457200" rtl="1" eaLnBrk="1" latinLnBrk="0" hangingPunct="1">
+              <a:spcBef>
+                <a:spcPct val="20000"/>
+              </a:spcBef>
+              <a:spcAft>
+                <a:spcPts val="600"/>
+              </a:spcAft>
+              <a:buClr>
+                <a:schemeClr val="accent1"/>
+              </a:buClr>
+              <a:buSzPct val="115000"/>
+              <a:buFont typeface="Arial"/>
+              <a:buChar char="•"/>
+              <a:defRPr sz="1600" kern="1200" cap="none">
+                <a:solidFill>
+                  <a:schemeClr val="tx1">
+                    <a:lumMod val="85000"/>
+                    <a:lumOff val="15000"/>
+                  </a:schemeClr>
+                </a:solidFill>
+                <a:effectLst/>
+                <a:latin typeface="+mn-lt"/>
+                <a:ea typeface="+mn-ea"/>
+                <a:cs typeface="+mn-cs"/>
+              </a:defRPr>
+            </a:lvl4pPr>
+            <a:lvl5pPr marL="2000250" indent="-171450" algn="r" defTabSz="457200" rtl="1" eaLnBrk="1" latinLnBrk="0" hangingPunct="1">
+              <a:spcBef>
+                <a:spcPct val="20000"/>
+              </a:spcBef>
+              <a:spcAft>
+                <a:spcPts val="600"/>
+              </a:spcAft>
+              <a:buClr>
+                <a:schemeClr val="accent1"/>
+              </a:buClr>
+              <a:buSzPct val="115000"/>
+              <a:buFont typeface="Arial"/>
+              <a:buChar char="•"/>
+              <a:defRPr sz="1400" kern="1200" cap="none">
+                <a:solidFill>
+                  <a:schemeClr val="tx1">
+                    <a:lumMod val="85000"/>
+                    <a:lumOff val="15000"/>
+                  </a:schemeClr>
+                </a:solidFill>
+                <a:effectLst/>
+                <a:latin typeface="+mn-lt"/>
+                <a:ea typeface="+mn-ea"/>
+                <a:cs typeface="+mn-cs"/>
+              </a:defRPr>
+            </a:lvl5pPr>
+            <a:lvl6pPr marL="2514600" indent="-228600" algn="r" defTabSz="457200" rtl="1" eaLnBrk="1" latinLnBrk="0" hangingPunct="1">
+              <a:spcBef>
+                <a:spcPct val="20000"/>
+              </a:spcBef>
+              <a:spcAft>
+                <a:spcPts val="600"/>
+              </a:spcAft>
+              <a:buClr>
+                <a:schemeClr val="accent1"/>
+              </a:buClr>
+              <a:buSzPct val="115000"/>
+              <a:buFont typeface="Arial"/>
+              <a:buChar char="•"/>
+              <a:defRPr sz="1400" kern="1200" cap="none">
+                <a:solidFill>
+                  <a:schemeClr val="tx1">
+                    <a:lumMod val="85000"/>
+                    <a:lumOff val="15000"/>
+                  </a:schemeClr>
+                </a:solidFill>
+                <a:effectLst/>
+                <a:latin typeface="+mn-lt"/>
+                <a:ea typeface="+mn-ea"/>
+                <a:cs typeface="+mn-cs"/>
+              </a:defRPr>
+            </a:lvl6pPr>
+            <a:lvl7pPr marL="2971800" indent="-228600" algn="r" defTabSz="457200" rtl="1" eaLnBrk="1" latinLnBrk="0" hangingPunct="1">
+              <a:spcBef>
+                <a:spcPct val="20000"/>
+              </a:spcBef>
+              <a:spcAft>
+                <a:spcPts val="600"/>
+              </a:spcAft>
+              <a:buClr>
+                <a:schemeClr val="accent1"/>
+              </a:buClr>
+              <a:buSzPct val="115000"/>
+              <a:buFont typeface="Arial"/>
+              <a:buChar char="•"/>
+              <a:defRPr sz="1400" kern="1200" cap="none">
+                <a:solidFill>
+                  <a:schemeClr val="tx1">
+                    <a:lumMod val="85000"/>
+                    <a:lumOff val="15000"/>
+                  </a:schemeClr>
+                </a:solidFill>
+                <a:effectLst/>
+                <a:latin typeface="+mn-lt"/>
+                <a:ea typeface="+mn-ea"/>
+                <a:cs typeface="+mn-cs"/>
+              </a:defRPr>
+            </a:lvl7pPr>
+            <a:lvl8pPr marL="3429000" indent="-228600" algn="r" defTabSz="457200" rtl="1" eaLnBrk="1" latinLnBrk="0" hangingPunct="1">
+              <a:spcBef>
+                <a:spcPct val="20000"/>
+              </a:spcBef>
+              <a:spcAft>
+                <a:spcPts val="600"/>
+              </a:spcAft>
+              <a:buClr>
+                <a:schemeClr val="accent1"/>
+              </a:buClr>
+              <a:buSzPct val="115000"/>
+              <a:buFont typeface="Arial"/>
+              <a:buChar char="•"/>
+              <a:defRPr sz="1400" kern="1200" cap="none">
+                <a:solidFill>
+                  <a:schemeClr val="tx1">
+                    <a:lumMod val="85000"/>
+                    <a:lumOff val="15000"/>
+                  </a:schemeClr>
+                </a:solidFill>
+                <a:effectLst/>
+                <a:latin typeface="+mn-lt"/>
+                <a:ea typeface="+mn-ea"/>
+                <a:cs typeface="+mn-cs"/>
+              </a:defRPr>
+            </a:lvl8pPr>
+            <a:lvl9pPr marL="3886200" indent="-228600" algn="r" defTabSz="457200" rtl="1" eaLnBrk="1" latinLnBrk="0" hangingPunct="1">
+              <a:spcBef>
+                <a:spcPct val="20000"/>
+              </a:spcBef>
+              <a:spcAft>
+                <a:spcPts val="600"/>
+              </a:spcAft>
+              <a:buClr>
+                <a:schemeClr val="accent1"/>
+              </a:buClr>
+              <a:buSzPct val="115000"/>
+              <a:buFont typeface="Arial"/>
+              <a:buChar char="•"/>
+              <a:defRPr sz="1400" kern="1200" cap="none">
+                <a:solidFill>
+                  <a:schemeClr val="tx1">
+                    <a:lumMod val="85000"/>
+                    <a:lumOff val="15000"/>
+                  </a:schemeClr>
+                </a:solidFill>
+                <a:effectLst/>
+                <a:latin typeface="+mn-lt"/>
+                <a:ea typeface="+mn-ea"/>
+                <a:cs typeface="+mn-cs"/>
+              </a:defRPr>
+            </a:lvl9pPr>
+          </a:lstStyle>
+          <a:p>
+            <a:pPr algn="l" rtl="0"/>
+            <a:r>
+              <a:rPr lang="en-US" dirty="0"/>
+              <a:t>As the size of the big data increases, it will be better to process with a large number of </a:t>
+            </a:r>
+            <a:r>
+              <a:rPr lang="en-US" dirty="0" smtClean="0"/>
+              <a:t>computers.</a:t>
+            </a:r>
+          </a:p>
+          <a:p>
+            <a:pPr algn="l" rtl="0"/>
+            <a:r>
+              <a:rPr lang="en-US" dirty="0"/>
+              <a:t>As the size of the big data decreases, network messaging time will be more significant.</a:t>
+            </a:r>
             <a:endParaRPr lang="he-IL" dirty="0"/>
           </a:p>
         </p:txBody>
@@ -6324,6 +6856,82 @@
           <a:lstStyle/>
           <a:p>
             <a:r>
+              <a:rPr lang="en-US" dirty="0" smtClean="0"/>
+              <a:t>Statistics - </a:t>
+            </a:r>
+            <a:r>
+              <a:rPr lang="en-US" dirty="0"/>
+              <a:t>Tree construct stage</a:t>
+            </a:r>
+            <a:endParaRPr lang="he-IL" dirty="0"/>
+          </a:p>
+        </p:txBody>
+      </p:sp>
+      <p:sp>
+        <p:nvSpPr>
+          <p:cNvPr id="3" name="Content Placeholder 2"/>
+          <p:cNvSpPr>
+            <a:spLocks noGrp="1"/>
+          </p:cNvSpPr>
+          <p:nvPr>
+            <p:ph idx="1"/>
+          </p:nvPr>
+        </p:nvSpPr>
+        <p:spPr/>
+        <p:txBody>
+          <a:bodyPr/>
+          <a:lstStyle/>
+          <a:p>
+            <a:endParaRPr lang="he-IL" dirty="0"/>
+          </a:p>
+        </p:txBody>
+      </p:sp>
+    </p:spTree>
+    <p:extLst>
+      <p:ext uri="{BB962C8B-B14F-4D97-AF65-F5344CB8AC3E}">
+        <p14:creationId xmlns:p14="http://schemas.microsoft.com/office/powerpoint/2010/main" val="3219823642"/>
+      </p:ext>
+    </p:extLst>
+  </p:cSld>
+  <p:clrMapOvr>
+    <a:masterClrMapping/>
+  </p:clrMapOvr>
+</p:sld>
+</file>
+
+<file path=ppt/slides/slide14.xml><?xml version="1.0" encoding="utf-8"?>
+<p:sld xmlns:a="http://schemas.openxmlformats.org/drawingml/2006/main" xmlns:r="http://schemas.openxmlformats.org/officeDocument/2006/relationships" xmlns:p="http://schemas.openxmlformats.org/presentationml/2006/main">
+  <p:cSld>
+    <p:spTree>
+      <p:nvGrpSpPr>
+        <p:cNvPr id="1" name=""/>
+        <p:cNvGrpSpPr/>
+        <p:nvPr/>
+      </p:nvGrpSpPr>
+      <p:grpSpPr>
+        <a:xfrm>
+          <a:off x="0" y="0"/>
+          <a:ext cx="0" cy="0"/>
+          <a:chOff x="0" y="0"/>
+          <a:chExt cx="0" cy="0"/>
+        </a:xfrm>
+      </p:grpSpPr>
+      <p:sp>
+        <p:nvSpPr>
+          <p:cNvPr id="2" name="Title 1"/>
+          <p:cNvSpPr>
+            <a:spLocks noGrp="1"/>
+          </p:cNvSpPr>
+          <p:nvPr>
+            <p:ph type="title"/>
+          </p:nvPr>
+        </p:nvSpPr>
+        <p:spPr/>
+        <p:txBody>
+          <a:bodyPr/>
+          <a:lstStyle/>
+          <a:p>
+            <a:r>
               <a:rPr lang="en-US" dirty="0" err="1" smtClean="0"/>
               <a:t>Youtube</a:t>
             </a:r>
@@ -6436,7 +7044,7 @@
 </p:sld>
 </file>
 
-<file path=ppt/slides/slide14.xml><?xml version="1.0" encoding="utf-8"?>
+<file path=ppt/slides/slide15.xml><?xml version="1.0" encoding="utf-8"?>
 <p:sld xmlns:a="http://schemas.openxmlformats.org/drawingml/2006/main" xmlns:r="http://schemas.openxmlformats.org/officeDocument/2006/relationships" xmlns:p="http://schemas.openxmlformats.org/presentationml/2006/main">
   <p:cSld>
     <p:spTree>
@@ -6513,7 +7121,7 @@
 </p:sld>
 </file>
 
-<file path=ppt/slides/slide15.xml><?xml version="1.0" encoding="utf-8"?>
+<file path=ppt/slides/slide16.xml><?xml version="1.0" encoding="utf-8"?>
 <p:sld xmlns:a="http://schemas.openxmlformats.org/drawingml/2006/main" xmlns:r="http://schemas.openxmlformats.org/officeDocument/2006/relationships" xmlns:p="http://schemas.openxmlformats.org/presentationml/2006/main">
   <p:cSld>
     <p:spTree>

--- a/Final presentation.pptx
+++ b/Final presentation.pptx
@@ -6867,25 +6867,4163 @@
           </a:p>
         </p:txBody>
       </p:sp>
-      <p:sp>
-        <p:nvSpPr>
-          <p:cNvPr id="3" name="Content Placeholder 2"/>
-          <p:cNvSpPr>
-            <a:spLocks noGrp="1"/>
-          </p:cNvSpPr>
+      <p:graphicFrame>
+        <p:nvGraphicFramePr>
+          <p:cNvPr id="5" name="Content Placeholder 4"/>
+          <p:cNvGraphicFramePr>
+            <a:graphicFrameLocks noGrp="1"/>
+          </p:cNvGraphicFramePr>
           <p:nvPr>
             <p:ph idx="1"/>
-          </p:nvPr>
-        </p:nvSpPr>
-        <p:spPr/>
-        <p:txBody>
-          <a:bodyPr/>
-          <a:lstStyle/>
-          <a:p>
-            <a:endParaRPr lang="he-IL" dirty="0"/>
-          </a:p>
-        </p:txBody>
-      </p:sp>
+            <p:extLst>
+              <p:ext uri="{D42A27DB-BD31-4B8C-83A1-F6EECF244321}">
+                <p14:modId xmlns:p14="http://schemas.microsoft.com/office/powerpoint/2010/main" val="3045018117"/>
+              </p:ext>
+            </p:extLst>
+          </p:nvPr>
+        </p:nvGraphicFramePr>
+        <p:xfrm>
+          <a:off x="5207724" y="2455825"/>
+          <a:ext cx="6212160" cy="3709832"/>
+        </p:xfrm>
+        <a:graphic>
+          <a:graphicData uri="http://schemas.openxmlformats.org/drawingml/2006/table">
+            <a:tbl>
+              <a:tblPr rtl="1">
+                <a:tableStyleId>{5C22544A-7EE6-4342-B048-85BDC9FD1C3A}</a:tableStyleId>
+              </a:tblPr>
+              <a:tblGrid>
+                <a:gridCol w="1044363">
+                  <a:extLst>
+                    <a:ext uri="{9D8B030D-6E8A-4147-A177-3AD203B41FA5}">
+                      <a16:colId xmlns:a16="http://schemas.microsoft.com/office/drawing/2014/main" val="3608387050"/>
+                    </a:ext>
+                  </a:extLst>
+                </a:gridCol>
+                <a:gridCol w="1044363">
+                  <a:extLst>
+                    <a:ext uri="{9D8B030D-6E8A-4147-A177-3AD203B41FA5}">
+                      <a16:colId xmlns:a16="http://schemas.microsoft.com/office/drawing/2014/main" val="1671360853"/>
+                    </a:ext>
+                  </a:extLst>
+                </a:gridCol>
+                <a:gridCol w="1044363">
+                  <a:extLst>
+                    <a:ext uri="{9D8B030D-6E8A-4147-A177-3AD203B41FA5}">
+                      <a16:colId xmlns:a16="http://schemas.microsoft.com/office/drawing/2014/main" val="2471520367"/>
+                    </a:ext>
+                  </a:extLst>
+                </a:gridCol>
+                <a:gridCol w="1044363">
+                  <a:extLst>
+                    <a:ext uri="{9D8B030D-6E8A-4147-A177-3AD203B41FA5}">
+                      <a16:colId xmlns:a16="http://schemas.microsoft.com/office/drawing/2014/main" val="2351440978"/>
+                    </a:ext>
+                  </a:extLst>
+                </a:gridCol>
+                <a:gridCol w="1170407">
+                  <a:extLst>
+                    <a:ext uri="{9D8B030D-6E8A-4147-A177-3AD203B41FA5}">
+                      <a16:colId xmlns:a16="http://schemas.microsoft.com/office/drawing/2014/main" val="4074300545"/>
+                    </a:ext>
+                  </a:extLst>
+                </a:gridCol>
+                <a:gridCol w="864301">
+                  <a:extLst>
+                    <a:ext uri="{9D8B030D-6E8A-4147-A177-3AD203B41FA5}">
+                      <a16:colId xmlns:a16="http://schemas.microsoft.com/office/drawing/2014/main" val="2309680214"/>
+                    </a:ext>
+                  </a:extLst>
+                </a:gridCol>
+              </a:tblGrid>
+              <a:tr h="132494">
+                <a:tc>
+                  <a:txBody>
+                    <a:bodyPr/>
+                    <a:lstStyle/>
+                    <a:p>
+                      <a:pPr algn="ctr" rtl="0" fontAlgn="ctr"/>
+                      <a:r>
+                        <a:rPr lang="en-US" sz="700" u="none" strike="noStrike">
+                          <a:effectLst/>
+                        </a:rPr>
+                        <a:t>Number of nodes - pc1</a:t>
+                      </a:r>
+                      <a:endParaRPr lang="en-US" sz="700" b="0" i="0" u="none" strike="noStrike">
+                        <a:solidFill>
+                          <a:srgbClr val="000000"/>
+                        </a:solidFill>
+                        <a:effectLst/>
+                        <a:latin typeface="Arial" panose="020B0604020202020204" pitchFamily="34" charset="0"/>
+                      </a:endParaRPr>
+                    </a:p>
+                  </a:txBody>
+                  <a:tcPr marL="5152" marR="5152" marT="5152" marB="0" anchor="ctr"/>
+                </a:tc>
+                <a:tc>
+                  <a:txBody>
+                    <a:bodyPr/>
+                    <a:lstStyle/>
+                    <a:p>
+                      <a:pPr algn="ctr" rtl="0" fontAlgn="ctr"/>
+                      <a:r>
+                        <a:rPr lang="en-US" sz="700" u="none" strike="noStrike">
+                          <a:effectLst/>
+                        </a:rPr>
+                        <a:t>Number of nodes - pc2</a:t>
+                      </a:r>
+                      <a:endParaRPr lang="en-US" sz="700" b="0" i="0" u="none" strike="noStrike">
+                        <a:solidFill>
+                          <a:srgbClr val="000000"/>
+                        </a:solidFill>
+                        <a:effectLst/>
+                        <a:latin typeface="Arial" panose="020B0604020202020204" pitchFamily="34" charset="0"/>
+                      </a:endParaRPr>
+                    </a:p>
+                  </a:txBody>
+                  <a:tcPr marL="5152" marR="5152" marT="5152" marB="0" anchor="ctr"/>
+                </a:tc>
+                <a:tc>
+                  <a:txBody>
+                    <a:bodyPr/>
+                    <a:lstStyle/>
+                    <a:p>
+                      <a:pPr algn="ctr" rtl="0" fontAlgn="ctr"/>
+                      <a:r>
+                        <a:rPr lang="en-US" sz="700" u="none" strike="noStrike">
+                          <a:effectLst/>
+                        </a:rPr>
+                        <a:t>Number of nodes - pc3</a:t>
+                      </a:r>
+                      <a:endParaRPr lang="en-US" sz="700" b="0" i="0" u="none" strike="noStrike">
+                        <a:solidFill>
+                          <a:srgbClr val="000000"/>
+                        </a:solidFill>
+                        <a:effectLst/>
+                        <a:latin typeface="Arial" panose="020B0604020202020204" pitchFamily="34" charset="0"/>
+                      </a:endParaRPr>
+                    </a:p>
+                  </a:txBody>
+                  <a:tcPr marL="5152" marR="5152" marT="5152" marB="0" anchor="ctr"/>
+                </a:tc>
+                <a:tc>
+                  <a:txBody>
+                    <a:bodyPr/>
+                    <a:lstStyle/>
+                    <a:p>
+                      <a:pPr algn="ctr" rtl="0" fontAlgn="ctr"/>
+                      <a:r>
+                        <a:rPr lang="en-US" sz="700" u="none" strike="noStrike">
+                          <a:effectLst/>
+                        </a:rPr>
+                        <a:t>Number of nodes - pc4</a:t>
+                      </a:r>
+                      <a:endParaRPr lang="en-US" sz="700" b="0" i="0" u="none" strike="noStrike">
+                        <a:solidFill>
+                          <a:srgbClr val="000000"/>
+                        </a:solidFill>
+                        <a:effectLst/>
+                        <a:latin typeface="Arial" panose="020B0604020202020204" pitchFamily="34" charset="0"/>
+                      </a:endParaRPr>
+                    </a:p>
+                  </a:txBody>
+                  <a:tcPr marL="5152" marR="5152" marT="5152" marB="0" anchor="ctr"/>
+                </a:tc>
+                <a:tc>
+                  <a:txBody>
+                    <a:bodyPr/>
+                    <a:lstStyle/>
+                    <a:p>
+                      <a:pPr algn="ctr" rtl="0" fontAlgn="ctr"/>
+                      <a:r>
+                        <a:rPr lang="en-US" sz="700" u="none" strike="noStrike">
+                          <a:effectLst/>
+                        </a:rPr>
+                        <a:t>Number of nodes in result</a:t>
+                      </a:r>
+                      <a:endParaRPr lang="en-US" sz="700" b="0" i="0" u="none" strike="noStrike">
+                        <a:solidFill>
+                          <a:srgbClr val="000000"/>
+                        </a:solidFill>
+                        <a:effectLst/>
+                        <a:latin typeface="Arial" panose="020B0604020202020204" pitchFamily="34" charset="0"/>
+                      </a:endParaRPr>
+                    </a:p>
+                  </a:txBody>
+                  <a:tcPr marL="5152" marR="5152" marT="5152" marB="0" anchor="ctr"/>
+                </a:tc>
+                <a:tc>
+                  <a:txBody>
+                    <a:bodyPr/>
+                    <a:lstStyle/>
+                    <a:p>
+                      <a:pPr algn="ctr" rtl="0" fontAlgn="ctr"/>
+                      <a:r>
+                        <a:rPr lang="en-US" sz="700" u="none" strike="noStrike">
+                          <a:effectLst/>
+                        </a:rPr>
+                        <a:t>Average time [sec]</a:t>
+                      </a:r>
+                      <a:endParaRPr lang="en-US" sz="700" b="0" i="0" u="none" strike="noStrike">
+                        <a:solidFill>
+                          <a:srgbClr val="000000"/>
+                        </a:solidFill>
+                        <a:effectLst/>
+                        <a:latin typeface="Arial" panose="020B0604020202020204" pitchFamily="34" charset="0"/>
+                      </a:endParaRPr>
+                    </a:p>
+                  </a:txBody>
+                  <a:tcPr marL="5152" marR="5152" marT="5152" marB="0" anchor="ctr"/>
+                </a:tc>
+                <a:extLst>
+                  <a:ext uri="{0D108BD9-81ED-4DB2-BD59-A6C34878D82A}">
+                    <a16:rowId xmlns:a16="http://schemas.microsoft.com/office/drawing/2014/main" val="1161868778"/>
+                  </a:ext>
+                </a:extLst>
+              </a:tr>
+              <a:tr h="132494">
+                <a:tc>
+                  <a:txBody>
+                    <a:bodyPr/>
+                    <a:lstStyle/>
+                    <a:p>
+                      <a:pPr algn="ctr" rtl="0" fontAlgn="ctr"/>
+                      <a:r>
+                        <a:rPr lang="he-IL" sz="700" u="none" strike="noStrike">
+                          <a:effectLst/>
+                        </a:rPr>
+                        <a:t>4</a:t>
+                      </a:r>
+                      <a:endParaRPr lang="he-IL" sz="700" b="0" i="0" u="none" strike="noStrike">
+                        <a:solidFill>
+                          <a:srgbClr val="000000"/>
+                        </a:solidFill>
+                        <a:effectLst/>
+                        <a:latin typeface="Arial" panose="020B0604020202020204" pitchFamily="34" charset="0"/>
+                      </a:endParaRPr>
+                    </a:p>
+                  </a:txBody>
+                  <a:tcPr marL="5152" marR="5152" marT="5152" marB="0" anchor="ctr"/>
+                </a:tc>
+                <a:tc>
+                  <a:txBody>
+                    <a:bodyPr/>
+                    <a:lstStyle/>
+                    <a:p>
+                      <a:pPr algn="ctr" rtl="0" fontAlgn="ctr"/>
+                      <a:r>
+                        <a:rPr lang="he-IL" sz="700" u="none" strike="noStrike">
+                          <a:effectLst/>
+                        </a:rPr>
+                        <a:t>5</a:t>
+                      </a:r>
+                      <a:endParaRPr lang="he-IL" sz="700" b="0" i="0" u="none" strike="noStrike">
+                        <a:solidFill>
+                          <a:srgbClr val="000000"/>
+                        </a:solidFill>
+                        <a:effectLst/>
+                        <a:latin typeface="Arial" panose="020B0604020202020204" pitchFamily="34" charset="0"/>
+                      </a:endParaRPr>
+                    </a:p>
+                  </a:txBody>
+                  <a:tcPr marL="5152" marR="5152" marT="5152" marB="0" anchor="ctr"/>
+                </a:tc>
+                <a:tc>
+                  <a:txBody>
+                    <a:bodyPr/>
+                    <a:lstStyle/>
+                    <a:p>
+                      <a:pPr algn="ctr" rtl="0" fontAlgn="ctr"/>
+                      <a:r>
+                        <a:rPr lang="he-IL" sz="700" u="none" strike="noStrike">
+                          <a:effectLst/>
+                        </a:rPr>
+                        <a:t>5</a:t>
+                      </a:r>
+                      <a:endParaRPr lang="he-IL" sz="700" b="0" i="0" u="none" strike="noStrike">
+                        <a:solidFill>
+                          <a:srgbClr val="000000"/>
+                        </a:solidFill>
+                        <a:effectLst/>
+                        <a:latin typeface="Arial" panose="020B0604020202020204" pitchFamily="34" charset="0"/>
+                      </a:endParaRPr>
+                    </a:p>
+                  </a:txBody>
+                  <a:tcPr marL="5152" marR="5152" marT="5152" marB="0" anchor="ctr"/>
+                </a:tc>
+                <a:tc>
+                  <a:txBody>
+                    <a:bodyPr/>
+                    <a:lstStyle/>
+                    <a:p>
+                      <a:pPr algn="ctr" rtl="0" fontAlgn="ctr"/>
+                      <a:r>
+                        <a:rPr lang="he-IL" sz="700" u="none" strike="noStrike">
+                          <a:effectLst/>
+                        </a:rPr>
+                        <a:t>5</a:t>
+                      </a:r>
+                      <a:endParaRPr lang="he-IL" sz="700" b="0" i="0" u="none" strike="noStrike">
+                        <a:solidFill>
+                          <a:srgbClr val="000000"/>
+                        </a:solidFill>
+                        <a:effectLst/>
+                        <a:latin typeface="Arial" panose="020B0604020202020204" pitchFamily="34" charset="0"/>
+                      </a:endParaRPr>
+                    </a:p>
+                  </a:txBody>
+                  <a:tcPr marL="5152" marR="5152" marT="5152" marB="0" anchor="ctr"/>
+                </a:tc>
+                <a:tc>
+                  <a:txBody>
+                    <a:bodyPr/>
+                    <a:lstStyle/>
+                    <a:p>
+                      <a:pPr algn="ctr" rtl="0" fontAlgn="ctr"/>
+                      <a:r>
+                        <a:rPr lang="he-IL" sz="700" u="none" strike="noStrike">
+                          <a:effectLst/>
+                        </a:rPr>
+                        <a:t>19</a:t>
+                      </a:r>
+                      <a:endParaRPr lang="he-IL" sz="700" b="0" i="0" u="none" strike="noStrike">
+                        <a:solidFill>
+                          <a:srgbClr val="000000"/>
+                        </a:solidFill>
+                        <a:effectLst/>
+                        <a:latin typeface="Arial" panose="020B0604020202020204" pitchFamily="34" charset="0"/>
+                      </a:endParaRPr>
+                    </a:p>
+                  </a:txBody>
+                  <a:tcPr marL="5152" marR="5152" marT="5152" marB="0" anchor="ctr"/>
+                </a:tc>
+                <a:tc>
+                  <a:txBody>
+                    <a:bodyPr/>
+                    <a:lstStyle/>
+                    <a:p>
+                      <a:pPr algn="ctr" rtl="0" fontAlgn="ctr"/>
+                      <a:r>
+                        <a:rPr lang="he-IL" sz="700" u="none" strike="noStrike">
+                          <a:effectLst/>
+                        </a:rPr>
+                        <a:t>0.347658</a:t>
+                      </a:r>
+                      <a:endParaRPr lang="he-IL" sz="700" b="0" i="0" u="none" strike="noStrike">
+                        <a:solidFill>
+                          <a:srgbClr val="000000"/>
+                        </a:solidFill>
+                        <a:effectLst/>
+                        <a:latin typeface="Arial" panose="020B0604020202020204" pitchFamily="34" charset="0"/>
+                      </a:endParaRPr>
+                    </a:p>
+                  </a:txBody>
+                  <a:tcPr marL="5152" marR="5152" marT="5152" marB="0" anchor="ctr"/>
+                </a:tc>
+                <a:extLst>
+                  <a:ext uri="{0D108BD9-81ED-4DB2-BD59-A6C34878D82A}">
+                    <a16:rowId xmlns:a16="http://schemas.microsoft.com/office/drawing/2014/main" val="4161183563"/>
+                  </a:ext>
+                </a:extLst>
+              </a:tr>
+              <a:tr h="132494">
+                <a:tc>
+                  <a:txBody>
+                    <a:bodyPr/>
+                    <a:lstStyle/>
+                    <a:p>
+                      <a:pPr algn="ctr" rtl="0" fontAlgn="ctr"/>
+                      <a:r>
+                        <a:rPr lang="he-IL" sz="700" u="none" strike="noStrike">
+                          <a:effectLst/>
+                        </a:rPr>
+                        <a:t>10</a:t>
+                      </a:r>
+                      <a:endParaRPr lang="he-IL" sz="700" b="0" i="0" u="none" strike="noStrike">
+                        <a:solidFill>
+                          <a:srgbClr val="000000"/>
+                        </a:solidFill>
+                        <a:effectLst/>
+                        <a:latin typeface="Arial" panose="020B0604020202020204" pitchFamily="34" charset="0"/>
+                      </a:endParaRPr>
+                    </a:p>
+                  </a:txBody>
+                  <a:tcPr marL="5152" marR="5152" marT="5152" marB="0" anchor="ctr"/>
+                </a:tc>
+                <a:tc>
+                  <a:txBody>
+                    <a:bodyPr/>
+                    <a:lstStyle/>
+                    <a:p>
+                      <a:pPr algn="ctr" rtl="0" fontAlgn="ctr"/>
+                      <a:r>
+                        <a:rPr lang="he-IL" sz="700" u="none" strike="noStrike">
+                          <a:effectLst/>
+                        </a:rPr>
+                        <a:t>16</a:t>
+                      </a:r>
+                      <a:endParaRPr lang="he-IL" sz="700" b="0" i="0" u="none" strike="noStrike">
+                        <a:solidFill>
+                          <a:srgbClr val="000000"/>
+                        </a:solidFill>
+                        <a:effectLst/>
+                        <a:latin typeface="Arial" panose="020B0604020202020204" pitchFamily="34" charset="0"/>
+                      </a:endParaRPr>
+                    </a:p>
+                  </a:txBody>
+                  <a:tcPr marL="5152" marR="5152" marT="5152" marB="0" anchor="ctr"/>
+                </a:tc>
+                <a:tc>
+                  <a:txBody>
+                    <a:bodyPr/>
+                    <a:lstStyle/>
+                    <a:p>
+                      <a:pPr algn="ctr" rtl="0" fontAlgn="ctr"/>
+                      <a:r>
+                        <a:rPr lang="he-IL" sz="700" u="none" strike="noStrike">
+                          <a:effectLst/>
+                        </a:rPr>
+                        <a:t>24</a:t>
+                      </a:r>
+                      <a:endParaRPr lang="he-IL" sz="700" b="0" i="0" u="none" strike="noStrike">
+                        <a:solidFill>
+                          <a:srgbClr val="000000"/>
+                        </a:solidFill>
+                        <a:effectLst/>
+                        <a:latin typeface="Arial" panose="020B0604020202020204" pitchFamily="34" charset="0"/>
+                      </a:endParaRPr>
+                    </a:p>
+                  </a:txBody>
+                  <a:tcPr marL="5152" marR="5152" marT="5152" marB="0" anchor="ctr"/>
+                </a:tc>
+                <a:tc>
+                  <a:txBody>
+                    <a:bodyPr/>
+                    <a:lstStyle/>
+                    <a:p>
+                      <a:pPr algn="ctr" rtl="0" fontAlgn="ctr"/>
+                      <a:r>
+                        <a:rPr lang="he-IL" sz="700" u="none" strike="noStrike">
+                          <a:effectLst/>
+                        </a:rPr>
+                        <a:t>14</a:t>
+                      </a:r>
+                      <a:endParaRPr lang="he-IL" sz="700" b="0" i="0" u="none" strike="noStrike">
+                        <a:solidFill>
+                          <a:srgbClr val="000000"/>
+                        </a:solidFill>
+                        <a:effectLst/>
+                        <a:latin typeface="Arial" panose="020B0604020202020204" pitchFamily="34" charset="0"/>
+                      </a:endParaRPr>
+                    </a:p>
+                  </a:txBody>
+                  <a:tcPr marL="5152" marR="5152" marT="5152" marB="0" anchor="ctr"/>
+                </a:tc>
+                <a:tc>
+                  <a:txBody>
+                    <a:bodyPr/>
+                    <a:lstStyle/>
+                    <a:p>
+                      <a:pPr algn="ctr" rtl="0" fontAlgn="ctr"/>
+                      <a:r>
+                        <a:rPr lang="he-IL" sz="700" u="none" strike="noStrike">
+                          <a:effectLst/>
+                        </a:rPr>
+                        <a:t>64</a:t>
+                      </a:r>
+                      <a:endParaRPr lang="he-IL" sz="700" b="0" i="0" u="none" strike="noStrike">
+                        <a:solidFill>
+                          <a:srgbClr val="000000"/>
+                        </a:solidFill>
+                        <a:effectLst/>
+                        <a:latin typeface="Arial" panose="020B0604020202020204" pitchFamily="34" charset="0"/>
+                      </a:endParaRPr>
+                    </a:p>
+                  </a:txBody>
+                  <a:tcPr marL="5152" marR="5152" marT="5152" marB="0" anchor="ctr"/>
+                </a:tc>
+                <a:tc>
+                  <a:txBody>
+                    <a:bodyPr/>
+                    <a:lstStyle/>
+                    <a:p>
+                      <a:pPr algn="ctr" rtl="0" fontAlgn="ctr"/>
+                      <a:r>
+                        <a:rPr lang="he-IL" sz="700" u="none" strike="noStrike">
+                          <a:effectLst/>
+                        </a:rPr>
+                        <a:t>1.437036</a:t>
+                      </a:r>
+                      <a:endParaRPr lang="he-IL" sz="700" b="0" i="0" u="none" strike="noStrike">
+                        <a:solidFill>
+                          <a:srgbClr val="000000"/>
+                        </a:solidFill>
+                        <a:effectLst/>
+                        <a:latin typeface="Arial" panose="020B0604020202020204" pitchFamily="34" charset="0"/>
+                      </a:endParaRPr>
+                    </a:p>
+                  </a:txBody>
+                  <a:tcPr marL="5152" marR="5152" marT="5152" marB="0" anchor="ctr"/>
+                </a:tc>
+                <a:extLst>
+                  <a:ext uri="{0D108BD9-81ED-4DB2-BD59-A6C34878D82A}">
+                    <a16:rowId xmlns:a16="http://schemas.microsoft.com/office/drawing/2014/main" val="3209961072"/>
+                  </a:ext>
+                </a:extLst>
+              </a:tr>
+              <a:tr h="132494">
+                <a:tc>
+                  <a:txBody>
+                    <a:bodyPr/>
+                    <a:lstStyle/>
+                    <a:p>
+                      <a:pPr algn="ctr" rtl="0" fontAlgn="ctr"/>
+                      <a:r>
+                        <a:rPr lang="he-IL" sz="700" u="none" strike="noStrike">
+                          <a:effectLst/>
+                        </a:rPr>
+                        <a:t>0</a:t>
+                      </a:r>
+                      <a:endParaRPr lang="he-IL" sz="700" b="0" i="0" u="none" strike="noStrike">
+                        <a:solidFill>
+                          <a:srgbClr val="000000"/>
+                        </a:solidFill>
+                        <a:effectLst/>
+                        <a:latin typeface="Arial" panose="020B0604020202020204" pitchFamily="34" charset="0"/>
+                      </a:endParaRPr>
+                    </a:p>
+                  </a:txBody>
+                  <a:tcPr marL="5152" marR="5152" marT="5152" marB="0" anchor="ctr"/>
+                </a:tc>
+                <a:tc>
+                  <a:txBody>
+                    <a:bodyPr/>
+                    <a:lstStyle/>
+                    <a:p>
+                      <a:pPr algn="ctr" rtl="0" fontAlgn="ctr"/>
+                      <a:r>
+                        <a:rPr lang="he-IL" sz="700" u="none" strike="noStrike">
+                          <a:effectLst/>
+                        </a:rPr>
+                        <a:t>5</a:t>
+                      </a:r>
+                      <a:endParaRPr lang="he-IL" sz="700" b="0" i="0" u="none" strike="noStrike">
+                        <a:solidFill>
+                          <a:srgbClr val="000000"/>
+                        </a:solidFill>
+                        <a:effectLst/>
+                        <a:latin typeface="Arial" panose="020B0604020202020204" pitchFamily="34" charset="0"/>
+                      </a:endParaRPr>
+                    </a:p>
+                  </a:txBody>
+                  <a:tcPr marL="5152" marR="5152" marT="5152" marB="0" anchor="ctr"/>
+                </a:tc>
+                <a:tc>
+                  <a:txBody>
+                    <a:bodyPr/>
+                    <a:lstStyle/>
+                    <a:p>
+                      <a:pPr algn="ctr" rtl="0" fontAlgn="ctr"/>
+                      <a:r>
+                        <a:rPr lang="he-IL" sz="700" u="none" strike="noStrike">
+                          <a:effectLst/>
+                        </a:rPr>
+                        <a:t>0</a:t>
+                      </a:r>
+                      <a:endParaRPr lang="he-IL" sz="700" b="0" i="0" u="none" strike="noStrike">
+                        <a:solidFill>
+                          <a:srgbClr val="000000"/>
+                        </a:solidFill>
+                        <a:effectLst/>
+                        <a:latin typeface="Arial" panose="020B0604020202020204" pitchFamily="34" charset="0"/>
+                      </a:endParaRPr>
+                    </a:p>
+                  </a:txBody>
+                  <a:tcPr marL="5152" marR="5152" marT="5152" marB="0" anchor="ctr"/>
+                </a:tc>
+                <a:tc>
+                  <a:txBody>
+                    <a:bodyPr/>
+                    <a:lstStyle/>
+                    <a:p>
+                      <a:pPr algn="ctr" rtl="0" fontAlgn="ctr"/>
+                      <a:r>
+                        <a:rPr lang="he-IL" sz="700" u="none" strike="noStrike">
+                          <a:effectLst/>
+                        </a:rPr>
+                        <a:t>0</a:t>
+                      </a:r>
+                      <a:endParaRPr lang="he-IL" sz="700" b="0" i="0" u="none" strike="noStrike">
+                        <a:solidFill>
+                          <a:srgbClr val="000000"/>
+                        </a:solidFill>
+                        <a:effectLst/>
+                        <a:latin typeface="Arial" panose="020B0604020202020204" pitchFamily="34" charset="0"/>
+                      </a:endParaRPr>
+                    </a:p>
+                  </a:txBody>
+                  <a:tcPr marL="5152" marR="5152" marT="5152" marB="0" anchor="ctr"/>
+                </a:tc>
+                <a:tc>
+                  <a:txBody>
+                    <a:bodyPr/>
+                    <a:lstStyle/>
+                    <a:p>
+                      <a:pPr algn="ctr" rtl="0" fontAlgn="ctr"/>
+                      <a:r>
+                        <a:rPr lang="he-IL" sz="700" u="none" strike="noStrike">
+                          <a:effectLst/>
+                        </a:rPr>
+                        <a:t>5</a:t>
+                      </a:r>
+                      <a:endParaRPr lang="he-IL" sz="700" b="0" i="0" u="none" strike="noStrike">
+                        <a:solidFill>
+                          <a:srgbClr val="000000"/>
+                        </a:solidFill>
+                        <a:effectLst/>
+                        <a:latin typeface="Arial" panose="020B0604020202020204" pitchFamily="34" charset="0"/>
+                      </a:endParaRPr>
+                    </a:p>
+                  </a:txBody>
+                  <a:tcPr marL="5152" marR="5152" marT="5152" marB="0" anchor="ctr"/>
+                </a:tc>
+                <a:tc>
+                  <a:txBody>
+                    <a:bodyPr/>
+                    <a:lstStyle/>
+                    <a:p>
+                      <a:pPr algn="ctr" rtl="0" fontAlgn="ctr"/>
+                      <a:r>
+                        <a:rPr lang="he-IL" sz="700" u="none" strike="noStrike">
+                          <a:effectLst/>
+                        </a:rPr>
+                        <a:t>0.152049</a:t>
+                      </a:r>
+                      <a:endParaRPr lang="he-IL" sz="700" b="0" i="0" u="none" strike="noStrike">
+                        <a:solidFill>
+                          <a:srgbClr val="000000"/>
+                        </a:solidFill>
+                        <a:effectLst/>
+                        <a:latin typeface="Arial" panose="020B0604020202020204" pitchFamily="34" charset="0"/>
+                      </a:endParaRPr>
+                    </a:p>
+                  </a:txBody>
+                  <a:tcPr marL="5152" marR="5152" marT="5152" marB="0" anchor="ctr"/>
+                </a:tc>
+                <a:extLst>
+                  <a:ext uri="{0D108BD9-81ED-4DB2-BD59-A6C34878D82A}">
+                    <a16:rowId xmlns:a16="http://schemas.microsoft.com/office/drawing/2014/main" val="511123139"/>
+                  </a:ext>
+                </a:extLst>
+              </a:tr>
+              <a:tr h="132494">
+                <a:tc>
+                  <a:txBody>
+                    <a:bodyPr/>
+                    <a:lstStyle/>
+                    <a:p>
+                      <a:pPr algn="ctr" rtl="0" fontAlgn="ctr"/>
+                      <a:r>
+                        <a:rPr lang="he-IL" sz="700" u="none" strike="noStrike">
+                          <a:effectLst/>
+                        </a:rPr>
+                        <a:t>5</a:t>
+                      </a:r>
+                      <a:endParaRPr lang="he-IL" sz="700" b="0" i="0" u="none" strike="noStrike">
+                        <a:solidFill>
+                          <a:srgbClr val="000000"/>
+                        </a:solidFill>
+                        <a:effectLst/>
+                        <a:latin typeface="Arial" panose="020B0604020202020204" pitchFamily="34" charset="0"/>
+                      </a:endParaRPr>
+                    </a:p>
+                  </a:txBody>
+                  <a:tcPr marL="5152" marR="5152" marT="5152" marB="0" anchor="ctr"/>
+                </a:tc>
+                <a:tc>
+                  <a:txBody>
+                    <a:bodyPr/>
+                    <a:lstStyle/>
+                    <a:p>
+                      <a:pPr algn="ctr" rtl="0" fontAlgn="ctr"/>
+                      <a:r>
+                        <a:rPr lang="he-IL" sz="700" u="none" strike="noStrike">
+                          <a:effectLst/>
+                        </a:rPr>
+                        <a:t>39</a:t>
+                      </a:r>
+                      <a:endParaRPr lang="he-IL" sz="700" b="0" i="0" u="none" strike="noStrike">
+                        <a:solidFill>
+                          <a:srgbClr val="000000"/>
+                        </a:solidFill>
+                        <a:effectLst/>
+                        <a:latin typeface="Arial" panose="020B0604020202020204" pitchFamily="34" charset="0"/>
+                      </a:endParaRPr>
+                    </a:p>
+                  </a:txBody>
+                  <a:tcPr marL="5152" marR="5152" marT="5152" marB="0" anchor="ctr"/>
+                </a:tc>
+                <a:tc>
+                  <a:txBody>
+                    <a:bodyPr/>
+                    <a:lstStyle/>
+                    <a:p>
+                      <a:pPr algn="ctr" rtl="0" fontAlgn="ctr"/>
+                      <a:r>
+                        <a:rPr lang="he-IL" sz="700" u="none" strike="noStrike">
+                          <a:effectLst/>
+                        </a:rPr>
+                        <a:t>35</a:t>
+                      </a:r>
+                      <a:endParaRPr lang="he-IL" sz="700" b="0" i="0" u="none" strike="noStrike">
+                        <a:solidFill>
+                          <a:srgbClr val="000000"/>
+                        </a:solidFill>
+                        <a:effectLst/>
+                        <a:latin typeface="Arial" panose="020B0604020202020204" pitchFamily="34" charset="0"/>
+                      </a:endParaRPr>
+                    </a:p>
+                  </a:txBody>
+                  <a:tcPr marL="5152" marR="5152" marT="5152" marB="0" anchor="ctr"/>
+                </a:tc>
+                <a:tc>
+                  <a:txBody>
+                    <a:bodyPr/>
+                    <a:lstStyle/>
+                    <a:p>
+                      <a:pPr algn="ctr" rtl="0" fontAlgn="ctr"/>
+                      <a:r>
+                        <a:rPr lang="he-IL" sz="700" u="none" strike="noStrike">
+                          <a:effectLst/>
+                        </a:rPr>
+                        <a:t>27</a:t>
+                      </a:r>
+                      <a:endParaRPr lang="he-IL" sz="700" b="0" i="0" u="none" strike="noStrike">
+                        <a:solidFill>
+                          <a:srgbClr val="000000"/>
+                        </a:solidFill>
+                        <a:effectLst/>
+                        <a:latin typeface="Arial" panose="020B0604020202020204" pitchFamily="34" charset="0"/>
+                      </a:endParaRPr>
+                    </a:p>
+                  </a:txBody>
+                  <a:tcPr marL="5152" marR="5152" marT="5152" marB="0" anchor="ctr"/>
+                </a:tc>
+                <a:tc>
+                  <a:txBody>
+                    <a:bodyPr/>
+                    <a:lstStyle/>
+                    <a:p>
+                      <a:pPr algn="ctr" rtl="0" fontAlgn="ctr"/>
+                      <a:r>
+                        <a:rPr lang="he-IL" sz="700" u="none" strike="noStrike">
+                          <a:effectLst/>
+                        </a:rPr>
+                        <a:t>106</a:t>
+                      </a:r>
+                      <a:endParaRPr lang="he-IL" sz="700" b="0" i="0" u="none" strike="noStrike">
+                        <a:solidFill>
+                          <a:srgbClr val="000000"/>
+                        </a:solidFill>
+                        <a:effectLst/>
+                        <a:latin typeface="Arial" panose="020B0604020202020204" pitchFamily="34" charset="0"/>
+                      </a:endParaRPr>
+                    </a:p>
+                  </a:txBody>
+                  <a:tcPr marL="5152" marR="5152" marT="5152" marB="0" anchor="ctr"/>
+                </a:tc>
+                <a:tc>
+                  <a:txBody>
+                    <a:bodyPr/>
+                    <a:lstStyle/>
+                    <a:p>
+                      <a:pPr algn="ctr" rtl="0" fontAlgn="ctr"/>
+                      <a:r>
+                        <a:rPr lang="he-IL" sz="700" u="none" strike="noStrike">
+                          <a:effectLst/>
+                        </a:rPr>
+                        <a:t>2.62173</a:t>
+                      </a:r>
+                      <a:endParaRPr lang="he-IL" sz="700" b="0" i="0" u="none" strike="noStrike">
+                        <a:solidFill>
+                          <a:srgbClr val="000000"/>
+                        </a:solidFill>
+                        <a:effectLst/>
+                        <a:latin typeface="Arial" panose="020B0604020202020204" pitchFamily="34" charset="0"/>
+                      </a:endParaRPr>
+                    </a:p>
+                  </a:txBody>
+                  <a:tcPr marL="5152" marR="5152" marT="5152" marB="0" anchor="ctr"/>
+                </a:tc>
+                <a:extLst>
+                  <a:ext uri="{0D108BD9-81ED-4DB2-BD59-A6C34878D82A}">
+                    <a16:rowId xmlns:a16="http://schemas.microsoft.com/office/drawing/2014/main" val="3077887647"/>
+                  </a:ext>
+                </a:extLst>
+              </a:tr>
+              <a:tr h="132494">
+                <a:tc>
+                  <a:txBody>
+                    <a:bodyPr/>
+                    <a:lstStyle/>
+                    <a:p>
+                      <a:pPr algn="ctr" rtl="0" fontAlgn="ctr"/>
+                      <a:r>
+                        <a:rPr lang="he-IL" sz="700" u="none" strike="noStrike">
+                          <a:effectLst/>
+                        </a:rPr>
+                        <a:t>0</a:t>
+                      </a:r>
+                      <a:endParaRPr lang="he-IL" sz="700" b="0" i="0" u="none" strike="noStrike">
+                        <a:solidFill>
+                          <a:srgbClr val="000000"/>
+                        </a:solidFill>
+                        <a:effectLst/>
+                        <a:latin typeface="Arial" panose="020B0604020202020204" pitchFamily="34" charset="0"/>
+                      </a:endParaRPr>
+                    </a:p>
+                  </a:txBody>
+                  <a:tcPr marL="5152" marR="5152" marT="5152" marB="0" anchor="ctr"/>
+                </a:tc>
+                <a:tc>
+                  <a:txBody>
+                    <a:bodyPr/>
+                    <a:lstStyle/>
+                    <a:p>
+                      <a:pPr algn="ctr" rtl="0" fontAlgn="ctr"/>
+                      <a:r>
+                        <a:rPr lang="he-IL" sz="700" u="none" strike="noStrike">
+                          <a:effectLst/>
+                        </a:rPr>
+                        <a:t>4</a:t>
+                      </a:r>
+                      <a:endParaRPr lang="he-IL" sz="700" b="0" i="0" u="none" strike="noStrike">
+                        <a:solidFill>
+                          <a:srgbClr val="000000"/>
+                        </a:solidFill>
+                        <a:effectLst/>
+                        <a:latin typeface="Arial" panose="020B0604020202020204" pitchFamily="34" charset="0"/>
+                      </a:endParaRPr>
+                    </a:p>
+                  </a:txBody>
+                  <a:tcPr marL="5152" marR="5152" marT="5152" marB="0" anchor="ctr"/>
+                </a:tc>
+                <a:tc>
+                  <a:txBody>
+                    <a:bodyPr/>
+                    <a:lstStyle/>
+                    <a:p>
+                      <a:pPr algn="ctr" rtl="0" fontAlgn="ctr"/>
+                      <a:r>
+                        <a:rPr lang="he-IL" sz="700" u="none" strike="noStrike">
+                          <a:effectLst/>
+                        </a:rPr>
+                        <a:t>4</a:t>
+                      </a:r>
+                      <a:endParaRPr lang="he-IL" sz="700" b="0" i="0" u="none" strike="noStrike">
+                        <a:solidFill>
+                          <a:srgbClr val="000000"/>
+                        </a:solidFill>
+                        <a:effectLst/>
+                        <a:latin typeface="Arial" panose="020B0604020202020204" pitchFamily="34" charset="0"/>
+                      </a:endParaRPr>
+                    </a:p>
+                  </a:txBody>
+                  <a:tcPr marL="5152" marR="5152" marT="5152" marB="0" anchor="ctr"/>
+                </a:tc>
+                <a:tc>
+                  <a:txBody>
+                    <a:bodyPr/>
+                    <a:lstStyle/>
+                    <a:p>
+                      <a:pPr algn="ctr" rtl="0" fontAlgn="ctr"/>
+                      <a:r>
+                        <a:rPr lang="he-IL" sz="700" u="none" strike="noStrike">
+                          <a:effectLst/>
+                        </a:rPr>
+                        <a:t>4</a:t>
+                      </a:r>
+                      <a:endParaRPr lang="he-IL" sz="700" b="0" i="0" u="none" strike="noStrike">
+                        <a:solidFill>
+                          <a:srgbClr val="000000"/>
+                        </a:solidFill>
+                        <a:effectLst/>
+                        <a:latin typeface="Arial" panose="020B0604020202020204" pitchFamily="34" charset="0"/>
+                      </a:endParaRPr>
+                    </a:p>
+                  </a:txBody>
+                  <a:tcPr marL="5152" marR="5152" marT="5152" marB="0" anchor="ctr"/>
+                </a:tc>
+                <a:tc>
+                  <a:txBody>
+                    <a:bodyPr/>
+                    <a:lstStyle/>
+                    <a:p>
+                      <a:pPr algn="ctr" rtl="0" fontAlgn="ctr"/>
+                      <a:r>
+                        <a:rPr lang="he-IL" sz="700" u="none" strike="noStrike">
+                          <a:effectLst/>
+                        </a:rPr>
+                        <a:t>12</a:t>
+                      </a:r>
+                      <a:endParaRPr lang="he-IL" sz="700" b="0" i="0" u="none" strike="noStrike">
+                        <a:solidFill>
+                          <a:srgbClr val="000000"/>
+                        </a:solidFill>
+                        <a:effectLst/>
+                        <a:latin typeface="Arial" panose="020B0604020202020204" pitchFamily="34" charset="0"/>
+                      </a:endParaRPr>
+                    </a:p>
+                  </a:txBody>
+                  <a:tcPr marL="5152" marR="5152" marT="5152" marB="0" anchor="ctr"/>
+                </a:tc>
+                <a:tc>
+                  <a:txBody>
+                    <a:bodyPr/>
+                    <a:lstStyle/>
+                    <a:p>
+                      <a:pPr algn="ctr" rtl="0" fontAlgn="ctr"/>
+                      <a:r>
+                        <a:rPr lang="he-IL" sz="700" u="none" strike="noStrike">
+                          <a:effectLst/>
+                        </a:rPr>
+                        <a:t>0.183969</a:t>
+                      </a:r>
+                      <a:endParaRPr lang="he-IL" sz="700" b="0" i="0" u="none" strike="noStrike">
+                        <a:solidFill>
+                          <a:srgbClr val="000000"/>
+                        </a:solidFill>
+                        <a:effectLst/>
+                        <a:latin typeface="Arial" panose="020B0604020202020204" pitchFamily="34" charset="0"/>
+                      </a:endParaRPr>
+                    </a:p>
+                  </a:txBody>
+                  <a:tcPr marL="5152" marR="5152" marT="5152" marB="0" anchor="ctr"/>
+                </a:tc>
+                <a:extLst>
+                  <a:ext uri="{0D108BD9-81ED-4DB2-BD59-A6C34878D82A}">
+                    <a16:rowId xmlns:a16="http://schemas.microsoft.com/office/drawing/2014/main" val="2864785685"/>
+                  </a:ext>
+                </a:extLst>
+              </a:tr>
+              <a:tr h="132494">
+                <a:tc>
+                  <a:txBody>
+                    <a:bodyPr/>
+                    <a:lstStyle/>
+                    <a:p>
+                      <a:pPr algn="ctr" rtl="0" fontAlgn="ctr"/>
+                      <a:r>
+                        <a:rPr lang="he-IL" sz="700" u="none" strike="noStrike">
+                          <a:effectLst/>
+                        </a:rPr>
+                        <a:t>5</a:t>
+                      </a:r>
+                      <a:endParaRPr lang="he-IL" sz="700" b="0" i="0" u="none" strike="noStrike">
+                        <a:solidFill>
+                          <a:srgbClr val="000000"/>
+                        </a:solidFill>
+                        <a:effectLst/>
+                        <a:latin typeface="Arial" panose="020B0604020202020204" pitchFamily="34" charset="0"/>
+                      </a:endParaRPr>
+                    </a:p>
+                  </a:txBody>
+                  <a:tcPr marL="5152" marR="5152" marT="5152" marB="0" anchor="ctr"/>
+                </a:tc>
+                <a:tc>
+                  <a:txBody>
+                    <a:bodyPr/>
+                    <a:lstStyle/>
+                    <a:p>
+                      <a:pPr algn="ctr" rtl="0" fontAlgn="ctr"/>
+                      <a:r>
+                        <a:rPr lang="he-IL" sz="700" u="none" strike="noStrike">
+                          <a:effectLst/>
+                        </a:rPr>
+                        <a:t>8</a:t>
+                      </a:r>
+                      <a:endParaRPr lang="he-IL" sz="700" b="0" i="0" u="none" strike="noStrike">
+                        <a:solidFill>
+                          <a:srgbClr val="000000"/>
+                        </a:solidFill>
+                        <a:effectLst/>
+                        <a:latin typeface="Arial" panose="020B0604020202020204" pitchFamily="34" charset="0"/>
+                      </a:endParaRPr>
+                    </a:p>
+                  </a:txBody>
+                  <a:tcPr marL="5152" marR="5152" marT="5152" marB="0" anchor="ctr"/>
+                </a:tc>
+                <a:tc>
+                  <a:txBody>
+                    <a:bodyPr/>
+                    <a:lstStyle/>
+                    <a:p>
+                      <a:pPr algn="ctr" rtl="0" fontAlgn="ctr"/>
+                      <a:r>
+                        <a:rPr lang="he-IL" sz="700" u="none" strike="noStrike">
+                          <a:effectLst/>
+                        </a:rPr>
+                        <a:t>9</a:t>
+                      </a:r>
+                      <a:endParaRPr lang="he-IL" sz="700" b="0" i="0" u="none" strike="noStrike">
+                        <a:solidFill>
+                          <a:srgbClr val="000000"/>
+                        </a:solidFill>
+                        <a:effectLst/>
+                        <a:latin typeface="Arial" panose="020B0604020202020204" pitchFamily="34" charset="0"/>
+                      </a:endParaRPr>
+                    </a:p>
+                  </a:txBody>
+                  <a:tcPr marL="5152" marR="5152" marT="5152" marB="0" anchor="ctr"/>
+                </a:tc>
+                <a:tc>
+                  <a:txBody>
+                    <a:bodyPr/>
+                    <a:lstStyle/>
+                    <a:p>
+                      <a:pPr algn="ctr" rtl="0" fontAlgn="ctr"/>
+                      <a:r>
+                        <a:rPr lang="he-IL" sz="700" u="none" strike="noStrike">
+                          <a:effectLst/>
+                        </a:rPr>
+                        <a:t>12</a:t>
+                      </a:r>
+                      <a:endParaRPr lang="he-IL" sz="700" b="0" i="0" u="none" strike="noStrike">
+                        <a:solidFill>
+                          <a:srgbClr val="000000"/>
+                        </a:solidFill>
+                        <a:effectLst/>
+                        <a:latin typeface="Arial" panose="020B0604020202020204" pitchFamily="34" charset="0"/>
+                      </a:endParaRPr>
+                    </a:p>
+                  </a:txBody>
+                  <a:tcPr marL="5152" marR="5152" marT="5152" marB="0" anchor="ctr"/>
+                </a:tc>
+                <a:tc>
+                  <a:txBody>
+                    <a:bodyPr/>
+                    <a:lstStyle/>
+                    <a:p>
+                      <a:pPr algn="ctr" rtl="0" fontAlgn="ctr"/>
+                      <a:r>
+                        <a:rPr lang="he-IL" sz="700" u="none" strike="noStrike">
+                          <a:effectLst/>
+                        </a:rPr>
+                        <a:t>34</a:t>
+                      </a:r>
+                      <a:endParaRPr lang="he-IL" sz="700" b="0" i="0" u="none" strike="noStrike">
+                        <a:solidFill>
+                          <a:srgbClr val="000000"/>
+                        </a:solidFill>
+                        <a:effectLst/>
+                        <a:latin typeface="Arial" panose="020B0604020202020204" pitchFamily="34" charset="0"/>
+                      </a:endParaRPr>
+                    </a:p>
+                  </a:txBody>
+                  <a:tcPr marL="5152" marR="5152" marT="5152" marB="0" anchor="ctr"/>
+                </a:tc>
+                <a:tc>
+                  <a:txBody>
+                    <a:bodyPr/>
+                    <a:lstStyle/>
+                    <a:p>
+                      <a:pPr algn="ctr" rtl="0" fontAlgn="ctr"/>
+                      <a:r>
+                        <a:rPr lang="he-IL" sz="700" u="none" strike="noStrike">
+                          <a:effectLst/>
+                        </a:rPr>
+                        <a:t>0.494069</a:t>
+                      </a:r>
+                      <a:endParaRPr lang="he-IL" sz="700" b="0" i="0" u="none" strike="noStrike">
+                        <a:solidFill>
+                          <a:srgbClr val="000000"/>
+                        </a:solidFill>
+                        <a:effectLst/>
+                        <a:latin typeface="Arial" panose="020B0604020202020204" pitchFamily="34" charset="0"/>
+                      </a:endParaRPr>
+                    </a:p>
+                  </a:txBody>
+                  <a:tcPr marL="5152" marR="5152" marT="5152" marB="0" anchor="ctr"/>
+                </a:tc>
+                <a:extLst>
+                  <a:ext uri="{0D108BD9-81ED-4DB2-BD59-A6C34878D82A}">
+                    <a16:rowId xmlns:a16="http://schemas.microsoft.com/office/drawing/2014/main" val="1148513984"/>
+                  </a:ext>
+                </a:extLst>
+              </a:tr>
+              <a:tr h="132494">
+                <a:tc>
+                  <a:txBody>
+                    <a:bodyPr/>
+                    <a:lstStyle/>
+                    <a:p>
+                      <a:pPr algn="ctr" rtl="0" fontAlgn="ctr"/>
+                      <a:r>
+                        <a:rPr lang="he-IL" sz="700" u="none" strike="noStrike">
+                          <a:effectLst/>
+                        </a:rPr>
+                        <a:t>5</a:t>
+                      </a:r>
+                      <a:endParaRPr lang="he-IL" sz="700" b="0" i="0" u="none" strike="noStrike">
+                        <a:solidFill>
+                          <a:srgbClr val="000000"/>
+                        </a:solidFill>
+                        <a:effectLst/>
+                        <a:latin typeface="Arial" panose="020B0604020202020204" pitchFamily="34" charset="0"/>
+                      </a:endParaRPr>
+                    </a:p>
+                  </a:txBody>
+                  <a:tcPr marL="5152" marR="5152" marT="5152" marB="0" anchor="ctr"/>
+                </a:tc>
+                <a:tc>
+                  <a:txBody>
+                    <a:bodyPr/>
+                    <a:lstStyle/>
+                    <a:p>
+                      <a:pPr algn="ctr" rtl="0" fontAlgn="ctr"/>
+                      <a:r>
+                        <a:rPr lang="he-IL" sz="700" u="none" strike="noStrike">
+                          <a:effectLst/>
+                        </a:rPr>
+                        <a:t>14</a:t>
+                      </a:r>
+                      <a:endParaRPr lang="he-IL" sz="700" b="0" i="0" u="none" strike="noStrike">
+                        <a:solidFill>
+                          <a:srgbClr val="000000"/>
+                        </a:solidFill>
+                        <a:effectLst/>
+                        <a:latin typeface="Arial" panose="020B0604020202020204" pitchFamily="34" charset="0"/>
+                      </a:endParaRPr>
+                    </a:p>
+                  </a:txBody>
+                  <a:tcPr marL="5152" marR="5152" marT="5152" marB="0" anchor="ctr"/>
+                </a:tc>
+                <a:tc>
+                  <a:txBody>
+                    <a:bodyPr/>
+                    <a:lstStyle/>
+                    <a:p>
+                      <a:pPr algn="ctr" rtl="0" fontAlgn="ctr"/>
+                      <a:r>
+                        <a:rPr lang="he-IL" sz="700" u="none" strike="noStrike">
+                          <a:effectLst/>
+                        </a:rPr>
+                        <a:t>15</a:t>
+                      </a:r>
+                      <a:endParaRPr lang="he-IL" sz="700" b="0" i="0" u="none" strike="noStrike">
+                        <a:solidFill>
+                          <a:srgbClr val="000000"/>
+                        </a:solidFill>
+                        <a:effectLst/>
+                        <a:latin typeface="Arial" panose="020B0604020202020204" pitchFamily="34" charset="0"/>
+                      </a:endParaRPr>
+                    </a:p>
+                  </a:txBody>
+                  <a:tcPr marL="5152" marR="5152" marT="5152" marB="0" anchor="ctr"/>
+                </a:tc>
+                <a:tc>
+                  <a:txBody>
+                    <a:bodyPr/>
+                    <a:lstStyle/>
+                    <a:p>
+                      <a:pPr algn="ctr" rtl="0" fontAlgn="ctr"/>
+                      <a:r>
+                        <a:rPr lang="he-IL" sz="700" u="none" strike="noStrike">
+                          <a:effectLst/>
+                        </a:rPr>
+                        <a:t>7</a:t>
+                      </a:r>
+                      <a:endParaRPr lang="he-IL" sz="700" b="0" i="0" u="none" strike="noStrike">
+                        <a:solidFill>
+                          <a:srgbClr val="000000"/>
+                        </a:solidFill>
+                        <a:effectLst/>
+                        <a:latin typeface="Arial" panose="020B0604020202020204" pitchFamily="34" charset="0"/>
+                      </a:endParaRPr>
+                    </a:p>
+                  </a:txBody>
+                  <a:tcPr marL="5152" marR="5152" marT="5152" marB="0" anchor="ctr"/>
+                </a:tc>
+                <a:tc>
+                  <a:txBody>
+                    <a:bodyPr/>
+                    <a:lstStyle/>
+                    <a:p>
+                      <a:pPr algn="ctr" rtl="0" fontAlgn="ctr"/>
+                      <a:r>
+                        <a:rPr lang="he-IL" sz="700" u="none" strike="noStrike" dirty="0">
+                          <a:effectLst/>
+                        </a:rPr>
+                        <a:t>41</a:t>
+                      </a:r>
+                      <a:endParaRPr lang="he-IL" sz="700" b="0" i="0" u="none" strike="noStrike" dirty="0">
+                        <a:solidFill>
+                          <a:srgbClr val="000000"/>
+                        </a:solidFill>
+                        <a:effectLst/>
+                        <a:latin typeface="Arial" panose="020B0604020202020204" pitchFamily="34" charset="0"/>
+                      </a:endParaRPr>
+                    </a:p>
+                  </a:txBody>
+                  <a:tcPr marL="5152" marR="5152" marT="5152" marB="0" anchor="ctr"/>
+                </a:tc>
+                <a:tc>
+                  <a:txBody>
+                    <a:bodyPr/>
+                    <a:lstStyle/>
+                    <a:p>
+                      <a:pPr algn="ctr" rtl="0" fontAlgn="ctr"/>
+                      <a:r>
+                        <a:rPr lang="he-IL" sz="700" u="none" strike="noStrike">
+                          <a:effectLst/>
+                        </a:rPr>
+                        <a:t>0.845886</a:t>
+                      </a:r>
+                      <a:endParaRPr lang="he-IL" sz="700" b="0" i="0" u="none" strike="noStrike">
+                        <a:solidFill>
+                          <a:srgbClr val="000000"/>
+                        </a:solidFill>
+                        <a:effectLst/>
+                        <a:latin typeface="Arial" panose="020B0604020202020204" pitchFamily="34" charset="0"/>
+                      </a:endParaRPr>
+                    </a:p>
+                  </a:txBody>
+                  <a:tcPr marL="5152" marR="5152" marT="5152" marB="0" anchor="ctr"/>
+                </a:tc>
+                <a:extLst>
+                  <a:ext uri="{0D108BD9-81ED-4DB2-BD59-A6C34878D82A}">
+                    <a16:rowId xmlns:a16="http://schemas.microsoft.com/office/drawing/2014/main" val="1097297574"/>
+                  </a:ext>
+                </a:extLst>
+              </a:tr>
+              <a:tr h="132494">
+                <a:tc>
+                  <a:txBody>
+                    <a:bodyPr/>
+                    <a:lstStyle/>
+                    <a:p>
+                      <a:pPr algn="ctr" rtl="0" fontAlgn="ctr"/>
+                      <a:r>
+                        <a:rPr lang="he-IL" sz="700" u="none" strike="noStrike">
+                          <a:effectLst/>
+                        </a:rPr>
+                        <a:t>7</a:t>
+                      </a:r>
+                      <a:endParaRPr lang="he-IL" sz="700" b="0" i="0" u="none" strike="noStrike">
+                        <a:solidFill>
+                          <a:srgbClr val="000000"/>
+                        </a:solidFill>
+                        <a:effectLst/>
+                        <a:latin typeface="Arial" panose="020B0604020202020204" pitchFamily="34" charset="0"/>
+                      </a:endParaRPr>
+                    </a:p>
+                  </a:txBody>
+                  <a:tcPr marL="5152" marR="5152" marT="5152" marB="0" anchor="ctr"/>
+                </a:tc>
+                <a:tc>
+                  <a:txBody>
+                    <a:bodyPr/>
+                    <a:lstStyle/>
+                    <a:p>
+                      <a:pPr algn="ctr" rtl="0" fontAlgn="ctr"/>
+                      <a:r>
+                        <a:rPr lang="he-IL" sz="700" u="none" strike="noStrike">
+                          <a:effectLst/>
+                        </a:rPr>
+                        <a:t>6</a:t>
+                      </a:r>
+                      <a:endParaRPr lang="he-IL" sz="700" b="0" i="0" u="none" strike="noStrike">
+                        <a:solidFill>
+                          <a:srgbClr val="000000"/>
+                        </a:solidFill>
+                        <a:effectLst/>
+                        <a:latin typeface="Arial" panose="020B0604020202020204" pitchFamily="34" charset="0"/>
+                      </a:endParaRPr>
+                    </a:p>
+                  </a:txBody>
+                  <a:tcPr marL="5152" marR="5152" marT="5152" marB="0" anchor="ctr"/>
+                </a:tc>
+                <a:tc>
+                  <a:txBody>
+                    <a:bodyPr/>
+                    <a:lstStyle/>
+                    <a:p>
+                      <a:pPr algn="ctr" rtl="0" fontAlgn="ctr"/>
+                      <a:r>
+                        <a:rPr lang="he-IL" sz="700" u="none" strike="noStrike">
+                          <a:effectLst/>
+                        </a:rPr>
+                        <a:t>4</a:t>
+                      </a:r>
+                      <a:endParaRPr lang="he-IL" sz="700" b="0" i="0" u="none" strike="noStrike">
+                        <a:solidFill>
+                          <a:srgbClr val="000000"/>
+                        </a:solidFill>
+                        <a:effectLst/>
+                        <a:latin typeface="Arial" panose="020B0604020202020204" pitchFamily="34" charset="0"/>
+                      </a:endParaRPr>
+                    </a:p>
+                  </a:txBody>
+                  <a:tcPr marL="5152" marR="5152" marT="5152" marB="0" anchor="ctr"/>
+                </a:tc>
+                <a:tc>
+                  <a:txBody>
+                    <a:bodyPr/>
+                    <a:lstStyle/>
+                    <a:p>
+                      <a:pPr algn="ctr" rtl="0" fontAlgn="ctr"/>
+                      <a:r>
+                        <a:rPr lang="he-IL" sz="700" u="none" strike="noStrike">
+                          <a:effectLst/>
+                        </a:rPr>
+                        <a:t>6</a:t>
+                      </a:r>
+                      <a:endParaRPr lang="he-IL" sz="700" b="0" i="0" u="none" strike="noStrike">
+                        <a:solidFill>
+                          <a:srgbClr val="000000"/>
+                        </a:solidFill>
+                        <a:effectLst/>
+                        <a:latin typeface="Arial" panose="020B0604020202020204" pitchFamily="34" charset="0"/>
+                      </a:endParaRPr>
+                    </a:p>
+                  </a:txBody>
+                  <a:tcPr marL="5152" marR="5152" marT="5152" marB="0" anchor="ctr"/>
+                </a:tc>
+                <a:tc>
+                  <a:txBody>
+                    <a:bodyPr/>
+                    <a:lstStyle/>
+                    <a:p>
+                      <a:pPr algn="ctr" rtl="0" fontAlgn="ctr"/>
+                      <a:r>
+                        <a:rPr lang="he-IL" sz="700" u="none" strike="noStrike">
+                          <a:effectLst/>
+                        </a:rPr>
+                        <a:t>23</a:t>
+                      </a:r>
+                      <a:endParaRPr lang="he-IL" sz="700" b="0" i="0" u="none" strike="noStrike">
+                        <a:solidFill>
+                          <a:srgbClr val="000000"/>
+                        </a:solidFill>
+                        <a:effectLst/>
+                        <a:latin typeface="Arial" panose="020B0604020202020204" pitchFamily="34" charset="0"/>
+                      </a:endParaRPr>
+                    </a:p>
+                  </a:txBody>
+                  <a:tcPr marL="5152" marR="5152" marT="5152" marB="0" anchor="ctr"/>
+                </a:tc>
+                <a:tc>
+                  <a:txBody>
+                    <a:bodyPr/>
+                    <a:lstStyle/>
+                    <a:p>
+                      <a:pPr algn="ctr" rtl="0" fontAlgn="ctr"/>
+                      <a:r>
+                        <a:rPr lang="he-IL" sz="700" u="none" strike="noStrike">
+                          <a:effectLst/>
+                        </a:rPr>
+                        <a:t>0.287291</a:t>
+                      </a:r>
+                      <a:endParaRPr lang="he-IL" sz="700" b="0" i="0" u="none" strike="noStrike">
+                        <a:solidFill>
+                          <a:srgbClr val="000000"/>
+                        </a:solidFill>
+                        <a:effectLst/>
+                        <a:latin typeface="Arial" panose="020B0604020202020204" pitchFamily="34" charset="0"/>
+                      </a:endParaRPr>
+                    </a:p>
+                  </a:txBody>
+                  <a:tcPr marL="5152" marR="5152" marT="5152" marB="0" anchor="ctr"/>
+                </a:tc>
+                <a:extLst>
+                  <a:ext uri="{0D108BD9-81ED-4DB2-BD59-A6C34878D82A}">
+                    <a16:rowId xmlns:a16="http://schemas.microsoft.com/office/drawing/2014/main" val="2665465904"/>
+                  </a:ext>
+                </a:extLst>
+              </a:tr>
+              <a:tr h="132494">
+                <a:tc>
+                  <a:txBody>
+                    <a:bodyPr/>
+                    <a:lstStyle/>
+                    <a:p>
+                      <a:pPr algn="ctr" rtl="0" fontAlgn="ctr"/>
+                      <a:r>
+                        <a:rPr lang="he-IL" sz="700" u="none" strike="noStrike">
+                          <a:effectLst/>
+                        </a:rPr>
+                        <a:t>0</a:t>
+                      </a:r>
+                      <a:endParaRPr lang="he-IL" sz="700" b="0" i="0" u="none" strike="noStrike">
+                        <a:solidFill>
+                          <a:srgbClr val="000000"/>
+                        </a:solidFill>
+                        <a:effectLst/>
+                        <a:latin typeface="Arial" panose="020B0604020202020204" pitchFamily="34" charset="0"/>
+                      </a:endParaRPr>
+                    </a:p>
+                  </a:txBody>
+                  <a:tcPr marL="5152" marR="5152" marT="5152" marB="0" anchor="ctr"/>
+                </a:tc>
+                <a:tc>
+                  <a:txBody>
+                    <a:bodyPr/>
+                    <a:lstStyle/>
+                    <a:p>
+                      <a:pPr algn="ctr" rtl="0" fontAlgn="ctr"/>
+                      <a:r>
+                        <a:rPr lang="he-IL" sz="700" u="none" strike="noStrike">
+                          <a:effectLst/>
+                        </a:rPr>
+                        <a:t>5</a:t>
+                      </a:r>
+                      <a:endParaRPr lang="he-IL" sz="700" b="0" i="0" u="none" strike="noStrike">
+                        <a:solidFill>
+                          <a:srgbClr val="000000"/>
+                        </a:solidFill>
+                        <a:effectLst/>
+                        <a:latin typeface="Arial" panose="020B0604020202020204" pitchFamily="34" charset="0"/>
+                      </a:endParaRPr>
+                    </a:p>
+                  </a:txBody>
+                  <a:tcPr marL="5152" marR="5152" marT="5152" marB="0" anchor="ctr"/>
+                </a:tc>
+                <a:tc>
+                  <a:txBody>
+                    <a:bodyPr/>
+                    <a:lstStyle/>
+                    <a:p>
+                      <a:pPr algn="ctr" rtl="0" fontAlgn="ctr"/>
+                      <a:r>
+                        <a:rPr lang="he-IL" sz="700" u="none" strike="noStrike">
+                          <a:effectLst/>
+                        </a:rPr>
+                        <a:t>4</a:t>
+                      </a:r>
+                      <a:endParaRPr lang="he-IL" sz="700" b="0" i="0" u="none" strike="noStrike">
+                        <a:solidFill>
+                          <a:srgbClr val="000000"/>
+                        </a:solidFill>
+                        <a:effectLst/>
+                        <a:latin typeface="Arial" panose="020B0604020202020204" pitchFamily="34" charset="0"/>
+                      </a:endParaRPr>
+                    </a:p>
+                  </a:txBody>
+                  <a:tcPr marL="5152" marR="5152" marT="5152" marB="0" anchor="ctr"/>
+                </a:tc>
+                <a:tc>
+                  <a:txBody>
+                    <a:bodyPr/>
+                    <a:lstStyle/>
+                    <a:p>
+                      <a:pPr algn="ctr" rtl="0" fontAlgn="ctr"/>
+                      <a:r>
+                        <a:rPr lang="he-IL" sz="700" u="none" strike="noStrike">
+                          <a:effectLst/>
+                        </a:rPr>
+                        <a:t>7</a:t>
+                      </a:r>
+                      <a:endParaRPr lang="he-IL" sz="700" b="0" i="0" u="none" strike="noStrike">
+                        <a:solidFill>
+                          <a:srgbClr val="000000"/>
+                        </a:solidFill>
+                        <a:effectLst/>
+                        <a:latin typeface="Arial" panose="020B0604020202020204" pitchFamily="34" charset="0"/>
+                      </a:endParaRPr>
+                    </a:p>
+                  </a:txBody>
+                  <a:tcPr marL="5152" marR="5152" marT="5152" marB="0" anchor="ctr"/>
+                </a:tc>
+                <a:tc>
+                  <a:txBody>
+                    <a:bodyPr/>
+                    <a:lstStyle/>
+                    <a:p>
+                      <a:pPr algn="ctr" rtl="0" fontAlgn="ctr"/>
+                      <a:r>
+                        <a:rPr lang="he-IL" sz="700" u="none" strike="noStrike">
+                          <a:effectLst/>
+                        </a:rPr>
+                        <a:t>16</a:t>
+                      </a:r>
+                      <a:endParaRPr lang="he-IL" sz="700" b="0" i="0" u="none" strike="noStrike">
+                        <a:solidFill>
+                          <a:srgbClr val="000000"/>
+                        </a:solidFill>
+                        <a:effectLst/>
+                        <a:latin typeface="Arial" panose="020B0604020202020204" pitchFamily="34" charset="0"/>
+                      </a:endParaRPr>
+                    </a:p>
+                  </a:txBody>
+                  <a:tcPr marL="5152" marR="5152" marT="5152" marB="0" anchor="ctr"/>
+                </a:tc>
+                <a:tc>
+                  <a:txBody>
+                    <a:bodyPr/>
+                    <a:lstStyle/>
+                    <a:p>
+                      <a:pPr algn="ctr" rtl="0" fontAlgn="ctr"/>
+                      <a:r>
+                        <a:rPr lang="he-IL" sz="700" u="none" strike="noStrike">
+                          <a:effectLst/>
+                        </a:rPr>
+                        <a:t>0.28002</a:t>
+                      </a:r>
+                      <a:endParaRPr lang="he-IL" sz="700" b="0" i="0" u="none" strike="noStrike">
+                        <a:solidFill>
+                          <a:srgbClr val="000000"/>
+                        </a:solidFill>
+                        <a:effectLst/>
+                        <a:latin typeface="Arial" panose="020B0604020202020204" pitchFamily="34" charset="0"/>
+                      </a:endParaRPr>
+                    </a:p>
+                  </a:txBody>
+                  <a:tcPr marL="5152" marR="5152" marT="5152" marB="0" anchor="ctr"/>
+                </a:tc>
+                <a:extLst>
+                  <a:ext uri="{0D108BD9-81ED-4DB2-BD59-A6C34878D82A}">
+                    <a16:rowId xmlns:a16="http://schemas.microsoft.com/office/drawing/2014/main" val="3282948634"/>
+                  </a:ext>
+                </a:extLst>
+              </a:tr>
+              <a:tr h="132494">
+                <a:tc>
+                  <a:txBody>
+                    <a:bodyPr/>
+                    <a:lstStyle/>
+                    <a:p>
+                      <a:pPr algn="ctr" rtl="0" fontAlgn="ctr"/>
+                      <a:r>
+                        <a:rPr lang="he-IL" sz="700" u="none" strike="noStrike">
+                          <a:effectLst/>
+                        </a:rPr>
+                        <a:t>0</a:t>
+                      </a:r>
+                      <a:endParaRPr lang="he-IL" sz="700" b="0" i="0" u="none" strike="noStrike">
+                        <a:solidFill>
+                          <a:srgbClr val="000000"/>
+                        </a:solidFill>
+                        <a:effectLst/>
+                        <a:latin typeface="Arial" panose="020B0604020202020204" pitchFamily="34" charset="0"/>
+                      </a:endParaRPr>
+                    </a:p>
+                  </a:txBody>
+                  <a:tcPr marL="5152" marR="5152" marT="5152" marB="0" anchor="ctr"/>
+                </a:tc>
+                <a:tc>
+                  <a:txBody>
+                    <a:bodyPr/>
+                    <a:lstStyle/>
+                    <a:p>
+                      <a:pPr algn="ctr" rtl="0" fontAlgn="ctr"/>
+                      <a:r>
+                        <a:rPr lang="he-IL" sz="700" u="none" strike="noStrike">
+                          <a:effectLst/>
+                        </a:rPr>
+                        <a:t>6</a:t>
+                      </a:r>
+                      <a:endParaRPr lang="he-IL" sz="700" b="0" i="0" u="none" strike="noStrike">
+                        <a:solidFill>
+                          <a:srgbClr val="000000"/>
+                        </a:solidFill>
+                        <a:effectLst/>
+                        <a:latin typeface="Arial" panose="020B0604020202020204" pitchFamily="34" charset="0"/>
+                      </a:endParaRPr>
+                    </a:p>
+                  </a:txBody>
+                  <a:tcPr marL="5152" marR="5152" marT="5152" marB="0" anchor="ctr"/>
+                </a:tc>
+                <a:tc>
+                  <a:txBody>
+                    <a:bodyPr/>
+                    <a:lstStyle/>
+                    <a:p>
+                      <a:pPr algn="ctr" rtl="0" fontAlgn="ctr"/>
+                      <a:r>
+                        <a:rPr lang="he-IL" sz="700" u="none" strike="noStrike">
+                          <a:effectLst/>
+                        </a:rPr>
+                        <a:t>11</a:t>
+                      </a:r>
+                      <a:endParaRPr lang="he-IL" sz="700" b="0" i="0" u="none" strike="noStrike">
+                        <a:solidFill>
+                          <a:srgbClr val="000000"/>
+                        </a:solidFill>
+                        <a:effectLst/>
+                        <a:latin typeface="Arial" panose="020B0604020202020204" pitchFamily="34" charset="0"/>
+                      </a:endParaRPr>
+                    </a:p>
+                  </a:txBody>
+                  <a:tcPr marL="5152" marR="5152" marT="5152" marB="0" anchor="ctr"/>
+                </a:tc>
+                <a:tc>
+                  <a:txBody>
+                    <a:bodyPr/>
+                    <a:lstStyle/>
+                    <a:p>
+                      <a:pPr algn="ctr" rtl="0" fontAlgn="ctr"/>
+                      <a:r>
+                        <a:rPr lang="he-IL" sz="700" u="none" strike="noStrike">
+                          <a:effectLst/>
+                        </a:rPr>
+                        <a:t>7</a:t>
+                      </a:r>
+                      <a:endParaRPr lang="he-IL" sz="700" b="0" i="0" u="none" strike="noStrike">
+                        <a:solidFill>
+                          <a:srgbClr val="000000"/>
+                        </a:solidFill>
+                        <a:effectLst/>
+                        <a:latin typeface="Arial" panose="020B0604020202020204" pitchFamily="34" charset="0"/>
+                      </a:endParaRPr>
+                    </a:p>
+                  </a:txBody>
+                  <a:tcPr marL="5152" marR="5152" marT="5152" marB="0" anchor="ctr"/>
+                </a:tc>
+                <a:tc>
+                  <a:txBody>
+                    <a:bodyPr/>
+                    <a:lstStyle/>
+                    <a:p>
+                      <a:pPr algn="ctr" rtl="0" fontAlgn="ctr"/>
+                      <a:r>
+                        <a:rPr lang="he-IL" sz="700" u="none" strike="noStrike">
+                          <a:effectLst/>
+                        </a:rPr>
+                        <a:t>24</a:t>
+                      </a:r>
+                      <a:endParaRPr lang="he-IL" sz="700" b="0" i="0" u="none" strike="noStrike">
+                        <a:solidFill>
+                          <a:srgbClr val="000000"/>
+                        </a:solidFill>
+                        <a:effectLst/>
+                        <a:latin typeface="Arial" panose="020B0604020202020204" pitchFamily="34" charset="0"/>
+                      </a:endParaRPr>
+                    </a:p>
+                  </a:txBody>
+                  <a:tcPr marL="5152" marR="5152" marT="5152" marB="0" anchor="ctr"/>
+                </a:tc>
+                <a:tc>
+                  <a:txBody>
+                    <a:bodyPr/>
+                    <a:lstStyle/>
+                    <a:p>
+                      <a:pPr algn="ctr" rtl="0" fontAlgn="ctr"/>
+                      <a:r>
+                        <a:rPr lang="he-IL" sz="700" u="none" strike="noStrike">
+                          <a:effectLst/>
+                        </a:rPr>
+                        <a:t>0.56946</a:t>
+                      </a:r>
+                      <a:endParaRPr lang="he-IL" sz="700" b="0" i="0" u="none" strike="noStrike">
+                        <a:solidFill>
+                          <a:srgbClr val="000000"/>
+                        </a:solidFill>
+                        <a:effectLst/>
+                        <a:latin typeface="Arial" panose="020B0604020202020204" pitchFamily="34" charset="0"/>
+                      </a:endParaRPr>
+                    </a:p>
+                  </a:txBody>
+                  <a:tcPr marL="5152" marR="5152" marT="5152" marB="0" anchor="ctr"/>
+                </a:tc>
+                <a:extLst>
+                  <a:ext uri="{0D108BD9-81ED-4DB2-BD59-A6C34878D82A}">
+                    <a16:rowId xmlns:a16="http://schemas.microsoft.com/office/drawing/2014/main" val="171066319"/>
+                  </a:ext>
+                </a:extLst>
+              </a:tr>
+              <a:tr h="132494">
+                <a:tc>
+                  <a:txBody>
+                    <a:bodyPr/>
+                    <a:lstStyle/>
+                    <a:p>
+                      <a:pPr algn="ctr" rtl="0" fontAlgn="ctr"/>
+                      <a:r>
+                        <a:rPr lang="he-IL" sz="700" u="none" strike="noStrike">
+                          <a:effectLst/>
+                        </a:rPr>
+                        <a:t>39</a:t>
+                      </a:r>
+                      <a:endParaRPr lang="he-IL" sz="700" b="0" i="0" u="none" strike="noStrike">
+                        <a:solidFill>
+                          <a:srgbClr val="000000"/>
+                        </a:solidFill>
+                        <a:effectLst/>
+                        <a:latin typeface="Arial" panose="020B0604020202020204" pitchFamily="34" charset="0"/>
+                      </a:endParaRPr>
+                    </a:p>
+                  </a:txBody>
+                  <a:tcPr marL="5152" marR="5152" marT="5152" marB="0" anchor="ctr"/>
+                </a:tc>
+                <a:tc>
+                  <a:txBody>
+                    <a:bodyPr/>
+                    <a:lstStyle/>
+                    <a:p>
+                      <a:pPr algn="ctr" rtl="0" fontAlgn="ctr"/>
+                      <a:r>
+                        <a:rPr lang="he-IL" sz="700" u="none" strike="noStrike">
+                          <a:effectLst/>
+                        </a:rPr>
+                        <a:t>45</a:t>
+                      </a:r>
+                      <a:endParaRPr lang="he-IL" sz="700" b="0" i="0" u="none" strike="noStrike">
+                        <a:solidFill>
+                          <a:srgbClr val="000000"/>
+                        </a:solidFill>
+                        <a:effectLst/>
+                        <a:latin typeface="Arial" panose="020B0604020202020204" pitchFamily="34" charset="0"/>
+                      </a:endParaRPr>
+                    </a:p>
+                  </a:txBody>
+                  <a:tcPr marL="5152" marR="5152" marT="5152" marB="0" anchor="ctr"/>
+                </a:tc>
+                <a:tc>
+                  <a:txBody>
+                    <a:bodyPr/>
+                    <a:lstStyle/>
+                    <a:p>
+                      <a:pPr algn="ctr" rtl="0" fontAlgn="ctr"/>
+                      <a:r>
+                        <a:rPr lang="he-IL" sz="700" u="none" strike="noStrike">
+                          <a:effectLst/>
+                        </a:rPr>
+                        <a:t>64</a:t>
+                      </a:r>
+                      <a:endParaRPr lang="he-IL" sz="700" b="0" i="0" u="none" strike="noStrike">
+                        <a:solidFill>
+                          <a:srgbClr val="000000"/>
+                        </a:solidFill>
+                        <a:effectLst/>
+                        <a:latin typeface="Arial" panose="020B0604020202020204" pitchFamily="34" charset="0"/>
+                      </a:endParaRPr>
+                    </a:p>
+                  </a:txBody>
+                  <a:tcPr marL="5152" marR="5152" marT="5152" marB="0" anchor="ctr"/>
+                </a:tc>
+                <a:tc>
+                  <a:txBody>
+                    <a:bodyPr/>
+                    <a:lstStyle/>
+                    <a:p>
+                      <a:pPr algn="ctr" rtl="0" fontAlgn="ctr"/>
+                      <a:r>
+                        <a:rPr lang="he-IL" sz="700" u="none" strike="noStrike">
+                          <a:effectLst/>
+                        </a:rPr>
+                        <a:t>31</a:t>
+                      </a:r>
+                      <a:endParaRPr lang="he-IL" sz="700" b="0" i="0" u="none" strike="noStrike">
+                        <a:solidFill>
+                          <a:srgbClr val="000000"/>
+                        </a:solidFill>
+                        <a:effectLst/>
+                        <a:latin typeface="Arial" panose="020B0604020202020204" pitchFamily="34" charset="0"/>
+                      </a:endParaRPr>
+                    </a:p>
+                  </a:txBody>
+                  <a:tcPr marL="5152" marR="5152" marT="5152" marB="0" anchor="ctr"/>
+                </a:tc>
+                <a:tc>
+                  <a:txBody>
+                    <a:bodyPr/>
+                    <a:lstStyle/>
+                    <a:p>
+                      <a:pPr algn="ctr" rtl="0" fontAlgn="ctr"/>
+                      <a:r>
+                        <a:rPr lang="he-IL" sz="700" u="none" strike="noStrike">
+                          <a:effectLst/>
+                        </a:rPr>
+                        <a:t>179</a:t>
+                      </a:r>
+                      <a:endParaRPr lang="he-IL" sz="700" b="0" i="0" u="none" strike="noStrike">
+                        <a:solidFill>
+                          <a:srgbClr val="000000"/>
+                        </a:solidFill>
+                        <a:effectLst/>
+                        <a:latin typeface="Arial" panose="020B0604020202020204" pitchFamily="34" charset="0"/>
+                      </a:endParaRPr>
+                    </a:p>
+                  </a:txBody>
+                  <a:tcPr marL="5152" marR="5152" marT="5152" marB="0" anchor="ctr"/>
+                </a:tc>
+                <a:tc>
+                  <a:txBody>
+                    <a:bodyPr/>
+                    <a:lstStyle/>
+                    <a:p>
+                      <a:pPr algn="ctr" rtl="0" fontAlgn="ctr"/>
+                      <a:r>
+                        <a:rPr lang="he-IL" sz="700" u="none" strike="noStrike">
+                          <a:effectLst/>
+                        </a:rPr>
+                        <a:t>4.306796</a:t>
+                      </a:r>
+                      <a:endParaRPr lang="he-IL" sz="700" b="0" i="0" u="none" strike="noStrike">
+                        <a:solidFill>
+                          <a:srgbClr val="000000"/>
+                        </a:solidFill>
+                        <a:effectLst/>
+                        <a:latin typeface="Arial" panose="020B0604020202020204" pitchFamily="34" charset="0"/>
+                      </a:endParaRPr>
+                    </a:p>
+                  </a:txBody>
+                  <a:tcPr marL="5152" marR="5152" marT="5152" marB="0" anchor="ctr"/>
+                </a:tc>
+                <a:extLst>
+                  <a:ext uri="{0D108BD9-81ED-4DB2-BD59-A6C34878D82A}">
+                    <a16:rowId xmlns:a16="http://schemas.microsoft.com/office/drawing/2014/main" val="96777875"/>
+                  </a:ext>
+                </a:extLst>
+              </a:tr>
+              <a:tr h="132494">
+                <a:tc>
+                  <a:txBody>
+                    <a:bodyPr/>
+                    <a:lstStyle/>
+                    <a:p>
+                      <a:pPr algn="ctr" rtl="0" fontAlgn="ctr"/>
+                      <a:r>
+                        <a:rPr lang="he-IL" sz="700" u="none" strike="noStrike">
+                          <a:effectLst/>
+                        </a:rPr>
+                        <a:t>206</a:t>
+                      </a:r>
+                      <a:endParaRPr lang="he-IL" sz="700" b="0" i="0" u="none" strike="noStrike">
+                        <a:solidFill>
+                          <a:srgbClr val="000000"/>
+                        </a:solidFill>
+                        <a:effectLst/>
+                        <a:latin typeface="Arial" panose="020B0604020202020204" pitchFamily="34" charset="0"/>
+                      </a:endParaRPr>
+                    </a:p>
+                  </a:txBody>
+                  <a:tcPr marL="5152" marR="5152" marT="5152" marB="0" anchor="ctr"/>
+                </a:tc>
+                <a:tc>
+                  <a:txBody>
+                    <a:bodyPr/>
+                    <a:lstStyle/>
+                    <a:p>
+                      <a:pPr algn="ctr" rtl="0" fontAlgn="ctr"/>
+                      <a:r>
+                        <a:rPr lang="he-IL" sz="700" u="none" strike="noStrike">
+                          <a:effectLst/>
+                        </a:rPr>
+                        <a:t>182</a:t>
+                      </a:r>
+                      <a:endParaRPr lang="he-IL" sz="700" b="0" i="0" u="none" strike="noStrike">
+                        <a:solidFill>
+                          <a:srgbClr val="000000"/>
+                        </a:solidFill>
+                        <a:effectLst/>
+                        <a:latin typeface="Arial" panose="020B0604020202020204" pitchFamily="34" charset="0"/>
+                      </a:endParaRPr>
+                    </a:p>
+                  </a:txBody>
+                  <a:tcPr marL="5152" marR="5152" marT="5152" marB="0" anchor="ctr"/>
+                </a:tc>
+                <a:tc>
+                  <a:txBody>
+                    <a:bodyPr/>
+                    <a:lstStyle/>
+                    <a:p>
+                      <a:pPr algn="ctr" rtl="0" fontAlgn="ctr"/>
+                      <a:r>
+                        <a:rPr lang="he-IL" sz="700" u="none" strike="noStrike">
+                          <a:effectLst/>
+                        </a:rPr>
+                        <a:t>241</a:t>
+                      </a:r>
+                      <a:endParaRPr lang="he-IL" sz="700" b="0" i="0" u="none" strike="noStrike">
+                        <a:solidFill>
+                          <a:srgbClr val="000000"/>
+                        </a:solidFill>
+                        <a:effectLst/>
+                        <a:latin typeface="Arial" panose="020B0604020202020204" pitchFamily="34" charset="0"/>
+                      </a:endParaRPr>
+                    </a:p>
+                  </a:txBody>
+                  <a:tcPr marL="5152" marR="5152" marT="5152" marB="0" anchor="ctr"/>
+                </a:tc>
+                <a:tc>
+                  <a:txBody>
+                    <a:bodyPr/>
+                    <a:lstStyle/>
+                    <a:p>
+                      <a:pPr algn="ctr" rtl="0" fontAlgn="ctr"/>
+                      <a:r>
+                        <a:rPr lang="he-IL" sz="700" u="none" strike="noStrike">
+                          <a:effectLst/>
+                        </a:rPr>
+                        <a:t>143</a:t>
+                      </a:r>
+                      <a:endParaRPr lang="he-IL" sz="700" b="0" i="0" u="none" strike="noStrike">
+                        <a:solidFill>
+                          <a:srgbClr val="000000"/>
+                        </a:solidFill>
+                        <a:effectLst/>
+                        <a:latin typeface="Arial" panose="020B0604020202020204" pitchFamily="34" charset="0"/>
+                      </a:endParaRPr>
+                    </a:p>
+                  </a:txBody>
+                  <a:tcPr marL="5152" marR="5152" marT="5152" marB="0" anchor="ctr"/>
+                </a:tc>
+                <a:tc>
+                  <a:txBody>
+                    <a:bodyPr/>
+                    <a:lstStyle/>
+                    <a:p>
+                      <a:pPr algn="ctr" rtl="0" fontAlgn="ctr"/>
+                      <a:r>
+                        <a:rPr lang="he-IL" sz="700" u="none" strike="noStrike">
+                          <a:effectLst/>
+                        </a:rPr>
+                        <a:t>772</a:t>
+                      </a:r>
+                      <a:endParaRPr lang="he-IL" sz="700" b="0" i="0" u="none" strike="noStrike">
+                        <a:solidFill>
+                          <a:srgbClr val="000000"/>
+                        </a:solidFill>
+                        <a:effectLst/>
+                        <a:latin typeface="Arial" panose="020B0604020202020204" pitchFamily="34" charset="0"/>
+                      </a:endParaRPr>
+                    </a:p>
+                  </a:txBody>
+                  <a:tcPr marL="5152" marR="5152" marT="5152" marB="0" anchor="ctr"/>
+                </a:tc>
+                <a:tc>
+                  <a:txBody>
+                    <a:bodyPr/>
+                    <a:lstStyle/>
+                    <a:p>
+                      <a:pPr algn="ctr" rtl="0" fontAlgn="ctr"/>
+                      <a:r>
+                        <a:rPr lang="he-IL" sz="700" u="none" strike="noStrike">
+                          <a:effectLst/>
+                        </a:rPr>
+                        <a:t>85.098412</a:t>
+                      </a:r>
+                      <a:endParaRPr lang="he-IL" sz="700" b="0" i="0" u="none" strike="noStrike">
+                        <a:solidFill>
+                          <a:srgbClr val="000000"/>
+                        </a:solidFill>
+                        <a:effectLst/>
+                        <a:latin typeface="Arial" panose="020B0604020202020204" pitchFamily="34" charset="0"/>
+                      </a:endParaRPr>
+                    </a:p>
+                  </a:txBody>
+                  <a:tcPr marL="5152" marR="5152" marT="5152" marB="0" anchor="ctr"/>
+                </a:tc>
+                <a:extLst>
+                  <a:ext uri="{0D108BD9-81ED-4DB2-BD59-A6C34878D82A}">
+                    <a16:rowId xmlns:a16="http://schemas.microsoft.com/office/drawing/2014/main" val="3670787167"/>
+                  </a:ext>
+                </a:extLst>
+              </a:tr>
+              <a:tr h="132494">
+                <a:tc>
+                  <a:txBody>
+                    <a:bodyPr/>
+                    <a:lstStyle/>
+                    <a:p>
+                      <a:pPr algn="ctr" rtl="0" fontAlgn="ctr"/>
+                      <a:r>
+                        <a:rPr lang="he-IL" sz="700" u="none" strike="noStrike">
+                          <a:effectLst/>
+                        </a:rPr>
+                        <a:t>4</a:t>
+                      </a:r>
+                      <a:endParaRPr lang="he-IL" sz="700" b="0" i="0" u="none" strike="noStrike">
+                        <a:solidFill>
+                          <a:srgbClr val="000000"/>
+                        </a:solidFill>
+                        <a:effectLst/>
+                        <a:latin typeface="Arial" panose="020B0604020202020204" pitchFamily="34" charset="0"/>
+                      </a:endParaRPr>
+                    </a:p>
+                  </a:txBody>
+                  <a:tcPr marL="5152" marR="5152" marT="5152" marB="0" anchor="ctr"/>
+                </a:tc>
+                <a:tc>
+                  <a:txBody>
+                    <a:bodyPr/>
+                    <a:lstStyle/>
+                    <a:p>
+                      <a:pPr algn="ctr" rtl="0" fontAlgn="ctr"/>
+                      <a:r>
+                        <a:rPr lang="he-IL" sz="700" u="none" strike="noStrike">
+                          <a:effectLst/>
+                        </a:rPr>
+                        <a:t>73</a:t>
+                      </a:r>
+                      <a:endParaRPr lang="he-IL" sz="700" b="0" i="0" u="none" strike="noStrike">
+                        <a:solidFill>
+                          <a:srgbClr val="000000"/>
+                        </a:solidFill>
+                        <a:effectLst/>
+                        <a:latin typeface="Arial" panose="020B0604020202020204" pitchFamily="34" charset="0"/>
+                      </a:endParaRPr>
+                    </a:p>
+                  </a:txBody>
+                  <a:tcPr marL="5152" marR="5152" marT="5152" marB="0" anchor="ctr"/>
+                </a:tc>
+                <a:tc>
+                  <a:txBody>
+                    <a:bodyPr/>
+                    <a:lstStyle/>
+                    <a:p>
+                      <a:pPr algn="ctr" rtl="0" fontAlgn="ctr"/>
+                      <a:r>
+                        <a:rPr lang="he-IL" sz="700" u="none" strike="noStrike">
+                          <a:effectLst/>
+                        </a:rPr>
+                        <a:t>5</a:t>
+                      </a:r>
+                      <a:endParaRPr lang="he-IL" sz="700" b="0" i="0" u="none" strike="noStrike">
+                        <a:solidFill>
+                          <a:srgbClr val="000000"/>
+                        </a:solidFill>
+                        <a:effectLst/>
+                        <a:latin typeface="Arial" panose="020B0604020202020204" pitchFamily="34" charset="0"/>
+                      </a:endParaRPr>
+                    </a:p>
+                  </a:txBody>
+                  <a:tcPr marL="5152" marR="5152" marT="5152" marB="0" anchor="ctr"/>
+                </a:tc>
+                <a:tc>
+                  <a:txBody>
+                    <a:bodyPr/>
+                    <a:lstStyle/>
+                    <a:p>
+                      <a:pPr algn="ctr" rtl="0" fontAlgn="ctr"/>
+                      <a:r>
+                        <a:rPr lang="he-IL" sz="700" u="none" strike="noStrike">
+                          <a:effectLst/>
+                        </a:rPr>
+                        <a:t>9</a:t>
+                      </a:r>
+                      <a:endParaRPr lang="he-IL" sz="700" b="0" i="0" u="none" strike="noStrike">
+                        <a:solidFill>
+                          <a:srgbClr val="000000"/>
+                        </a:solidFill>
+                        <a:effectLst/>
+                        <a:latin typeface="Arial" panose="020B0604020202020204" pitchFamily="34" charset="0"/>
+                      </a:endParaRPr>
+                    </a:p>
+                  </a:txBody>
+                  <a:tcPr marL="5152" marR="5152" marT="5152" marB="0" anchor="ctr"/>
+                </a:tc>
+                <a:tc>
+                  <a:txBody>
+                    <a:bodyPr/>
+                    <a:lstStyle/>
+                    <a:p>
+                      <a:pPr algn="ctr" rtl="0" fontAlgn="ctr"/>
+                      <a:r>
+                        <a:rPr lang="he-IL" sz="700" u="none" strike="noStrike">
+                          <a:effectLst/>
+                        </a:rPr>
+                        <a:t>91</a:t>
+                      </a:r>
+                      <a:endParaRPr lang="he-IL" sz="700" b="0" i="0" u="none" strike="noStrike">
+                        <a:solidFill>
+                          <a:srgbClr val="000000"/>
+                        </a:solidFill>
+                        <a:effectLst/>
+                        <a:latin typeface="Arial" panose="020B0604020202020204" pitchFamily="34" charset="0"/>
+                      </a:endParaRPr>
+                    </a:p>
+                  </a:txBody>
+                  <a:tcPr marL="5152" marR="5152" marT="5152" marB="0" anchor="ctr"/>
+                </a:tc>
+                <a:tc>
+                  <a:txBody>
+                    <a:bodyPr/>
+                    <a:lstStyle/>
+                    <a:p>
+                      <a:pPr algn="ctr" rtl="0" fontAlgn="ctr"/>
+                      <a:r>
+                        <a:rPr lang="he-IL" sz="700" u="none" strike="noStrike">
+                          <a:effectLst/>
+                        </a:rPr>
+                        <a:t>0.449196</a:t>
+                      </a:r>
+                      <a:endParaRPr lang="he-IL" sz="700" b="0" i="0" u="none" strike="noStrike">
+                        <a:solidFill>
+                          <a:srgbClr val="000000"/>
+                        </a:solidFill>
+                        <a:effectLst/>
+                        <a:latin typeface="Arial" panose="020B0604020202020204" pitchFamily="34" charset="0"/>
+                      </a:endParaRPr>
+                    </a:p>
+                  </a:txBody>
+                  <a:tcPr marL="5152" marR="5152" marT="5152" marB="0" anchor="ctr"/>
+                </a:tc>
+                <a:extLst>
+                  <a:ext uri="{0D108BD9-81ED-4DB2-BD59-A6C34878D82A}">
+                    <a16:rowId xmlns:a16="http://schemas.microsoft.com/office/drawing/2014/main" val="2011031110"/>
+                  </a:ext>
+                </a:extLst>
+              </a:tr>
+              <a:tr h="132494">
+                <a:tc>
+                  <a:txBody>
+                    <a:bodyPr/>
+                    <a:lstStyle/>
+                    <a:p>
+                      <a:pPr algn="ctr" rtl="0" fontAlgn="ctr"/>
+                      <a:r>
+                        <a:rPr lang="he-IL" sz="700" u="none" strike="noStrike">
+                          <a:effectLst/>
+                        </a:rPr>
+                        <a:t>24</a:t>
+                      </a:r>
+                      <a:endParaRPr lang="he-IL" sz="700" b="0" i="0" u="none" strike="noStrike">
+                        <a:solidFill>
+                          <a:srgbClr val="000000"/>
+                        </a:solidFill>
+                        <a:effectLst/>
+                        <a:latin typeface="Arial" panose="020B0604020202020204" pitchFamily="34" charset="0"/>
+                      </a:endParaRPr>
+                    </a:p>
+                  </a:txBody>
+                  <a:tcPr marL="5152" marR="5152" marT="5152" marB="0" anchor="ctr"/>
+                </a:tc>
+                <a:tc>
+                  <a:txBody>
+                    <a:bodyPr/>
+                    <a:lstStyle/>
+                    <a:p>
+                      <a:pPr algn="ctr" rtl="0" fontAlgn="ctr"/>
+                      <a:r>
+                        <a:rPr lang="he-IL" sz="700" u="none" strike="noStrike">
+                          <a:effectLst/>
+                        </a:rPr>
+                        <a:t>25</a:t>
+                      </a:r>
+                      <a:endParaRPr lang="he-IL" sz="700" b="0" i="0" u="none" strike="noStrike">
+                        <a:solidFill>
+                          <a:srgbClr val="000000"/>
+                        </a:solidFill>
+                        <a:effectLst/>
+                        <a:latin typeface="Arial" panose="020B0604020202020204" pitchFamily="34" charset="0"/>
+                      </a:endParaRPr>
+                    </a:p>
+                  </a:txBody>
+                  <a:tcPr marL="5152" marR="5152" marT="5152" marB="0" anchor="ctr"/>
+                </a:tc>
+                <a:tc>
+                  <a:txBody>
+                    <a:bodyPr/>
+                    <a:lstStyle/>
+                    <a:p>
+                      <a:pPr algn="ctr" rtl="0" fontAlgn="ctr"/>
+                      <a:r>
+                        <a:rPr lang="he-IL" sz="700" u="none" strike="noStrike">
+                          <a:effectLst/>
+                        </a:rPr>
+                        <a:t>50</a:t>
+                      </a:r>
+                      <a:endParaRPr lang="he-IL" sz="700" b="0" i="0" u="none" strike="noStrike">
+                        <a:solidFill>
+                          <a:srgbClr val="000000"/>
+                        </a:solidFill>
+                        <a:effectLst/>
+                        <a:latin typeface="Arial" panose="020B0604020202020204" pitchFamily="34" charset="0"/>
+                      </a:endParaRPr>
+                    </a:p>
+                  </a:txBody>
+                  <a:tcPr marL="5152" marR="5152" marT="5152" marB="0" anchor="ctr"/>
+                </a:tc>
+                <a:tc>
+                  <a:txBody>
+                    <a:bodyPr/>
+                    <a:lstStyle/>
+                    <a:p>
+                      <a:pPr algn="ctr" rtl="0" fontAlgn="ctr"/>
+                      <a:r>
+                        <a:rPr lang="he-IL" sz="700" u="none" strike="noStrike">
+                          <a:effectLst/>
+                        </a:rPr>
+                        <a:t>73</a:t>
+                      </a:r>
+                      <a:endParaRPr lang="he-IL" sz="700" b="0" i="0" u="none" strike="noStrike">
+                        <a:solidFill>
+                          <a:srgbClr val="000000"/>
+                        </a:solidFill>
+                        <a:effectLst/>
+                        <a:latin typeface="Arial" panose="020B0604020202020204" pitchFamily="34" charset="0"/>
+                      </a:endParaRPr>
+                    </a:p>
+                  </a:txBody>
+                  <a:tcPr marL="5152" marR="5152" marT="5152" marB="0" anchor="ctr"/>
+                </a:tc>
+                <a:tc>
+                  <a:txBody>
+                    <a:bodyPr/>
+                    <a:lstStyle/>
+                    <a:p>
+                      <a:pPr algn="ctr" rtl="0" fontAlgn="ctr"/>
+                      <a:r>
+                        <a:rPr lang="he-IL" sz="700" u="none" strike="noStrike">
+                          <a:effectLst/>
+                        </a:rPr>
+                        <a:t>172</a:t>
+                      </a:r>
+                      <a:endParaRPr lang="he-IL" sz="700" b="0" i="0" u="none" strike="noStrike">
+                        <a:solidFill>
+                          <a:srgbClr val="000000"/>
+                        </a:solidFill>
+                        <a:effectLst/>
+                        <a:latin typeface="Arial" panose="020B0604020202020204" pitchFamily="34" charset="0"/>
+                      </a:endParaRPr>
+                    </a:p>
+                  </a:txBody>
+                  <a:tcPr marL="5152" marR="5152" marT="5152" marB="0" anchor="ctr"/>
+                </a:tc>
+                <a:tc>
+                  <a:txBody>
+                    <a:bodyPr/>
+                    <a:lstStyle/>
+                    <a:p>
+                      <a:pPr algn="ctr" rtl="0" fontAlgn="ctr"/>
+                      <a:r>
+                        <a:rPr lang="he-IL" sz="700" u="none" strike="noStrike">
+                          <a:effectLst/>
+                        </a:rPr>
+                        <a:t>4.842396</a:t>
+                      </a:r>
+                      <a:endParaRPr lang="he-IL" sz="700" b="0" i="0" u="none" strike="noStrike">
+                        <a:solidFill>
+                          <a:srgbClr val="000000"/>
+                        </a:solidFill>
+                        <a:effectLst/>
+                        <a:latin typeface="Arial" panose="020B0604020202020204" pitchFamily="34" charset="0"/>
+                      </a:endParaRPr>
+                    </a:p>
+                  </a:txBody>
+                  <a:tcPr marL="5152" marR="5152" marT="5152" marB="0" anchor="ctr"/>
+                </a:tc>
+                <a:extLst>
+                  <a:ext uri="{0D108BD9-81ED-4DB2-BD59-A6C34878D82A}">
+                    <a16:rowId xmlns:a16="http://schemas.microsoft.com/office/drawing/2014/main" val="55134373"/>
+                  </a:ext>
+                </a:extLst>
+              </a:tr>
+              <a:tr h="132494">
+                <a:tc>
+                  <a:txBody>
+                    <a:bodyPr/>
+                    <a:lstStyle/>
+                    <a:p>
+                      <a:pPr algn="ctr" rtl="0" fontAlgn="ctr"/>
+                      <a:r>
+                        <a:rPr lang="he-IL" sz="700" u="none" strike="noStrike">
+                          <a:effectLst/>
+                        </a:rPr>
+                        <a:t>37</a:t>
+                      </a:r>
+                      <a:endParaRPr lang="he-IL" sz="700" b="0" i="0" u="none" strike="noStrike">
+                        <a:solidFill>
+                          <a:srgbClr val="000000"/>
+                        </a:solidFill>
+                        <a:effectLst/>
+                        <a:latin typeface="Arial" panose="020B0604020202020204" pitchFamily="34" charset="0"/>
+                      </a:endParaRPr>
+                    </a:p>
+                  </a:txBody>
+                  <a:tcPr marL="5152" marR="5152" marT="5152" marB="0" anchor="ctr"/>
+                </a:tc>
+                <a:tc>
+                  <a:txBody>
+                    <a:bodyPr/>
+                    <a:lstStyle/>
+                    <a:p>
+                      <a:pPr algn="ctr" rtl="0" fontAlgn="ctr"/>
+                      <a:r>
+                        <a:rPr lang="he-IL" sz="700" u="none" strike="noStrike">
+                          <a:effectLst/>
+                        </a:rPr>
+                        <a:t>15</a:t>
+                      </a:r>
+                      <a:endParaRPr lang="he-IL" sz="700" b="0" i="0" u="none" strike="noStrike">
+                        <a:solidFill>
+                          <a:srgbClr val="000000"/>
+                        </a:solidFill>
+                        <a:effectLst/>
+                        <a:latin typeface="Arial" panose="020B0604020202020204" pitchFamily="34" charset="0"/>
+                      </a:endParaRPr>
+                    </a:p>
+                  </a:txBody>
+                  <a:tcPr marL="5152" marR="5152" marT="5152" marB="0" anchor="ctr"/>
+                </a:tc>
+                <a:tc>
+                  <a:txBody>
+                    <a:bodyPr/>
+                    <a:lstStyle/>
+                    <a:p>
+                      <a:pPr algn="ctr" rtl="0" fontAlgn="ctr"/>
+                      <a:r>
+                        <a:rPr lang="he-IL" sz="700" u="none" strike="noStrike">
+                          <a:effectLst/>
+                        </a:rPr>
+                        <a:t>33</a:t>
+                      </a:r>
+                      <a:endParaRPr lang="he-IL" sz="700" b="0" i="0" u="none" strike="noStrike">
+                        <a:solidFill>
+                          <a:srgbClr val="000000"/>
+                        </a:solidFill>
+                        <a:effectLst/>
+                        <a:latin typeface="Arial" panose="020B0604020202020204" pitchFamily="34" charset="0"/>
+                      </a:endParaRPr>
+                    </a:p>
+                  </a:txBody>
+                  <a:tcPr marL="5152" marR="5152" marT="5152" marB="0" anchor="ctr"/>
+                </a:tc>
+                <a:tc>
+                  <a:txBody>
+                    <a:bodyPr/>
+                    <a:lstStyle/>
+                    <a:p>
+                      <a:pPr algn="ctr" rtl="0" fontAlgn="ctr"/>
+                      <a:r>
+                        <a:rPr lang="he-IL" sz="700" u="none" strike="noStrike">
+                          <a:effectLst/>
+                        </a:rPr>
+                        <a:t>17</a:t>
+                      </a:r>
+                      <a:endParaRPr lang="he-IL" sz="700" b="0" i="0" u="none" strike="noStrike">
+                        <a:solidFill>
+                          <a:srgbClr val="000000"/>
+                        </a:solidFill>
+                        <a:effectLst/>
+                        <a:latin typeface="Arial" panose="020B0604020202020204" pitchFamily="34" charset="0"/>
+                      </a:endParaRPr>
+                    </a:p>
+                  </a:txBody>
+                  <a:tcPr marL="5152" marR="5152" marT="5152" marB="0" anchor="ctr"/>
+                </a:tc>
+                <a:tc>
+                  <a:txBody>
+                    <a:bodyPr/>
+                    <a:lstStyle/>
+                    <a:p>
+                      <a:pPr algn="ctr" rtl="0" fontAlgn="ctr"/>
+                      <a:r>
+                        <a:rPr lang="he-IL" sz="700" u="none" strike="noStrike">
+                          <a:effectLst/>
+                        </a:rPr>
+                        <a:t>102</a:t>
+                      </a:r>
+                      <a:endParaRPr lang="he-IL" sz="700" b="0" i="0" u="none" strike="noStrike">
+                        <a:solidFill>
+                          <a:srgbClr val="000000"/>
+                        </a:solidFill>
+                        <a:effectLst/>
+                        <a:latin typeface="Arial" panose="020B0604020202020204" pitchFamily="34" charset="0"/>
+                      </a:endParaRPr>
+                    </a:p>
+                  </a:txBody>
+                  <a:tcPr marL="5152" marR="5152" marT="5152" marB="0" anchor="ctr"/>
+                </a:tc>
+                <a:tc>
+                  <a:txBody>
+                    <a:bodyPr/>
+                    <a:lstStyle/>
+                    <a:p>
+                      <a:pPr algn="ctr" rtl="0" fontAlgn="ctr"/>
+                      <a:r>
+                        <a:rPr lang="he-IL" sz="700" u="none" strike="noStrike">
+                          <a:effectLst/>
+                        </a:rPr>
+                        <a:t>2.07836</a:t>
+                      </a:r>
+                      <a:endParaRPr lang="he-IL" sz="700" b="0" i="0" u="none" strike="noStrike">
+                        <a:solidFill>
+                          <a:srgbClr val="000000"/>
+                        </a:solidFill>
+                        <a:effectLst/>
+                        <a:latin typeface="Arial" panose="020B0604020202020204" pitchFamily="34" charset="0"/>
+                      </a:endParaRPr>
+                    </a:p>
+                  </a:txBody>
+                  <a:tcPr marL="5152" marR="5152" marT="5152" marB="0" anchor="ctr"/>
+                </a:tc>
+                <a:extLst>
+                  <a:ext uri="{0D108BD9-81ED-4DB2-BD59-A6C34878D82A}">
+                    <a16:rowId xmlns:a16="http://schemas.microsoft.com/office/drawing/2014/main" val="1720191905"/>
+                  </a:ext>
+                </a:extLst>
+              </a:tr>
+              <a:tr h="132494">
+                <a:tc>
+                  <a:txBody>
+                    <a:bodyPr/>
+                    <a:lstStyle/>
+                    <a:p>
+                      <a:pPr algn="ctr" rtl="0" fontAlgn="ctr"/>
+                      <a:r>
+                        <a:rPr lang="he-IL" sz="700" u="none" strike="noStrike">
+                          <a:effectLst/>
+                        </a:rPr>
+                        <a:t>5</a:t>
+                      </a:r>
+                      <a:endParaRPr lang="he-IL" sz="700" b="0" i="0" u="none" strike="noStrike">
+                        <a:solidFill>
+                          <a:srgbClr val="000000"/>
+                        </a:solidFill>
+                        <a:effectLst/>
+                        <a:latin typeface="Arial" panose="020B0604020202020204" pitchFamily="34" charset="0"/>
+                      </a:endParaRPr>
+                    </a:p>
+                  </a:txBody>
+                  <a:tcPr marL="5152" marR="5152" marT="5152" marB="0" anchor="ctr"/>
+                </a:tc>
+                <a:tc>
+                  <a:txBody>
+                    <a:bodyPr/>
+                    <a:lstStyle/>
+                    <a:p>
+                      <a:pPr algn="ctr" rtl="0" fontAlgn="ctr"/>
+                      <a:r>
+                        <a:rPr lang="he-IL" sz="700" u="none" strike="noStrike">
+                          <a:effectLst/>
+                        </a:rPr>
+                        <a:t>0</a:t>
+                      </a:r>
+                      <a:endParaRPr lang="he-IL" sz="700" b="0" i="0" u="none" strike="noStrike">
+                        <a:solidFill>
+                          <a:srgbClr val="000000"/>
+                        </a:solidFill>
+                        <a:effectLst/>
+                        <a:latin typeface="Arial" panose="020B0604020202020204" pitchFamily="34" charset="0"/>
+                      </a:endParaRPr>
+                    </a:p>
+                  </a:txBody>
+                  <a:tcPr marL="5152" marR="5152" marT="5152" marB="0" anchor="ctr"/>
+                </a:tc>
+                <a:tc>
+                  <a:txBody>
+                    <a:bodyPr/>
+                    <a:lstStyle/>
+                    <a:p>
+                      <a:pPr algn="ctr" rtl="0" fontAlgn="ctr"/>
+                      <a:r>
+                        <a:rPr lang="he-IL" sz="700" u="none" strike="noStrike">
+                          <a:effectLst/>
+                        </a:rPr>
+                        <a:t>8</a:t>
+                      </a:r>
+                      <a:endParaRPr lang="he-IL" sz="700" b="0" i="0" u="none" strike="noStrike">
+                        <a:solidFill>
+                          <a:srgbClr val="000000"/>
+                        </a:solidFill>
+                        <a:effectLst/>
+                        <a:latin typeface="Arial" panose="020B0604020202020204" pitchFamily="34" charset="0"/>
+                      </a:endParaRPr>
+                    </a:p>
+                  </a:txBody>
+                  <a:tcPr marL="5152" marR="5152" marT="5152" marB="0" anchor="ctr"/>
+                </a:tc>
+                <a:tc>
+                  <a:txBody>
+                    <a:bodyPr/>
+                    <a:lstStyle/>
+                    <a:p>
+                      <a:pPr algn="ctr" rtl="0" fontAlgn="ctr"/>
+                      <a:r>
+                        <a:rPr lang="he-IL" sz="700" u="none" strike="noStrike">
+                          <a:effectLst/>
+                        </a:rPr>
+                        <a:t>16</a:t>
+                      </a:r>
+                      <a:endParaRPr lang="he-IL" sz="700" b="0" i="0" u="none" strike="noStrike">
+                        <a:solidFill>
+                          <a:srgbClr val="000000"/>
+                        </a:solidFill>
+                        <a:effectLst/>
+                        <a:latin typeface="Arial" panose="020B0604020202020204" pitchFamily="34" charset="0"/>
+                      </a:endParaRPr>
+                    </a:p>
+                  </a:txBody>
+                  <a:tcPr marL="5152" marR="5152" marT="5152" marB="0" anchor="ctr"/>
+                </a:tc>
+                <a:tc>
+                  <a:txBody>
+                    <a:bodyPr/>
+                    <a:lstStyle/>
+                    <a:p>
+                      <a:pPr algn="ctr" rtl="0" fontAlgn="ctr"/>
+                      <a:r>
+                        <a:rPr lang="he-IL" sz="700" u="none" strike="noStrike">
+                          <a:effectLst/>
+                        </a:rPr>
+                        <a:t>29</a:t>
+                      </a:r>
+                      <a:endParaRPr lang="he-IL" sz="700" b="0" i="0" u="none" strike="noStrike">
+                        <a:solidFill>
+                          <a:srgbClr val="000000"/>
+                        </a:solidFill>
+                        <a:effectLst/>
+                        <a:latin typeface="Arial" panose="020B0604020202020204" pitchFamily="34" charset="0"/>
+                      </a:endParaRPr>
+                    </a:p>
+                  </a:txBody>
+                  <a:tcPr marL="5152" marR="5152" marT="5152" marB="0" anchor="ctr"/>
+                </a:tc>
+                <a:tc>
+                  <a:txBody>
+                    <a:bodyPr/>
+                    <a:lstStyle/>
+                    <a:p>
+                      <a:pPr algn="ctr" rtl="0" fontAlgn="ctr"/>
+                      <a:r>
+                        <a:rPr lang="he-IL" sz="700" u="none" strike="noStrike">
+                          <a:effectLst/>
+                        </a:rPr>
+                        <a:t>0.998763</a:t>
+                      </a:r>
+                      <a:endParaRPr lang="he-IL" sz="700" b="0" i="0" u="none" strike="noStrike">
+                        <a:solidFill>
+                          <a:srgbClr val="000000"/>
+                        </a:solidFill>
+                        <a:effectLst/>
+                        <a:latin typeface="Arial" panose="020B0604020202020204" pitchFamily="34" charset="0"/>
+                      </a:endParaRPr>
+                    </a:p>
+                  </a:txBody>
+                  <a:tcPr marL="5152" marR="5152" marT="5152" marB="0" anchor="ctr"/>
+                </a:tc>
+                <a:extLst>
+                  <a:ext uri="{0D108BD9-81ED-4DB2-BD59-A6C34878D82A}">
+                    <a16:rowId xmlns:a16="http://schemas.microsoft.com/office/drawing/2014/main" val="4241425088"/>
+                  </a:ext>
+                </a:extLst>
+              </a:tr>
+              <a:tr h="132494">
+                <a:tc>
+                  <a:txBody>
+                    <a:bodyPr/>
+                    <a:lstStyle/>
+                    <a:p>
+                      <a:pPr algn="ctr" rtl="0" fontAlgn="ctr"/>
+                      <a:r>
+                        <a:rPr lang="he-IL" sz="700" u="none" strike="noStrike">
+                          <a:effectLst/>
+                        </a:rPr>
+                        <a:t>4</a:t>
+                      </a:r>
+                      <a:endParaRPr lang="he-IL" sz="700" b="0" i="0" u="none" strike="noStrike">
+                        <a:solidFill>
+                          <a:srgbClr val="000000"/>
+                        </a:solidFill>
+                        <a:effectLst/>
+                        <a:latin typeface="Arial" panose="020B0604020202020204" pitchFamily="34" charset="0"/>
+                      </a:endParaRPr>
+                    </a:p>
+                  </a:txBody>
+                  <a:tcPr marL="5152" marR="5152" marT="5152" marB="0" anchor="ctr"/>
+                </a:tc>
+                <a:tc>
+                  <a:txBody>
+                    <a:bodyPr/>
+                    <a:lstStyle/>
+                    <a:p>
+                      <a:pPr algn="ctr" rtl="0" fontAlgn="ctr"/>
+                      <a:r>
+                        <a:rPr lang="he-IL" sz="700" u="none" strike="noStrike">
+                          <a:effectLst/>
+                        </a:rPr>
+                        <a:t>0</a:t>
+                      </a:r>
+                      <a:endParaRPr lang="he-IL" sz="700" b="0" i="0" u="none" strike="noStrike">
+                        <a:solidFill>
+                          <a:srgbClr val="000000"/>
+                        </a:solidFill>
+                        <a:effectLst/>
+                        <a:latin typeface="Arial" panose="020B0604020202020204" pitchFamily="34" charset="0"/>
+                      </a:endParaRPr>
+                    </a:p>
+                  </a:txBody>
+                  <a:tcPr marL="5152" marR="5152" marT="5152" marB="0" anchor="ctr"/>
+                </a:tc>
+                <a:tc>
+                  <a:txBody>
+                    <a:bodyPr/>
+                    <a:lstStyle/>
+                    <a:p>
+                      <a:pPr algn="ctr" rtl="0" fontAlgn="ctr"/>
+                      <a:r>
+                        <a:rPr lang="he-IL" sz="700" u="none" strike="noStrike">
+                          <a:effectLst/>
+                        </a:rPr>
+                        <a:t>4</a:t>
+                      </a:r>
+                      <a:endParaRPr lang="he-IL" sz="700" b="0" i="0" u="none" strike="noStrike">
+                        <a:solidFill>
+                          <a:srgbClr val="000000"/>
+                        </a:solidFill>
+                        <a:effectLst/>
+                        <a:latin typeface="Arial" panose="020B0604020202020204" pitchFamily="34" charset="0"/>
+                      </a:endParaRPr>
+                    </a:p>
+                  </a:txBody>
+                  <a:tcPr marL="5152" marR="5152" marT="5152" marB="0" anchor="ctr"/>
+                </a:tc>
+                <a:tc>
+                  <a:txBody>
+                    <a:bodyPr/>
+                    <a:lstStyle/>
+                    <a:p>
+                      <a:pPr algn="ctr" rtl="0" fontAlgn="ctr"/>
+                      <a:r>
+                        <a:rPr lang="he-IL" sz="700" u="none" strike="noStrike">
+                          <a:effectLst/>
+                        </a:rPr>
+                        <a:t>5</a:t>
+                      </a:r>
+                      <a:endParaRPr lang="he-IL" sz="700" b="0" i="0" u="none" strike="noStrike">
+                        <a:solidFill>
+                          <a:srgbClr val="000000"/>
+                        </a:solidFill>
+                        <a:effectLst/>
+                        <a:latin typeface="Arial" panose="020B0604020202020204" pitchFamily="34" charset="0"/>
+                      </a:endParaRPr>
+                    </a:p>
+                  </a:txBody>
+                  <a:tcPr marL="5152" marR="5152" marT="5152" marB="0" anchor="ctr"/>
+                </a:tc>
+                <a:tc>
+                  <a:txBody>
+                    <a:bodyPr/>
+                    <a:lstStyle/>
+                    <a:p>
+                      <a:pPr algn="ctr" rtl="0" fontAlgn="ctr"/>
+                      <a:r>
+                        <a:rPr lang="he-IL" sz="700" u="none" strike="noStrike">
+                          <a:effectLst/>
+                        </a:rPr>
+                        <a:t>13</a:t>
+                      </a:r>
+                      <a:endParaRPr lang="he-IL" sz="700" b="0" i="0" u="none" strike="noStrike">
+                        <a:solidFill>
+                          <a:srgbClr val="000000"/>
+                        </a:solidFill>
+                        <a:effectLst/>
+                        <a:latin typeface="Arial" panose="020B0604020202020204" pitchFamily="34" charset="0"/>
+                      </a:endParaRPr>
+                    </a:p>
+                  </a:txBody>
+                  <a:tcPr marL="5152" marR="5152" marT="5152" marB="0" anchor="ctr"/>
+                </a:tc>
+                <a:tc>
+                  <a:txBody>
+                    <a:bodyPr/>
+                    <a:lstStyle/>
+                    <a:p>
+                      <a:pPr algn="ctr" rtl="0" fontAlgn="ctr"/>
+                      <a:r>
+                        <a:rPr lang="he-IL" sz="700" u="none" strike="noStrike">
+                          <a:effectLst/>
+                        </a:rPr>
+                        <a:t>0.134736</a:t>
+                      </a:r>
+                      <a:endParaRPr lang="he-IL" sz="700" b="0" i="0" u="none" strike="noStrike">
+                        <a:solidFill>
+                          <a:srgbClr val="000000"/>
+                        </a:solidFill>
+                        <a:effectLst/>
+                        <a:latin typeface="Arial" panose="020B0604020202020204" pitchFamily="34" charset="0"/>
+                      </a:endParaRPr>
+                    </a:p>
+                  </a:txBody>
+                  <a:tcPr marL="5152" marR="5152" marT="5152" marB="0" anchor="ctr"/>
+                </a:tc>
+                <a:extLst>
+                  <a:ext uri="{0D108BD9-81ED-4DB2-BD59-A6C34878D82A}">
+                    <a16:rowId xmlns:a16="http://schemas.microsoft.com/office/drawing/2014/main" val="914734335"/>
+                  </a:ext>
+                </a:extLst>
+              </a:tr>
+              <a:tr h="132494">
+                <a:tc>
+                  <a:txBody>
+                    <a:bodyPr/>
+                    <a:lstStyle/>
+                    <a:p>
+                      <a:pPr algn="ctr" rtl="0" fontAlgn="ctr"/>
+                      <a:r>
+                        <a:rPr lang="he-IL" sz="700" u="none" strike="noStrike">
+                          <a:effectLst/>
+                        </a:rPr>
+                        <a:t>8</a:t>
+                      </a:r>
+                      <a:endParaRPr lang="he-IL" sz="700" b="0" i="0" u="none" strike="noStrike">
+                        <a:solidFill>
+                          <a:srgbClr val="000000"/>
+                        </a:solidFill>
+                        <a:effectLst/>
+                        <a:latin typeface="Arial" panose="020B0604020202020204" pitchFamily="34" charset="0"/>
+                      </a:endParaRPr>
+                    </a:p>
+                  </a:txBody>
+                  <a:tcPr marL="5152" marR="5152" marT="5152" marB="0" anchor="ctr"/>
+                </a:tc>
+                <a:tc>
+                  <a:txBody>
+                    <a:bodyPr/>
+                    <a:lstStyle/>
+                    <a:p>
+                      <a:pPr algn="ctr" rtl="0" fontAlgn="ctr"/>
+                      <a:r>
+                        <a:rPr lang="he-IL" sz="700" u="none" strike="noStrike">
+                          <a:effectLst/>
+                        </a:rPr>
+                        <a:t>0</a:t>
+                      </a:r>
+                      <a:endParaRPr lang="he-IL" sz="700" b="0" i="0" u="none" strike="noStrike">
+                        <a:solidFill>
+                          <a:srgbClr val="000000"/>
+                        </a:solidFill>
+                        <a:effectLst/>
+                        <a:latin typeface="Arial" panose="020B0604020202020204" pitchFamily="34" charset="0"/>
+                      </a:endParaRPr>
+                    </a:p>
+                  </a:txBody>
+                  <a:tcPr marL="5152" marR="5152" marT="5152" marB="0" anchor="ctr"/>
+                </a:tc>
+                <a:tc>
+                  <a:txBody>
+                    <a:bodyPr/>
+                    <a:lstStyle/>
+                    <a:p>
+                      <a:pPr algn="ctr" rtl="0" fontAlgn="ctr"/>
+                      <a:r>
+                        <a:rPr lang="he-IL" sz="700" u="none" strike="noStrike">
+                          <a:effectLst/>
+                        </a:rPr>
+                        <a:t>4</a:t>
+                      </a:r>
+                      <a:endParaRPr lang="he-IL" sz="700" b="0" i="0" u="none" strike="noStrike">
+                        <a:solidFill>
+                          <a:srgbClr val="000000"/>
+                        </a:solidFill>
+                        <a:effectLst/>
+                        <a:latin typeface="Arial" panose="020B0604020202020204" pitchFamily="34" charset="0"/>
+                      </a:endParaRPr>
+                    </a:p>
+                  </a:txBody>
+                  <a:tcPr marL="5152" marR="5152" marT="5152" marB="0" anchor="ctr"/>
+                </a:tc>
+                <a:tc>
+                  <a:txBody>
+                    <a:bodyPr/>
+                    <a:lstStyle/>
+                    <a:p>
+                      <a:pPr algn="ctr" rtl="0" fontAlgn="ctr"/>
+                      <a:r>
+                        <a:rPr lang="he-IL" sz="700" u="none" strike="noStrike">
+                          <a:effectLst/>
+                        </a:rPr>
+                        <a:t>5</a:t>
+                      </a:r>
+                      <a:endParaRPr lang="he-IL" sz="700" b="0" i="0" u="none" strike="noStrike">
+                        <a:solidFill>
+                          <a:srgbClr val="000000"/>
+                        </a:solidFill>
+                        <a:effectLst/>
+                        <a:latin typeface="Arial" panose="020B0604020202020204" pitchFamily="34" charset="0"/>
+                      </a:endParaRPr>
+                    </a:p>
+                  </a:txBody>
+                  <a:tcPr marL="5152" marR="5152" marT="5152" marB="0" anchor="ctr"/>
+                </a:tc>
+                <a:tc>
+                  <a:txBody>
+                    <a:bodyPr/>
+                    <a:lstStyle/>
+                    <a:p>
+                      <a:pPr algn="ctr" rtl="0" fontAlgn="ctr"/>
+                      <a:r>
+                        <a:rPr lang="he-IL" sz="700" u="none" strike="noStrike">
+                          <a:effectLst/>
+                        </a:rPr>
+                        <a:t>17</a:t>
+                      </a:r>
+                      <a:endParaRPr lang="he-IL" sz="700" b="0" i="0" u="none" strike="noStrike">
+                        <a:solidFill>
+                          <a:srgbClr val="000000"/>
+                        </a:solidFill>
+                        <a:effectLst/>
+                        <a:latin typeface="Arial" panose="020B0604020202020204" pitchFamily="34" charset="0"/>
+                      </a:endParaRPr>
+                    </a:p>
+                  </a:txBody>
+                  <a:tcPr marL="5152" marR="5152" marT="5152" marB="0" anchor="ctr"/>
+                </a:tc>
+                <a:tc>
+                  <a:txBody>
+                    <a:bodyPr/>
+                    <a:lstStyle/>
+                    <a:p>
+                      <a:pPr algn="ctr" rtl="0" fontAlgn="ctr"/>
+                      <a:r>
+                        <a:rPr lang="he-IL" sz="700" u="none" strike="noStrike">
+                          <a:effectLst/>
+                        </a:rPr>
+                        <a:t>0.155572</a:t>
+                      </a:r>
+                      <a:endParaRPr lang="he-IL" sz="700" b="0" i="0" u="none" strike="noStrike">
+                        <a:solidFill>
+                          <a:srgbClr val="000000"/>
+                        </a:solidFill>
+                        <a:effectLst/>
+                        <a:latin typeface="Arial" panose="020B0604020202020204" pitchFamily="34" charset="0"/>
+                      </a:endParaRPr>
+                    </a:p>
+                  </a:txBody>
+                  <a:tcPr marL="5152" marR="5152" marT="5152" marB="0" anchor="ctr"/>
+                </a:tc>
+                <a:extLst>
+                  <a:ext uri="{0D108BD9-81ED-4DB2-BD59-A6C34878D82A}">
+                    <a16:rowId xmlns:a16="http://schemas.microsoft.com/office/drawing/2014/main" val="306600574"/>
+                  </a:ext>
+                </a:extLst>
+              </a:tr>
+              <a:tr h="132494">
+                <a:tc>
+                  <a:txBody>
+                    <a:bodyPr/>
+                    <a:lstStyle/>
+                    <a:p>
+                      <a:pPr algn="ctr" rtl="0" fontAlgn="ctr"/>
+                      <a:r>
+                        <a:rPr lang="he-IL" sz="700" u="none" strike="noStrike">
+                          <a:effectLst/>
+                        </a:rPr>
+                        <a:t>9</a:t>
+                      </a:r>
+                      <a:endParaRPr lang="he-IL" sz="700" b="0" i="0" u="none" strike="noStrike">
+                        <a:solidFill>
+                          <a:srgbClr val="000000"/>
+                        </a:solidFill>
+                        <a:effectLst/>
+                        <a:latin typeface="Arial" panose="020B0604020202020204" pitchFamily="34" charset="0"/>
+                      </a:endParaRPr>
+                    </a:p>
+                  </a:txBody>
+                  <a:tcPr marL="5152" marR="5152" marT="5152" marB="0" anchor="ctr"/>
+                </a:tc>
+                <a:tc>
+                  <a:txBody>
+                    <a:bodyPr/>
+                    <a:lstStyle/>
+                    <a:p>
+                      <a:pPr algn="ctr" rtl="0" fontAlgn="ctr"/>
+                      <a:r>
+                        <a:rPr lang="he-IL" sz="700" u="none" strike="noStrike">
+                          <a:effectLst/>
+                        </a:rPr>
+                        <a:t>7</a:t>
+                      </a:r>
+                      <a:endParaRPr lang="he-IL" sz="700" b="0" i="0" u="none" strike="noStrike">
+                        <a:solidFill>
+                          <a:srgbClr val="000000"/>
+                        </a:solidFill>
+                        <a:effectLst/>
+                        <a:latin typeface="Arial" panose="020B0604020202020204" pitchFamily="34" charset="0"/>
+                      </a:endParaRPr>
+                    </a:p>
+                  </a:txBody>
+                  <a:tcPr marL="5152" marR="5152" marT="5152" marB="0" anchor="ctr"/>
+                </a:tc>
+                <a:tc>
+                  <a:txBody>
+                    <a:bodyPr/>
+                    <a:lstStyle/>
+                    <a:p>
+                      <a:pPr algn="ctr" rtl="0" fontAlgn="ctr"/>
+                      <a:r>
+                        <a:rPr lang="he-IL" sz="700" u="none" strike="noStrike">
+                          <a:effectLst/>
+                        </a:rPr>
+                        <a:t>22</a:t>
+                      </a:r>
+                      <a:endParaRPr lang="he-IL" sz="700" b="0" i="0" u="none" strike="noStrike">
+                        <a:solidFill>
+                          <a:srgbClr val="000000"/>
+                        </a:solidFill>
+                        <a:effectLst/>
+                        <a:latin typeface="Arial" panose="020B0604020202020204" pitchFamily="34" charset="0"/>
+                      </a:endParaRPr>
+                    </a:p>
+                  </a:txBody>
+                  <a:tcPr marL="5152" marR="5152" marT="5152" marB="0" anchor="ctr"/>
+                </a:tc>
+                <a:tc>
+                  <a:txBody>
+                    <a:bodyPr/>
+                    <a:lstStyle/>
+                    <a:p>
+                      <a:pPr algn="ctr" rtl="0" fontAlgn="ctr"/>
+                      <a:r>
+                        <a:rPr lang="he-IL" sz="700" u="none" strike="noStrike">
+                          <a:effectLst/>
+                        </a:rPr>
+                        <a:t>4</a:t>
+                      </a:r>
+                      <a:endParaRPr lang="he-IL" sz="700" b="0" i="0" u="none" strike="noStrike">
+                        <a:solidFill>
+                          <a:srgbClr val="000000"/>
+                        </a:solidFill>
+                        <a:effectLst/>
+                        <a:latin typeface="Arial" panose="020B0604020202020204" pitchFamily="34" charset="0"/>
+                      </a:endParaRPr>
+                    </a:p>
+                  </a:txBody>
+                  <a:tcPr marL="5152" marR="5152" marT="5152" marB="0" anchor="ctr"/>
+                </a:tc>
+                <a:tc>
+                  <a:txBody>
+                    <a:bodyPr/>
+                    <a:lstStyle/>
+                    <a:p>
+                      <a:pPr algn="ctr" rtl="0" fontAlgn="ctr"/>
+                      <a:r>
+                        <a:rPr lang="he-IL" sz="700" u="none" strike="noStrike">
+                          <a:effectLst/>
+                        </a:rPr>
+                        <a:t>42</a:t>
+                      </a:r>
+                      <a:endParaRPr lang="he-IL" sz="700" b="0" i="0" u="none" strike="noStrike">
+                        <a:solidFill>
+                          <a:srgbClr val="000000"/>
+                        </a:solidFill>
+                        <a:effectLst/>
+                        <a:latin typeface="Arial" panose="020B0604020202020204" pitchFamily="34" charset="0"/>
+                      </a:endParaRPr>
+                    </a:p>
+                  </a:txBody>
+                  <a:tcPr marL="5152" marR="5152" marT="5152" marB="0" anchor="ctr"/>
+                </a:tc>
+                <a:tc>
+                  <a:txBody>
+                    <a:bodyPr/>
+                    <a:lstStyle/>
+                    <a:p>
+                      <a:pPr algn="ctr" rtl="0" fontAlgn="ctr"/>
+                      <a:r>
+                        <a:rPr lang="he-IL" sz="700" u="none" strike="noStrike">
+                          <a:effectLst/>
+                        </a:rPr>
+                        <a:t>0.315998</a:t>
+                      </a:r>
+                      <a:endParaRPr lang="he-IL" sz="700" b="0" i="0" u="none" strike="noStrike">
+                        <a:solidFill>
+                          <a:srgbClr val="000000"/>
+                        </a:solidFill>
+                        <a:effectLst/>
+                        <a:latin typeface="Arial" panose="020B0604020202020204" pitchFamily="34" charset="0"/>
+                      </a:endParaRPr>
+                    </a:p>
+                  </a:txBody>
+                  <a:tcPr marL="5152" marR="5152" marT="5152" marB="0" anchor="ctr"/>
+                </a:tc>
+                <a:extLst>
+                  <a:ext uri="{0D108BD9-81ED-4DB2-BD59-A6C34878D82A}">
+                    <a16:rowId xmlns:a16="http://schemas.microsoft.com/office/drawing/2014/main" val="4275066562"/>
+                  </a:ext>
+                </a:extLst>
+              </a:tr>
+              <a:tr h="132494">
+                <a:tc>
+                  <a:txBody>
+                    <a:bodyPr/>
+                    <a:lstStyle/>
+                    <a:p>
+                      <a:pPr algn="ctr" rtl="0" fontAlgn="ctr"/>
+                      <a:r>
+                        <a:rPr lang="he-IL" sz="700" u="none" strike="noStrike">
+                          <a:effectLst/>
+                        </a:rPr>
+                        <a:t>14</a:t>
+                      </a:r>
+                      <a:endParaRPr lang="he-IL" sz="700" b="0" i="0" u="none" strike="noStrike">
+                        <a:solidFill>
+                          <a:srgbClr val="000000"/>
+                        </a:solidFill>
+                        <a:effectLst/>
+                        <a:latin typeface="Arial" panose="020B0604020202020204" pitchFamily="34" charset="0"/>
+                      </a:endParaRPr>
+                    </a:p>
+                  </a:txBody>
+                  <a:tcPr marL="5152" marR="5152" marT="5152" marB="0" anchor="ctr"/>
+                </a:tc>
+                <a:tc>
+                  <a:txBody>
+                    <a:bodyPr/>
+                    <a:lstStyle/>
+                    <a:p>
+                      <a:pPr algn="ctr" rtl="0" fontAlgn="ctr"/>
+                      <a:r>
+                        <a:rPr lang="he-IL" sz="700" u="none" strike="noStrike">
+                          <a:effectLst/>
+                        </a:rPr>
+                        <a:t>17</a:t>
+                      </a:r>
+                      <a:endParaRPr lang="he-IL" sz="700" b="0" i="0" u="none" strike="noStrike">
+                        <a:solidFill>
+                          <a:srgbClr val="000000"/>
+                        </a:solidFill>
+                        <a:effectLst/>
+                        <a:latin typeface="Arial" panose="020B0604020202020204" pitchFamily="34" charset="0"/>
+                      </a:endParaRPr>
+                    </a:p>
+                  </a:txBody>
+                  <a:tcPr marL="5152" marR="5152" marT="5152" marB="0" anchor="ctr"/>
+                </a:tc>
+                <a:tc>
+                  <a:txBody>
+                    <a:bodyPr/>
+                    <a:lstStyle/>
+                    <a:p>
+                      <a:pPr algn="ctr" rtl="0" fontAlgn="ctr"/>
+                      <a:r>
+                        <a:rPr lang="he-IL" sz="700" u="none" strike="noStrike">
+                          <a:effectLst/>
+                        </a:rPr>
+                        <a:t>22</a:t>
+                      </a:r>
+                      <a:endParaRPr lang="he-IL" sz="700" b="0" i="0" u="none" strike="noStrike">
+                        <a:solidFill>
+                          <a:srgbClr val="000000"/>
+                        </a:solidFill>
+                        <a:effectLst/>
+                        <a:latin typeface="Arial" panose="020B0604020202020204" pitchFamily="34" charset="0"/>
+                      </a:endParaRPr>
+                    </a:p>
+                  </a:txBody>
+                  <a:tcPr marL="5152" marR="5152" marT="5152" marB="0" anchor="ctr"/>
+                </a:tc>
+                <a:tc>
+                  <a:txBody>
+                    <a:bodyPr/>
+                    <a:lstStyle/>
+                    <a:p>
+                      <a:pPr algn="ctr" rtl="0" fontAlgn="ctr"/>
+                      <a:r>
+                        <a:rPr lang="he-IL" sz="700" u="none" strike="noStrike">
+                          <a:effectLst/>
+                        </a:rPr>
+                        <a:t>20</a:t>
+                      </a:r>
+                      <a:endParaRPr lang="he-IL" sz="700" b="0" i="0" u="none" strike="noStrike">
+                        <a:solidFill>
+                          <a:srgbClr val="000000"/>
+                        </a:solidFill>
+                        <a:effectLst/>
+                        <a:latin typeface="Arial" panose="020B0604020202020204" pitchFamily="34" charset="0"/>
+                      </a:endParaRPr>
+                    </a:p>
+                  </a:txBody>
+                  <a:tcPr marL="5152" marR="5152" marT="5152" marB="0" anchor="ctr"/>
+                </a:tc>
+                <a:tc>
+                  <a:txBody>
+                    <a:bodyPr/>
+                    <a:lstStyle/>
+                    <a:p>
+                      <a:pPr algn="ctr" rtl="0" fontAlgn="ctr"/>
+                      <a:r>
+                        <a:rPr lang="he-IL" sz="700" u="none" strike="noStrike">
+                          <a:effectLst/>
+                        </a:rPr>
+                        <a:t>73</a:t>
+                      </a:r>
+                      <a:endParaRPr lang="he-IL" sz="700" b="0" i="0" u="none" strike="noStrike">
+                        <a:solidFill>
+                          <a:srgbClr val="000000"/>
+                        </a:solidFill>
+                        <a:effectLst/>
+                        <a:latin typeface="Arial" panose="020B0604020202020204" pitchFamily="34" charset="0"/>
+                      </a:endParaRPr>
+                    </a:p>
+                  </a:txBody>
+                  <a:tcPr marL="5152" marR="5152" marT="5152" marB="0" anchor="ctr"/>
+                </a:tc>
+                <a:tc>
+                  <a:txBody>
+                    <a:bodyPr/>
+                    <a:lstStyle/>
+                    <a:p>
+                      <a:pPr algn="ctr" rtl="0" fontAlgn="ctr"/>
+                      <a:r>
+                        <a:rPr lang="he-IL" sz="700" u="none" strike="noStrike">
+                          <a:effectLst/>
+                        </a:rPr>
+                        <a:t>1.361206</a:t>
+                      </a:r>
+                      <a:endParaRPr lang="he-IL" sz="700" b="0" i="0" u="none" strike="noStrike">
+                        <a:solidFill>
+                          <a:srgbClr val="000000"/>
+                        </a:solidFill>
+                        <a:effectLst/>
+                        <a:latin typeface="Arial" panose="020B0604020202020204" pitchFamily="34" charset="0"/>
+                      </a:endParaRPr>
+                    </a:p>
+                  </a:txBody>
+                  <a:tcPr marL="5152" marR="5152" marT="5152" marB="0" anchor="ctr"/>
+                </a:tc>
+                <a:extLst>
+                  <a:ext uri="{0D108BD9-81ED-4DB2-BD59-A6C34878D82A}">
+                    <a16:rowId xmlns:a16="http://schemas.microsoft.com/office/drawing/2014/main" val="1502302462"/>
+                  </a:ext>
+                </a:extLst>
+              </a:tr>
+              <a:tr h="132494">
+                <a:tc>
+                  <a:txBody>
+                    <a:bodyPr/>
+                    <a:lstStyle/>
+                    <a:p>
+                      <a:pPr algn="ctr" rtl="0" fontAlgn="ctr"/>
+                      <a:r>
+                        <a:rPr lang="he-IL" sz="700" u="none" strike="noStrike">
+                          <a:effectLst/>
+                        </a:rPr>
+                        <a:t>0</a:t>
+                      </a:r>
+                      <a:endParaRPr lang="he-IL" sz="700" b="0" i="0" u="none" strike="noStrike">
+                        <a:solidFill>
+                          <a:srgbClr val="000000"/>
+                        </a:solidFill>
+                        <a:effectLst/>
+                        <a:latin typeface="Arial" panose="020B0604020202020204" pitchFamily="34" charset="0"/>
+                      </a:endParaRPr>
+                    </a:p>
+                  </a:txBody>
+                  <a:tcPr marL="5152" marR="5152" marT="5152" marB="0" anchor="ctr"/>
+                </a:tc>
+                <a:tc>
+                  <a:txBody>
+                    <a:bodyPr/>
+                    <a:lstStyle/>
+                    <a:p>
+                      <a:pPr algn="ctr" rtl="0" fontAlgn="ctr"/>
+                      <a:r>
+                        <a:rPr lang="he-IL" sz="700" u="none" strike="noStrike">
+                          <a:effectLst/>
+                        </a:rPr>
+                        <a:t>17</a:t>
+                      </a:r>
+                      <a:endParaRPr lang="he-IL" sz="700" b="0" i="0" u="none" strike="noStrike">
+                        <a:solidFill>
+                          <a:srgbClr val="000000"/>
+                        </a:solidFill>
+                        <a:effectLst/>
+                        <a:latin typeface="Arial" panose="020B0604020202020204" pitchFamily="34" charset="0"/>
+                      </a:endParaRPr>
+                    </a:p>
+                  </a:txBody>
+                  <a:tcPr marL="5152" marR="5152" marT="5152" marB="0" anchor="ctr"/>
+                </a:tc>
+                <a:tc>
+                  <a:txBody>
+                    <a:bodyPr/>
+                    <a:lstStyle/>
+                    <a:p>
+                      <a:pPr algn="ctr" rtl="0" fontAlgn="ctr"/>
+                      <a:r>
+                        <a:rPr lang="he-IL" sz="700" u="none" strike="noStrike">
+                          <a:effectLst/>
+                        </a:rPr>
+                        <a:t>19</a:t>
+                      </a:r>
+                      <a:endParaRPr lang="he-IL" sz="700" b="0" i="0" u="none" strike="noStrike">
+                        <a:solidFill>
+                          <a:srgbClr val="000000"/>
+                        </a:solidFill>
+                        <a:effectLst/>
+                        <a:latin typeface="Arial" panose="020B0604020202020204" pitchFamily="34" charset="0"/>
+                      </a:endParaRPr>
+                    </a:p>
+                  </a:txBody>
+                  <a:tcPr marL="5152" marR="5152" marT="5152" marB="0" anchor="ctr"/>
+                </a:tc>
+                <a:tc>
+                  <a:txBody>
+                    <a:bodyPr/>
+                    <a:lstStyle/>
+                    <a:p>
+                      <a:pPr algn="ctr" rtl="0" fontAlgn="ctr"/>
+                      <a:r>
+                        <a:rPr lang="he-IL" sz="700" u="none" strike="noStrike">
+                          <a:effectLst/>
+                        </a:rPr>
+                        <a:t>20</a:t>
+                      </a:r>
+                      <a:endParaRPr lang="he-IL" sz="700" b="0" i="0" u="none" strike="noStrike">
+                        <a:solidFill>
+                          <a:srgbClr val="000000"/>
+                        </a:solidFill>
+                        <a:effectLst/>
+                        <a:latin typeface="Arial" panose="020B0604020202020204" pitchFamily="34" charset="0"/>
+                      </a:endParaRPr>
+                    </a:p>
+                  </a:txBody>
+                  <a:tcPr marL="5152" marR="5152" marT="5152" marB="0" anchor="ctr"/>
+                </a:tc>
+                <a:tc>
+                  <a:txBody>
+                    <a:bodyPr/>
+                    <a:lstStyle/>
+                    <a:p>
+                      <a:pPr algn="ctr" rtl="0" fontAlgn="ctr"/>
+                      <a:r>
+                        <a:rPr lang="he-IL" sz="700" u="none" strike="noStrike">
+                          <a:effectLst/>
+                        </a:rPr>
+                        <a:t>56</a:t>
+                      </a:r>
+                      <a:endParaRPr lang="he-IL" sz="700" b="0" i="0" u="none" strike="noStrike">
+                        <a:solidFill>
+                          <a:srgbClr val="000000"/>
+                        </a:solidFill>
+                        <a:effectLst/>
+                        <a:latin typeface="Arial" panose="020B0604020202020204" pitchFamily="34" charset="0"/>
+                      </a:endParaRPr>
+                    </a:p>
+                  </a:txBody>
+                  <a:tcPr marL="5152" marR="5152" marT="5152" marB="0" anchor="ctr"/>
+                </a:tc>
+                <a:tc>
+                  <a:txBody>
+                    <a:bodyPr/>
+                    <a:lstStyle/>
+                    <a:p>
+                      <a:pPr algn="ctr" rtl="0" fontAlgn="ctr"/>
+                      <a:r>
+                        <a:rPr lang="he-IL" sz="700" u="none" strike="noStrike">
+                          <a:effectLst/>
+                        </a:rPr>
+                        <a:t>1.340326</a:t>
+                      </a:r>
+                      <a:endParaRPr lang="he-IL" sz="700" b="0" i="0" u="none" strike="noStrike">
+                        <a:solidFill>
+                          <a:srgbClr val="000000"/>
+                        </a:solidFill>
+                        <a:effectLst/>
+                        <a:latin typeface="Arial" panose="020B0604020202020204" pitchFamily="34" charset="0"/>
+                      </a:endParaRPr>
+                    </a:p>
+                  </a:txBody>
+                  <a:tcPr marL="5152" marR="5152" marT="5152" marB="0" anchor="ctr"/>
+                </a:tc>
+                <a:extLst>
+                  <a:ext uri="{0D108BD9-81ED-4DB2-BD59-A6C34878D82A}">
+                    <a16:rowId xmlns:a16="http://schemas.microsoft.com/office/drawing/2014/main" val="4105203148"/>
+                  </a:ext>
+                </a:extLst>
+              </a:tr>
+              <a:tr h="132494">
+                <a:tc>
+                  <a:txBody>
+                    <a:bodyPr/>
+                    <a:lstStyle/>
+                    <a:p>
+                      <a:pPr algn="ctr" rtl="0" fontAlgn="ctr"/>
+                      <a:r>
+                        <a:rPr lang="he-IL" sz="700" u="none" strike="noStrike">
+                          <a:effectLst/>
+                        </a:rPr>
+                        <a:t>0</a:t>
+                      </a:r>
+                      <a:endParaRPr lang="he-IL" sz="700" b="0" i="0" u="none" strike="noStrike">
+                        <a:solidFill>
+                          <a:srgbClr val="000000"/>
+                        </a:solidFill>
+                        <a:effectLst/>
+                        <a:latin typeface="Arial" panose="020B0604020202020204" pitchFamily="34" charset="0"/>
+                      </a:endParaRPr>
+                    </a:p>
+                  </a:txBody>
+                  <a:tcPr marL="5152" marR="5152" marT="5152" marB="0" anchor="ctr"/>
+                </a:tc>
+                <a:tc>
+                  <a:txBody>
+                    <a:bodyPr/>
+                    <a:lstStyle/>
+                    <a:p>
+                      <a:pPr algn="ctr" rtl="0" fontAlgn="ctr"/>
+                      <a:r>
+                        <a:rPr lang="he-IL" sz="700" u="none" strike="noStrike">
+                          <a:effectLst/>
+                        </a:rPr>
+                        <a:t>17</a:t>
+                      </a:r>
+                      <a:endParaRPr lang="he-IL" sz="700" b="0" i="0" u="none" strike="noStrike">
+                        <a:solidFill>
+                          <a:srgbClr val="000000"/>
+                        </a:solidFill>
+                        <a:effectLst/>
+                        <a:latin typeface="Arial" panose="020B0604020202020204" pitchFamily="34" charset="0"/>
+                      </a:endParaRPr>
+                    </a:p>
+                  </a:txBody>
+                  <a:tcPr marL="5152" marR="5152" marT="5152" marB="0" anchor="ctr"/>
+                </a:tc>
+                <a:tc>
+                  <a:txBody>
+                    <a:bodyPr/>
+                    <a:lstStyle/>
+                    <a:p>
+                      <a:pPr algn="ctr" rtl="0" fontAlgn="ctr"/>
+                      <a:r>
+                        <a:rPr lang="he-IL" sz="700" u="none" strike="noStrike">
+                          <a:effectLst/>
+                        </a:rPr>
+                        <a:t>45</a:t>
+                      </a:r>
+                      <a:endParaRPr lang="he-IL" sz="700" b="0" i="0" u="none" strike="noStrike">
+                        <a:solidFill>
+                          <a:srgbClr val="000000"/>
+                        </a:solidFill>
+                        <a:effectLst/>
+                        <a:latin typeface="Arial" panose="020B0604020202020204" pitchFamily="34" charset="0"/>
+                      </a:endParaRPr>
+                    </a:p>
+                  </a:txBody>
+                  <a:tcPr marL="5152" marR="5152" marT="5152" marB="0" anchor="ctr"/>
+                </a:tc>
+                <a:tc>
+                  <a:txBody>
+                    <a:bodyPr/>
+                    <a:lstStyle/>
+                    <a:p>
+                      <a:pPr algn="ctr" rtl="0" fontAlgn="ctr"/>
+                      <a:r>
+                        <a:rPr lang="he-IL" sz="700" u="none" strike="noStrike">
+                          <a:effectLst/>
+                        </a:rPr>
+                        <a:t>29</a:t>
+                      </a:r>
+                      <a:endParaRPr lang="he-IL" sz="700" b="0" i="0" u="none" strike="noStrike">
+                        <a:solidFill>
+                          <a:srgbClr val="000000"/>
+                        </a:solidFill>
+                        <a:effectLst/>
+                        <a:latin typeface="Arial" panose="020B0604020202020204" pitchFamily="34" charset="0"/>
+                      </a:endParaRPr>
+                    </a:p>
+                  </a:txBody>
+                  <a:tcPr marL="5152" marR="5152" marT="5152" marB="0" anchor="ctr"/>
+                </a:tc>
+                <a:tc>
+                  <a:txBody>
+                    <a:bodyPr/>
+                    <a:lstStyle/>
+                    <a:p>
+                      <a:pPr algn="ctr" rtl="0" fontAlgn="ctr"/>
+                      <a:r>
+                        <a:rPr lang="he-IL" sz="700" u="none" strike="noStrike">
+                          <a:effectLst/>
+                        </a:rPr>
+                        <a:t>91</a:t>
+                      </a:r>
+                      <a:endParaRPr lang="he-IL" sz="700" b="0" i="0" u="none" strike="noStrike">
+                        <a:solidFill>
+                          <a:srgbClr val="000000"/>
+                        </a:solidFill>
+                        <a:effectLst/>
+                        <a:latin typeface="Arial" panose="020B0604020202020204" pitchFamily="34" charset="0"/>
+                      </a:endParaRPr>
+                    </a:p>
+                  </a:txBody>
+                  <a:tcPr marL="5152" marR="5152" marT="5152" marB="0" anchor="ctr"/>
+                </a:tc>
+                <a:tc>
+                  <a:txBody>
+                    <a:bodyPr/>
+                    <a:lstStyle/>
+                    <a:p>
+                      <a:pPr algn="ctr" rtl="0" fontAlgn="ctr"/>
+                      <a:r>
+                        <a:rPr lang="he-IL" sz="700" u="none" strike="noStrike">
+                          <a:effectLst/>
+                        </a:rPr>
+                        <a:t>1.47988</a:t>
+                      </a:r>
+                      <a:endParaRPr lang="he-IL" sz="700" b="0" i="0" u="none" strike="noStrike">
+                        <a:solidFill>
+                          <a:srgbClr val="000000"/>
+                        </a:solidFill>
+                        <a:effectLst/>
+                        <a:latin typeface="Arial" panose="020B0604020202020204" pitchFamily="34" charset="0"/>
+                      </a:endParaRPr>
+                    </a:p>
+                  </a:txBody>
+                  <a:tcPr marL="5152" marR="5152" marT="5152" marB="0" anchor="ctr"/>
+                </a:tc>
+                <a:extLst>
+                  <a:ext uri="{0D108BD9-81ED-4DB2-BD59-A6C34878D82A}">
+                    <a16:rowId xmlns:a16="http://schemas.microsoft.com/office/drawing/2014/main" val="3888126530"/>
+                  </a:ext>
+                </a:extLst>
+              </a:tr>
+              <a:tr h="132494">
+                <a:tc>
+                  <a:txBody>
+                    <a:bodyPr/>
+                    <a:lstStyle/>
+                    <a:p>
+                      <a:pPr algn="ctr" rtl="0" fontAlgn="ctr"/>
+                      <a:r>
+                        <a:rPr lang="he-IL" sz="700" u="none" strike="noStrike">
+                          <a:effectLst/>
+                        </a:rPr>
+                        <a:t>0</a:t>
+                      </a:r>
+                      <a:endParaRPr lang="he-IL" sz="700" b="0" i="0" u="none" strike="noStrike">
+                        <a:solidFill>
+                          <a:srgbClr val="000000"/>
+                        </a:solidFill>
+                        <a:effectLst/>
+                        <a:latin typeface="Arial" panose="020B0604020202020204" pitchFamily="34" charset="0"/>
+                      </a:endParaRPr>
+                    </a:p>
+                  </a:txBody>
+                  <a:tcPr marL="5152" marR="5152" marT="5152" marB="0" anchor="ctr"/>
+                </a:tc>
+                <a:tc>
+                  <a:txBody>
+                    <a:bodyPr/>
+                    <a:lstStyle/>
+                    <a:p>
+                      <a:pPr algn="ctr" rtl="0" fontAlgn="ctr"/>
+                      <a:r>
+                        <a:rPr lang="he-IL" sz="700" u="none" strike="noStrike">
+                          <a:effectLst/>
+                        </a:rPr>
+                        <a:t>45</a:t>
+                      </a:r>
+                      <a:endParaRPr lang="he-IL" sz="700" b="0" i="0" u="none" strike="noStrike">
+                        <a:solidFill>
+                          <a:srgbClr val="000000"/>
+                        </a:solidFill>
+                        <a:effectLst/>
+                        <a:latin typeface="Arial" panose="020B0604020202020204" pitchFamily="34" charset="0"/>
+                      </a:endParaRPr>
+                    </a:p>
+                  </a:txBody>
+                  <a:tcPr marL="5152" marR="5152" marT="5152" marB="0" anchor="ctr"/>
+                </a:tc>
+                <a:tc>
+                  <a:txBody>
+                    <a:bodyPr/>
+                    <a:lstStyle/>
+                    <a:p>
+                      <a:pPr algn="ctr" rtl="0" fontAlgn="ctr"/>
+                      <a:r>
+                        <a:rPr lang="he-IL" sz="700" u="none" strike="noStrike">
+                          <a:effectLst/>
+                        </a:rPr>
+                        <a:t>93</a:t>
+                      </a:r>
+                      <a:endParaRPr lang="he-IL" sz="700" b="0" i="0" u="none" strike="noStrike">
+                        <a:solidFill>
+                          <a:srgbClr val="000000"/>
+                        </a:solidFill>
+                        <a:effectLst/>
+                        <a:latin typeface="Arial" panose="020B0604020202020204" pitchFamily="34" charset="0"/>
+                      </a:endParaRPr>
+                    </a:p>
+                  </a:txBody>
+                  <a:tcPr marL="5152" marR="5152" marT="5152" marB="0" anchor="ctr"/>
+                </a:tc>
+                <a:tc>
+                  <a:txBody>
+                    <a:bodyPr/>
+                    <a:lstStyle/>
+                    <a:p>
+                      <a:pPr algn="ctr" rtl="0" fontAlgn="ctr"/>
+                      <a:r>
+                        <a:rPr lang="he-IL" sz="700" u="none" strike="noStrike">
+                          <a:effectLst/>
+                        </a:rPr>
+                        <a:t>21</a:t>
+                      </a:r>
+                      <a:endParaRPr lang="he-IL" sz="700" b="0" i="0" u="none" strike="noStrike">
+                        <a:solidFill>
+                          <a:srgbClr val="000000"/>
+                        </a:solidFill>
+                        <a:effectLst/>
+                        <a:latin typeface="Arial" panose="020B0604020202020204" pitchFamily="34" charset="0"/>
+                      </a:endParaRPr>
+                    </a:p>
+                  </a:txBody>
+                  <a:tcPr marL="5152" marR="5152" marT="5152" marB="0" anchor="ctr"/>
+                </a:tc>
+                <a:tc>
+                  <a:txBody>
+                    <a:bodyPr/>
+                    <a:lstStyle/>
+                    <a:p>
+                      <a:pPr algn="ctr" rtl="0" fontAlgn="ctr"/>
+                      <a:r>
+                        <a:rPr lang="he-IL" sz="700" u="none" strike="noStrike">
+                          <a:effectLst/>
+                        </a:rPr>
+                        <a:t>159</a:t>
+                      </a:r>
+                      <a:endParaRPr lang="he-IL" sz="700" b="0" i="0" u="none" strike="noStrike">
+                        <a:solidFill>
+                          <a:srgbClr val="000000"/>
+                        </a:solidFill>
+                        <a:effectLst/>
+                        <a:latin typeface="Arial" panose="020B0604020202020204" pitchFamily="34" charset="0"/>
+                      </a:endParaRPr>
+                    </a:p>
+                  </a:txBody>
+                  <a:tcPr marL="5152" marR="5152" marT="5152" marB="0" anchor="ctr"/>
+                </a:tc>
+                <a:tc>
+                  <a:txBody>
+                    <a:bodyPr/>
+                    <a:lstStyle/>
+                    <a:p>
+                      <a:pPr algn="ctr" rtl="0" fontAlgn="ctr"/>
+                      <a:r>
+                        <a:rPr lang="he-IL" sz="700" u="none" strike="noStrike">
+                          <a:effectLst/>
+                        </a:rPr>
+                        <a:t>3.305386</a:t>
+                      </a:r>
+                      <a:endParaRPr lang="he-IL" sz="700" b="0" i="0" u="none" strike="noStrike">
+                        <a:solidFill>
+                          <a:srgbClr val="000000"/>
+                        </a:solidFill>
+                        <a:effectLst/>
+                        <a:latin typeface="Arial" panose="020B0604020202020204" pitchFamily="34" charset="0"/>
+                      </a:endParaRPr>
+                    </a:p>
+                  </a:txBody>
+                  <a:tcPr marL="5152" marR="5152" marT="5152" marB="0" anchor="ctr"/>
+                </a:tc>
+                <a:extLst>
+                  <a:ext uri="{0D108BD9-81ED-4DB2-BD59-A6C34878D82A}">
+                    <a16:rowId xmlns:a16="http://schemas.microsoft.com/office/drawing/2014/main" val="2989265987"/>
+                  </a:ext>
+                </a:extLst>
+              </a:tr>
+              <a:tr h="132494">
+                <a:tc>
+                  <a:txBody>
+                    <a:bodyPr/>
+                    <a:lstStyle/>
+                    <a:p>
+                      <a:pPr algn="ctr" rtl="0" fontAlgn="ctr"/>
+                      <a:r>
+                        <a:rPr lang="he-IL" sz="700" u="none" strike="noStrike">
+                          <a:effectLst/>
+                        </a:rPr>
+                        <a:t>111</a:t>
+                      </a:r>
+                      <a:endParaRPr lang="he-IL" sz="700" b="0" i="0" u="none" strike="noStrike">
+                        <a:solidFill>
+                          <a:srgbClr val="000000"/>
+                        </a:solidFill>
+                        <a:effectLst/>
+                        <a:latin typeface="Arial" panose="020B0604020202020204" pitchFamily="34" charset="0"/>
+                      </a:endParaRPr>
+                    </a:p>
+                  </a:txBody>
+                  <a:tcPr marL="5152" marR="5152" marT="5152" marB="0" anchor="ctr"/>
+                </a:tc>
+                <a:tc>
+                  <a:txBody>
+                    <a:bodyPr/>
+                    <a:lstStyle/>
+                    <a:p>
+                      <a:pPr algn="ctr" rtl="0" fontAlgn="ctr"/>
+                      <a:r>
+                        <a:rPr lang="he-IL" sz="700" u="none" strike="noStrike">
+                          <a:effectLst/>
+                        </a:rPr>
+                        <a:t>51</a:t>
+                      </a:r>
+                      <a:endParaRPr lang="he-IL" sz="700" b="0" i="0" u="none" strike="noStrike">
+                        <a:solidFill>
+                          <a:srgbClr val="000000"/>
+                        </a:solidFill>
+                        <a:effectLst/>
+                        <a:latin typeface="Arial" panose="020B0604020202020204" pitchFamily="34" charset="0"/>
+                      </a:endParaRPr>
+                    </a:p>
+                  </a:txBody>
+                  <a:tcPr marL="5152" marR="5152" marT="5152" marB="0" anchor="ctr"/>
+                </a:tc>
+                <a:tc>
+                  <a:txBody>
+                    <a:bodyPr/>
+                    <a:lstStyle/>
+                    <a:p>
+                      <a:pPr algn="ctr" rtl="0" fontAlgn="ctr"/>
+                      <a:r>
+                        <a:rPr lang="he-IL" sz="700" u="none" strike="noStrike">
+                          <a:effectLst/>
+                        </a:rPr>
+                        <a:t>18</a:t>
+                      </a:r>
+                      <a:endParaRPr lang="he-IL" sz="700" b="0" i="0" u="none" strike="noStrike">
+                        <a:solidFill>
+                          <a:srgbClr val="000000"/>
+                        </a:solidFill>
+                        <a:effectLst/>
+                        <a:latin typeface="Arial" panose="020B0604020202020204" pitchFamily="34" charset="0"/>
+                      </a:endParaRPr>
+                    </a:p>
+                  </a:txBody>
+                  <a:tcPr marL="5152" marR="5152" marT="5152" marB="0" anchor="ctr"/>
+                </a:tc>
+                <a:tc>
+                  <a:txBody>
+                    <a:bodyPr/>
+                    <a:lstStyle/>
+                    <a:p>
+                      <a:pPr algn="ctr" rtl="0" fontAlgn="ctr"/>
+                      <a:r>
+                        <a:rPr lang="he-IL" sz="700" u="none" strike="noStrike">
+                          <a:effectLst/>
+                        </a:rPr>
+                        <a:t>53</a:t>
+                      </a:r>
+                      <a:endParaRPr lang="he-IL" sz="700" b="0" i="0" u="none" strike="noStrike">
+                        <a:solidFill>
+                          <a:srgbClr val="000000"/>
+                        </a:solidFill>
+                        <a:effectLst/>
+                        <a:latin typeface="Arial" panose="020B0604020202020204" pitchFamily="34" charset="0"/>
+                      </a:endParaRPr>
+                    </a:p>
+                  </a:txBody>
+                  <a:tcPr marL="5152" marR="5152" marT="5152" marB="0" anchor="ctr"/>
+                </a:tc>
+                <a:tc>
+                  <a:txBody>
+                    <a:bodyPr/>
+                    <a:lstStyle/>
+                    <a:p>
+                      <a:pPr algn="ctr" rtl="0" fontAlgn="ctr"/>
+                      <a:r>
+                        <a:rPr lang="he-IL" sz="700" u="none" strike="noStrike">
+                          <a:effectLst/>
+                        </a:rPr>
+                        <a:t>233</a:t>
+                      </a:r>
+                      <a:endParaRPr lang="he-IL" sz="700" b="0" i="0" u="none" strike="noStrike">
+                        <a:solidFill>
+                          <a:srgbClr val="000000"/>
+                        </a:solidFill>
+                        <a:effectLst/>
+                        <a:latin typeface="Arial" panose="020B0604020202020204" pitchFamily="34" charset="0"/>
+                      </a:endParaRPr>
+                    </a:p>
+                  </a:txBody>
+                  <a:tcPr marL="5152" marR="5152" marT="5152" marB="0" anchor="ctr"/>
+                </a:tc>
+                <a:tc>
+                  <a:txBody>
+                    <a:bodyPr/>
+                    <a:lstStyle/>
+                    <a:p>
+                      <a:pPr algn="ctr" rtl="0" fontAlgn="ctr"/>
+                      <a:r>
+                        <a:rPr lang="he-IL" sz="700" u="none" strike="noStrike">
+                          <a:effectLst/>
+                        </a:rPr>
+                        <a:t>9.222754</a:t>
+                      </a:r>
+                      <a:endParaRPr lang="he-IL" sz="700" b="0" i="0" u="none" strike="noStrike">
+                        <a:solidFill>
+                          <a:srgbClr val="000000"/>
+                        </a:solidFill>
+                        <a:effectLst/>
+                        <a:latin typeface="Arial" panose="020B0604020202020204" pitchFamily="34" charset="0"/>
+                      </a:endParaRPr>
+                    </a:p>
+                  </a:txBody>
+                  <a:tcPr marL="5152" marR="5152" marT="5152" marB="0" anchor="ctr"/>
+                </a:tc>
+                <a:extLst>
+                  <a:ext uri="{0D108BD9-81ED-4DB2-BD59-A6C34878D82A}">
+                    <a16:rowId xmlns:a16="http://schemas.microsoft.com/office/drawing/2014/main" val="3663558293"/>
+                  </a:ext>
+                </a:extLst>
+              </a:tr>
+              <a:tr h="132494">
+                <a:tc>
+                  <a:txBody>
+                    <a:bodyPr/>
+                    <a:lstStyle/>
+                    <a:p>
+                      <a:pPr algn="ctr" rtl="0" fontAlgn="ctr"/>
+                      <a:r>
+                        <a:rPr lang="he-IL" sz="700" u="none" strike="noStrike">
+                          <a:effectLst/>
+                        </a:rPr>
+                        <a:t>14</a:t>
+                      </a:r>
+                      <a:endParaRPr lang="he-IL" sz="700" b="0" i="0" u="none" strike="noStrike">
+                        <a:solidFill>
+                          <a:srgbClr val="000000"/>
+                        </a:solidFill>
+                        <a:effectLst/>
+                        <a:latin typeface="Arial" panose="020B0604020202020204" pitchFamily="34" charset="0"/>
+                      </a:endParaRPr>
+                    </a:p>
+                  </a:txBody>
+                  <a:tcPr marL="5152" marR="5152" marT="5152" marB="0" anchor="ctr"/>
+                </a:tc>
+                <a:tc>
+                  <a:txBody>
+                    <a:bodyPr/>
+                    <a:lstStyle/>
+                    <a:p>
+                      <a:pPr algn="ctr" rtl="0" fontAlgn="ctr"/>
+                      <a:r>
+                        <a:rPr lang="he-IL" sz="700" u="none" strike="noStrike">
+                          <a:effectLst/>
+                        </a:rPr>
+                        <a:t>13</a:t>
+                      </a:r>
+                      <a:endParaRPr lang="he-IL" sz="700" b="0" i="0" u="none" strike="noStrike">
+                        <a:solidFill>
+                          <a:srgbClr val="000000"/>
+                        </a:solidFill>
+                        <a:effectLst/>
+                        <a:latin typeface="Arial" panose="020B0604020202020204" pitchFamily="34" charset="0"/>
+                      </a:endParaRPr>
+                    </a:p>
+                  </a:txBody>
+                  <a:tcPr marL="5152" marR="5152" marT="5152" marB="0" anchor="ctr"/>
+                </a:tc>
+                <a:tc>
+                  <a:txBody>
+                    <a:bodyPr/>
+                    <a:lstStyle/>
+                    <a:p>
+                      <a:pPr algn="ctr" rtl="0" fontAlgn="ctr"/>
+                      <a:r>
+                        <a:rPr lang="he-IL" sz="700" u="none" strike="noStrike">
+                          <a:effectLst/>
+                        </a:rPr>
+                        <a:t>38</a:t>
+                      </a:r>
+                      <a:endParaRPr lang="he-IL" sz="700" b="0" i="0" u="none" strike="noStrike">
+                        <a:solidFill>
+                          <a:srgbClr val="000000"/>
+                        </a:solidFill>
+                        <a:effectLst/>
+                        <a:latin typeface="Arial" panose="020B0604020202020204" pitchFamily="34" charset="0"/>
+                      </a:endParaRPr>
+                    </a:p>
+                  </a:txBody>
+                  <a:tcPr marL="5152" marR="5152" marT="5152" marB="0" anchor="ctr"/>
+                </a:tc>
+                <a:tc>
+                  <a:txBody>
+                    <a:bodyPr/>
+                    <a:lstStyle/>
+                    <a:p>
+                      <a:pPr algn="ctr" rtl="0" fontAlgn="ctr"/>
+                      <a:r>
+                        <a:rPr lang="he-IL" sz="700" u="none" strike="noStrike">
+                          <a:effectLst/>
+                        </a:rPr>
+                        <a:t>15</a:t>
+                      </a:r>
+                      <a:endParaRPr lang="he-IL" sz="700" b="0" i="0" u="none" strike="noStrike">
+                        <a:solidFill>
+                          <a:srgbClr val="000000"/>
+                        </a:solidFill>
+                        <a:effectLst/>
+                        <a:latin typeface="Arial" panose="020B0604020202020204" pitchFamily="34" charset="0"/>
+                      </a:endParaRPr>
+                    </a:p>
+                  </a:txBody>
+                  <a:tcPr marL="5152" marR="5152" marT="5152" marB="0" anchor="ctr"/>
+                </a:tc>
+                <a:tc>
+                  <a:txBody>
+                    <a:bodyPr/>
+                    <a:lstStyle/>
+                    <a:p>
+                      <a:pPr algn="ctr" rtl="0" fontAlgn="ctr"/>
+                      <a:r>
+                        <a:rPr lang="he-IL" sz="700" u="none" strike="noStrike">
+                          <a:effectLst/>
+                        </a:rPr>
+                        <a:t>80</a:t>
+                      </a:r>
+                      <a:endParaRPr lang="he-IL" sz="700" b="0" i="0" u="none" strike="noStrike">
+                        <a:solidFill>
+                          <a:srgbClr val="000000"/>
+                        </a:solidFill>
+                        <a:effectLst/>
+                        <a:latin typeface="Arial" panose="020B0604020202020204" pitchFamily="34" charset="0"/>
+                      </a:endParaRPr>
+                    </a:p>
+                  </a:txBody>
+                  <a:tcPr marL="5152" marR="5152" marT="5152" marB="0" anchor="ctr"/>
+                </a:tc>
+                <a:tc>
+                  <a:txBody>
+                    <a:bodyPr/>
+                    <a:lstStyle/>
+                    <a:p>
+                      <a:pPr algn="ctr" rtl="0" fontAlgn="ctr"/>
+                      <a:r>
+                        <a:rPr lang="he-IL" sz="700" u="none" strike="noStrike">
+                          <a:effectLst/>
+                        </a:rPr>
+                        <a:t>1.356621</a:t>
+                      </a:r>
+                      <a:endParaRPr lang="he-IL" sz="700" b="0" i="0" u="none" strike="noStrike">
+                        <a:solidFill>
+                          <a:srgbClr val="000000"/>
+                        </a:solidFill>
+                        <a:effectLst/>
+                        <a:latin typeface="Arial" panose="020B0604020202020204" pitchFamily="34" charset="0"/>
+                      </a:endParaRPr>
+                    </a:p>
+                  </a:txBody>
+                  <a:tcPr marL="5152" marR="5152" marT="5152" marB="0" anchor="ctr"/>
+                </a:tc>
+                <a:extLst>
+                  <a:ext uri="{0D108BD9-81ED-4DB2-BD59-A6C34878D82A}">
+                    <a16:rowId xmlns:a16="http://schemas.microsoft.com/office/drawing/2014/main" val="3831601034"/>
+                  </a:ext>
+                </a:extLst>
+              </a:tr>
+              <a:tr h="132494">
+                <a:tc>
+                  <a:txBody>
+                    <a:bodyPr/>
+                    <a:lstStyle/>
+                    <a:p>
+                      <a:pPr algn="ctr" rtl="0" fontAlgn="ctr"/>
+                      <a:r>
+                        <a:rPr lang="he-IL" sz="700" u="none" strike="noStrike">
+                          <a:effectLst/>
+                        </a:rPr>
+                        <a:t>30</a:t>
+                      </a:r>
+                      <a:endParaRPr lang="he-IL" sz="700" b="0" i="0" u="none" strike="noStrike">
+                        <a:solidFill>
+                          <a:srgbClr val="000000"/>
+                        </a:solidFill>
+                        <a:effectLst/>
+                        <a:latin typeface="Arial" panose="020B0604020202020204" pitchFamily="34" charset="0"/>
+                      </a:endParaRPr>
+                    </a:p>
+                  </a:txBody>
+                  <a:tcPr marL="5152" marR="5152" marT="5152" marB="0" anchor="ctr"/>
+                </a:tc>
+                <a:tc>
+                  <a:txBody>
+                    <a:bodyPr/>
+                    <a:lstStyle/>
+                    <a:p>
+                      <a:pPr algn="ctr" rtl="0" fontAlgn="ctr"/>
+                      <a:r>
+                        <a:rPr lang="he-IL" sz="700" u="none" strike="noStrike">
+                          <a:effectLst/>
+                        </a:rPr>
+                        <a:t>23</a:t>
+                      </a:r>
+                      <a:endParaRPr lang="he-IL" sz="700" b="0" i="0" u="none" strike="noStrike">
+                        <a:solidFill>
+                          <a:srgbClr val="000000"/>
+                        </a:solidFill>
+                        <a:effectLst/>
+                        <a:latin typeface="Arial" panose="020B0604020202020204" pitchFamily="34" charset="0"/>
+                      </a:endParaRPr>
+                    </a:p>
+                  </a:txBody>
+                  <a:tcPr marL="5152" marR="5152" marT="5152" marB="0" anchor="ctr"/>
+                </a:tc>
+                <a:tc>
+                  <a:txBody>
+                    <a:bodyPr/>
+                    <a:lstStyle/>
+                    <a:p>
+                      <a:pPr algn="ctr" rtl="0" fontAlgn="ctr"/>
+                      <a:r>
+                        <a:rPr lang="he-IL" sz="700" u="none" strike="noStrike">
+                          <a:effectLst/>
+                        </a:rPr>
+                        <a:t>42</a:t>
+                      </a:r>
+                      <a:endParaRPr lang="he-IL" sz="700" b="0" i="0" u="none" strike="noStrike">
+                        <a:solidFill>
+                          <a:srgbClr val="000000"/>
+                        </a:solidFill>
+                        <a:effectLst/>
+                        <a:latin typeface="Arial" panose="020B0604020202020204" pitchFamily="34" charset="0"/>
+                      </a:endParaRPr>
+                    </a:p>
+                  </a:txBody>
+                  <a:tcPr marL="5152" marR="5152" marT="5152" marB="0" anchor="ctr"/>
+                </a:tc>
+                <a:tc>
+                  <a:txBody>
+                    <a:bodyPr/>
+                    <a:lstStyle/>
+                    <a:p>
+                      <a:pPr algn="ctr" rtl="0" fontAlgn="ctr"/>
+                      <a:r>
+                        <a:rPr lang="he-IL" sz="700" u="none" strike="noStrike">
+                          <a:effectLst/>
+                        </a:rPr>
+                        <a:t>15</a:t>
+                      </a:r>
+                      <a:endParaRPr lang="he-IL" sz="700" b="0" i="0" u="none" strike="noStrike">
+                        <a:solidFill>
+                          <a:srgbClr val="000000"/>
+                        </a:solidFill>
+                        <a:effectLst/>
+                        <a:latin typeface="Arial" panose="020B0604020202020204" pitchFamily="34" charset="0"/>
+                      </a:endParaRPr>
+                    </a:p>
+                  </a:txBody>
+                  <a:tcPr marL="5152" marR="5152" marT="5152" marB="0" anchor="ctr"/>
+                </a:tc>
+                <a:tc>
+                  <a:txBody>
+                    <a:bodyPr/>
+                    <a:lstStyle/>
+                    <a:p>
+                      <a:pPr algn="ctr" rtl="0" fontAlgn="ctr"/>
+                      <a:r>
+                        <a:rPr lang="he-IL" sz="700" u="none" strike="noStrike">
+                          <a:effectLst/>
+                        </a:rPr>
+                        <a:t>110</a:t>
+                      </a:r>
+                      <a:endParaRPr lang="he-IL" sz="700" b="0" i="0" u="none" strike="noStrike">
+                        <a:solidFill>
+                          <a:srgbClr val="000000"/>
+                        </a:solidFill>
+                        <a:effectLst/>
+                        <a:latin typeface="Arial" panose="020B0604020202020204" pitchFamily="34" charset="0"/>
+                      </a:endParaRPr>
+                    </a:p>
+                  </a:txBody>
+                  <a:tcPr marL="5152" marR="5152" marT="5152" marB="0" anchor="ctr"/>
+                </a:tc>
+                <a:tc>
+                  <a:txBody>
+                    <a:bodyPr/>
+                    <a:lstStyle/>
+                    <a:p>
+                      <a:pPr algn="ctr" rtl="0" fontAlgn="ctr"/>
+                      <a:r>
+                        <a:rPr lang="he-IL" sz="700" u="none" strike="noStrike">
+                          <a:effectLst/>
+                        </a:rPr>
+                        <a:t>3.635366</a:t>
+                      </a:r>
+                      <a:endParaRPr lang="he-IL" sz="700" b="0" i="0" u="none" strike="noStrike">
+                        <a:solidFill>
+                          <a:srgbClr val="000000"/>
+                        </a:solidFill>
+                        <a:effectLst/>
+                        <a:latin typeface="Arial" panose="020B0604020202020204" pitchFamily="34" charset="0"/>
+                      </a:endParaRPr>
+                    </a:p>
+                  </a:txBody>
+                  <a:tcPr marL="5152" marR="5152" marT="5152" marB="0" anchor="ctr"/>
+                </a:tc>
+                <a:extLst>
+                  <a:ext uri="{0D108BD9-81ED-4DB2-BD59-A6C34878D82A}">
+                    <a16:rowId xmlns:a16="http://schemas.microsoft.com/office/drawing/2014/main" val="2001043048"/>
+                  </a:ext>
+                </a:extLst>
+              </a:tr>
+              <a:tr h="132494">
+                <a:tc>
+                  <a:txBody>
+                    <a:bodyPr/>
+                    <a:lstStyle/>
+                    <a:p>
+                      <a:pPr algn="ctr" rtl="0" fontAlgn="ctr"/>
+                      <a:r>
+                        <a:rPr lang="he-IL" sz="700" u="none" strike="noStrike">
+                          <a:effectLst/>
+                        </a:rPr>
+                        <a:t>48</a:t>
+                      </a:r>
+                      <a:endParaRPr lang="he-IL" sz="700" b="0" i="0" u="none" strike="noStrike">
+                        <a:solidFill>
+                          <a:srgbClr val="000000"/>
+                        </a:solidFill>
+                        <a:effectLst/>
+                        <a:latin typeface="Arial" panose="020B0604020202020204" pitchFamily="34" charset="0"/>
+                      </a:endParaRPr>
+                    </a:p>
+                  </a:txBody>
+                  <a:tcPr marL="5152" marR="5152" marT="5152" marB="0" anchor="ctr"/>
+                </a:tc>
+                <a:tc>
+                  <a:txBody>
+                    <a:bodyPr/>
+                    <a:lstStyle/>
+                    <a:p>
+                      <a:pPr algn="ctr" rtl="0" fontAlgn="ctr"/>
+                      <a:r>
+                        <a:rPr lang="he-IL" sz="700" u="none" strike="noStrike">
+                          <a:effectLst/>
+                        </a:rPr>
+                        <a:t>26</a:t>
+                      </a:r>
+                      <a:endParaRPr lang="he-IL" sz="700" b="0" i="0" u="none" strike="noStrike">
+                        <a:solidFill>
+                          <a:srgbClr val="000000"/>
+                        </a:solidFill>
+                        <a:effectLst/>
+                        <a:latin typeface="Arial" panose="020B0604020202020204" pitchFamily="34" charset="0"/>
+                      </a:endParaRPr>
+                    </a:p>
+                  </a:txBody>
+                  <a:tcPr marL="5152" marR="5152" marT="5152" marB="0" anchor="ctr"/>
+                </a:tc>
+                <a:tc>
+                  <a:txBody>
+                    <a:bodyPr/>
+                    <a:lstStyle/>
+                    <a:p>
+                      <a:pPr algn="ctr" rtl="0" fontAlgn="ctr"/>
+                      <a:r>
+                        <a:rPr lang="he-IL" sz="700" u="none" strike="noStrike">
+                          <a:effectLst/>
+                        </a:rPr>
+                        <a:t>4</a:t>
+                      </a:r>
+                      <a:endParaRPr lang="he-IL" sz="700" b="0" i="0" u="none" strike="noStrike">
+                        <a:solidFill>
+                          <a:srgbClr val="000000"/>
+                        </a:solidFill>
+                        <a:effectLst/>
+                        <a:latin typeface="Arial" panose="020B0604020202020204" pitchFamily="34" charset="0"/>
+                      </a:endParaRPr>
+                    </a:p>
+                  </a:txBody>
+                  <a:tcPr marL="5152" marR="5152" marT="5152" marB="0" anchor="ctr"/>
+                </a:tc>
+                <a:tc>
+                  <a:txBody>
+                    <a:bodyPr/>
+                    <a:lstStyle/>
+                    <a:p>
+                      <a:pPr algn="ctr" rtl="0" fontAlgn="ctr"/>
+                      <a:r>
+                        <a:rPr lang="he-IL" sz="700" u="none" strike="noStrike">
+                          <a:effectLst/>
+                        </a:rPr>
+                        <a:t>28</a:t>
+                      </a:r>
+                      <a:endParaRPr lang="he-IL" sz="700" b="0" i="0" u="none" strike="noStrike">
+                        <a:solidFill>
+                          <a:srgbClr val="000000"/>
+                        </a:solidFill>
+                        <a:effectLst/>
+                        <a:latin typeface="Arial" panose="020B0604020202020204" pitchFamily="34" charset="0"/>
+                      </a:endParaRPr>
+                    </a:p>
+                  </a:txBody>
+                  <a:tcPr marL="5152" marR="5152" marT="5152" marB="0" anchor="ctr"/>
+                </a:tc>
+                <a:tc>
+                  <a:txBody>
+                    <a:bodyPr/>
+                    <a:lstStyle/>
+                    <a:p>
+                      <a:pPr algn="ctr" rtl="0" fontAlgn="ctr"/>
+                      <a:r>
+                        <a:rPr lang="he-IL" sz="700" u="none" strike="noStrike">
+                          <a:effectLst/>
+                        </a:rPr>
+                        <a:t>106</a:t>
+                      </a:r>
+                      <a:endParaRPr lang="he-IL" sz="700" b="0" i="0" u="none" strike="noStrike">
+                        <a:solidFill>
+                          <a:srgbClr val="000000"/>
+                        </a:solidFill>
+                        <a:effectLst/>
+                        <a:latin typeface="Arial" panose="020B0604020202020204" pitchFamily="34" charset="0"/>
+                      </a:endParaRPr>
+                    </a:p>
+                  </a:txBody>
+                  <a:tcPr marL="5152" marR="5152" marT="5152" marB="0" anchor="ctr"/>
+                </a:tc>
+                <a:tc>
+                  <a:txBody>
+                    <a:bodyPr/>
+                    <a:lstStyle/>
+                    <a:p>
+                      <a:pPr algn="ctr" rtl="0" fontAlgn="ctr"/>
+                      <a:r>
+                        <a:rPr lang="he-IL" sz="700" u="none" strike="noStrike" dirty="0">
+                          <a:effectLst/>
+                        </a:rPr>
+                        <a:t>4.133644</a:t>
+                      </a:r>
+                      <a:endParaRPr lang="he-IL" sz="700" b="0" i="0" u="none" strike="noStrike" dirty="0">
+                        <a:solidFill>
+                          <a:srgbClr val="000000"/>
+                        </a:solidFill>
+                        <a:effectLst/>
+                        <a:latin typeface="Arial" panose="020B0604020202020204" pitchFamily="34" charset="0"/>
+                      </a:endParaRPr>
+                    </a:p>
+                  </a:txBody>
+                  <a:tcPr marL="5152" marR="5152" marT="5152" marB="0" anchor="ctr"/>
+                </a:tc>
+                <a:extLst>
+                  <a:ext uri="{0D108BD9-81ED-4DB2-BD59-A6C34878D82A}">
+                    <a16:rowId xmlns:a16="http://schemas.microsoft.com/office/drawing/2014/main" val="2490265518"/>
+                  </a:ext>
+                </a:extLst>
+              </a:tr>
+            </a:tbl>
+          </a:graphicData>
+        </a:graphic>
+      </p:graphicFrame>
+      <p:pic>
+        <p:nvPicPr>
+          <p:cNvPr id="4" name="Picture 3"/>
+          <p:cNvPicPr>
+            <a:picLocks noChangeAspect="1"/>
+          </p:cNvPicPr>
+          <p:nvPr/>
+        </p:nvPicPr>
+        <p:blipFill>
+          <a:blip r:embed="rId2"/>
+          <a:stretch>
+            <a:fillRect/>
+          </a:stretch>
+        </p:blipFill>
+        <p:spPr>
+          <a:xfrm>
+            <a:off x="768235" y="2940580"/>
+            <a:ext cx="4439491" cy="2673560"/>
+          </a:xfrm>
+          <a:prstGeom prst="rect">
+            <a:avLst/>
+          </a:prstGeom>
+        </p:spPr>
+      </p:pic>
     </p:spTree>
     <p:extLst>
       <p:ext uri="{BB962C8B-B14F-4D97-AF65-F5344CB8AC3E}">
